--- a/deeep_learning/DL-Face_Verification.pptx
+++ b/deeep_learning/DL-Face_Verification.pptx
@@ -91,7 +91,7 @@
         <p:txBody>
           <a:bodyPr/>
           <a:p>
-            <a:fld id="{F5AE74A9-18D5-4271-BBD0-636033DCA192}" type="slidenum">
+            <a:fld id="{8FB97641-844B-4164-BB50-10939CA01E6F}" type="slidenum">
               <a:t>&lt;#&gt;</a:t>
             </a:fld>
           </a:p>
@@ -279,7 +279,7 @@
         <p:txBody>
           <a:bodyPr/>
           <a:p>
-            <a:fld id="{D267E05D-D4AD-40CA-B661-AF8EB841FD58}" type="slidenum">
+            <a:fld id="{95765202-24A7-4929-8652-6647FFC1CDF0}" type="slidenum">
               <a:t>&lt;#&gt;</a:t>
             </a:fld>
           </a:p>
@@ -535,7 +535,7 @@
         <p:txBody>
           <a:bodyPr/>
           <a:p>
-            <a:fld id="{3B49677C-86CA-462C-BA20-120252C3CDFC}" type="slidenum">
+            <a:fld id="{036AD473-3E51-41AE-B2C4-D3608F93E592}" type="slidenum">
               <a:t>&lt;#&gt;</a:t>
             </a:fld>
           </a:p>
@@ -859,7 +859,7 @@
         <p:txBody>
           <a:bodyPr/>
           <a:p>
-            <a:fld id="{91920069-A420-443A-BEF8-973CD299932F}" type="slidenum">
+            <a:fld id="{75F0E523-E34C-432A-B6F3-126BD6C9BF74}" type="slidenum">
               <a:t>&lt;#&gt;</a:t>
             </a:fld>
           </a:p>
@@ -942,7 +942,7 @@
         <p:txBody>
           <a:bodyPr/>
           <a:p>
-            <a:fld id="{B568DD3C-0484-4DD9-B259-DC02EE9A2193}" type="slidenum">
+            <a:fld id="{D9AE17BA-294D-4612-8A4E-4CDC5C01FD0B}" type="slidenum">
               <a:t>&lt;#&gt;</a:t>
             </a:fld>
           </a:p>
@@ -1099,7 +1099,7 @@
         <p:txBody>
           <a:bodyPr/>
           <a:p>
-            <a:fld id="{2AF56358-D1BA-4EA8-BCAF-E9BB327ED159}" type="slidenum">
+            <a:fld id="{5BB82982-4E35-4DED-BB45-FB8480E76982}" type="slidenum">
               <a:t>&lt;#&gt;</a:t>
             </a:fld>
           </a:p>
@@ -1253,7 +1253,7 @@
         <p:txBody>
           <a:bodyPr/>
           <a:p>
-            <a:fld id="{69D89AFF-EA4F-4E47-8332-BD4513FA7B84}" type="slidenum">
+            <a:fld id="{A8B78198-EEDE-40D0-9290-72C3DD46C385}" type="slidenum">
               <a:t>&lt;#&gt;</a:t>
             </a:fld>
           </a:p>
@@ -1441,7 +1441,7 @@
         <p:txBody>
           <a:bodyPr/>
           <a:p>
-            <a:fld id="{D5667338-764D-4D53-BF81-446867591168}" type="slidenum">
+            <a:fld id="{541B3F4D-1223-4A7A-BFD9-FE0474BC5E0F}" type="slidenum">
               <a:t>&lt;#&gt;</a:t>
             </a:fld>
           </a:p>
@@ -1561,7 +1561,7 @@
         <p:txBody>
           <a:bodyPr/>
           <a:p>
-            <a:fld id="{6D18E33B-26F2-4816-AC59-2139905E7288}" type="slidenum">
+            <a:fld id="{9E616F30-C70F-4AFB-9A5A-20D859D455E5}" type="slidenum">
               <a:t>&lt;#&gt;</a:t>
             </a:fld>
           </a:p>
@@ -1681,7 +1681,7 @@
         <p:txBody>
           <a:bodyPr/>
           <a:p>
-            <a:fld id="{C95DFD05-F97C-4253-9E40-6030561D2684}" type="slidenum">
+            <a:fld id="{A742C736-1477-4F7C-A58D-B188F1F52725}" type="slidenum">
               <a:t>&lt;#&gt;</a:t>
             </a:fld>
           </a:p>
@@ -1903,7 +1903,7 @@
         <p:txBody>
           <a:bodyPr/>
           <a:p>
-            <a:fld id="{705CD067-65AC-4550-B084-B05EB5C3E4E0}" type="slidenum">
+            <a:fld id="{6A637C44-BBAB-47C0-9485-2A5F85448FC0}" type="slidenum">
               <a:t>&lt;#&gt;</a:t>
             </a:fld>
           </a:p>
@@ -2060,7 +2060,7 @@
         <p:txBody>
           <a:bodyPr/>
           <a:p>
-            <a:fld id="{8B459ADB-2098-47BA-9113-398C9B791224}" type="slidenum">
+            <a:fld id="{5F5400EC-5E6F-4633-AA12-06469E4B09F4}" type="slidenum">
               <a:t>&lt;#&gt;</a:t>
             </a:fld>
           </a:p>
@@ -2282,7 +2282,7 @@
         <p:txBody>
           <a:bodyPr/>
           <a:p>
-            <a:fld id="{C3F48072-EC3E-4DA4-A7C3-F4402B068B23}" type="slidenum">
+            <a:fld id="{DBC03B31-962A-4D19-8DD1-18C9B43388F2}" type="slidenum">
               <a:t>&lt;#&gt;</a:t>
             </a:fld>
           </a:p>
@@ -2504,7 +2504,7 @@
         <p:txBody>
           <a:bodyPr/>
           <a:p>
-            <a:fld id="{48B825E1-20A4-4EEE-969E-4D3A34F3DDD0}" type="slidenum">
+            <a:fld id="{3DC5EFCF-65E7-45AE-8B90-6545C8769390}" type="slidenum">
               <a:t>&lt;#&gt;</a:t>
             </a:fld>
           </a:p>
@@ -2692,7 +2692,7 @@
         <p:txBody>
           <a:bodyPr/>
           <a:p>
-            <a:fld id="{48539967-182F-40F4-A1EA-3AEA181AD16F}" type="slidenum">
+            <a:fld id="{6D5334E2-D1C4-4656-9EA2-1A50B4EEC212}" type="slidenum">
               <a:t>&lt;#&gt;</a:t>
             </a:fld>
           </a:p>
@@ -2948,7 +2948,7 @@
         <p:txBody>
           <a:bodyPr/>
           <a:p>
-            <a:fld id="{F54D36C1-38AB-4E74-B773-57E48AB5EDEF}" type="slidenum">
+            <a:fld id="{7CB3070D-4A59-4B4F-B8A8-266A8952B99E}" type="slidenum">
               <a:t>&lt;#&gt;</a:t>
             </a:fld>
           </a:p>
@@ -3272,7 +3272,7 @@
         <p:txBody>
           <a:bodyPr/>
           <a:p>
-            <a:fld id="{39DA75D2-84CD-4B13-B571-C972AA19F5A2}" type="slidenum">
+            <a:fld id="{A503707C-4EB4-44DF-8368-B6BDB78EFDC6}" type="slidenum">
               <a:t>&lt;#&gt;</a:t>
             </a:fld>
           </a:p>
@@ -3355,7 +3355,7 @@
         <p:txBody>
           <a:bodyPr/>
           <a:p>
-            <a:fld id="{7E7981C0-3117-4284-9D32-904E4B2A3F45}" type="slidenum">
+            <a:fld id="{A1A80797-7390-46C1-BEFF-817747BC86A4}" type="slidenum">
               <a:t>&lt;#&gt;</a:t>
             </a:fld>
           </a:p>
@@ -3512,7 +3512,7 @@
         <p:txBody>
           <a:bodyPr/>
           <a:p>
-            <a:fld id="{B54078D4-3F82-4AC2-932E-ECA849F5BEBC}" type="slidenum">
+            <a:fld id="{092C0D17-AA4A-4D07-BDAC-293575DB0856}" type="slidenum">
               <a:t>&lt;#&gt;</a:t>
             </a:fld>
           </a:p>
@@ -3666,7 +3666,7 @@
         <p:txBody>
           <a:bodyPr/>
           <a:p>
-            <a:fld id="{B49D32EC-510E-4DD5-98D7-1BBCBA8C06A4}" type="slidenum">
+            <a:fld id="{CF0FE107-D5CA-4AFC-8189-1D6376691034}" type="slidenum">
               <a:t>&lt;#&gt;</a:t>
             </a:fld>
           </a:p>
@@ -3854,7 +3854,7 @@
         <p:txBody>
           <a:bodyPr/>
           <a:p>
-            <a:fld id="{F9086933-A569-400A-9C80-9CCDE98CA1A6}" type="slidenum">
+            <a:fld id="{9B1552BA-62B2-41D5-ADD7-AC3EC51975EC}" type="slidenum">
               <a:t>&lt;#&gt;</a:t>
             </a:fld>
           </a:p>
@@ -3974,7 +3974,7 @@
         <p:txBody>
           <a:bodyPr/>
           <a:p>
-            <a:fld id="{F3DECD7F-424E-44DD-B6F5-D75AB81F70F2}" type="slidenum">
+            <a:fld id="{975A2961-0051-4298-BFF7-2BC7DABAE53C}" type="slidenum">
               <a:t>&lt;#&gt;</a:t>
             </a:fld>
           </a:p>
@@ -4128,7 +4128,7 @@
         <p:txBody>
           <a:bodyPr/>
           <a:p>
-            <a:fld id="{A9396CA7-A1B8-4EAE-A811-8780FA6B511E}" type="slidenum">
+            <a:fld id="{5402122D-4F72-4E67-9216-5FF37DDE51EA}" type="slidenum">
               <a:t>&lt;#&gt;</a:t>
             </a:fld>
           </a:p>
@@ -4248,7 +4248,7 @@
         <p:txBody>
           <a:bodyPr/>
           <a:p>
-            <a:fld id="{2956BC85-D988-46A2-B61E-F2EEC0F32F35}" type="slidenum">
+            <a:fld id="{BA3C1095-4A05-49D9-9640-C947CC142AB3}" type="slidenum">
               <a:t>&lt;#&gt;</a:t>
             </a:fld>
           </a:p>
@@ -4470,7 +4470,7 @@
         <p:txBody>
           <a:bodyPr/>
           <a:p>
-            <a:fld id="{609C0B4B-7FF9-4DD0-801D-DDDCB9FC5CE3}" type="slidenum">
+            <a:fld id="{B794959C-9A8D-46CF-8236-AAEE80927189}" type="slidenum">
               <a:t>&lt;#&gt;</a:t>
             </a:fld>
           </a:p>
@@ -4692,7 +4692,7 @@
         <p:txBody>
           <a:bodyPr/>
           <a:p>
-            <a:fld id="{6A6A1AF5-F009-4B33-BF68-E25400AACEAE}" type="slidenum">
+            <a:fld id="{602F0BDC-6009-4408-A959-291212C7046B}" type="slidenum">
               <a:t>&lt;#&gt;</a:t>
             </a:fld>
           </a:p>
@@ -4914,7 +4914,7 @@
         <p:txBody>
           <a:bodyPr/>
           <a:p>
-            <a:fld id="{86044456-2E14-4922-805B-934A8DBBF69B}" type="slidenum">
+            <a:fld id="{02D562BC-0F87-4112-A962-A52B84BE8614}" type="slidenum">
               <a:t>&lt;#&gt;</a:t>
             </a:fld>
           </a:p>
@@ -5102,7 +5102,7 @@
         <p:txBody>
           <a:bodyPr/>
           <a:p>
-            <a:fld id="{125A8271-7C0E-4CDF-B04D-90F50AAB4965}" type="slidenum">
+            <a:fld id="{719447B8-3231-4E53-8C72-23E392497603}" type="slidenum">
               <a:t>&lt;#&gt;</a:t>
             </a:fld>
           </a:p>
@@ -5358,7 +5358,7 @@
         <p:txBody>
           <a:bodyPr/>
           <a:p>
-            <a:fld id="{8FF3310F-3AE5-4488-87F0-80094706F7A6}" type="slidenum">
+            <a:fld id="{F6B3E3EB-D10B-4936-A3CB-BC694CB709D4}" type="slidenum">
               <a:t>&lt;#&gt;</a:t>
             </a:fld>
           </a:p>
@@ -5682,7 +5682,7 @@
         <p:txBody>
           <a:bodyPr/>
           <a:p>
-            <a:fld id="{F401FF4A-2EEE-47B1-B633-3A0180C05E15}" type="slidenum">
+            <a:fld id="{E323DEC6-FCA5-44BA-9197-721DB27770BD}" type="slidenum">
               <a:t>&lt;#&gt;</a:t>
             </a:fld>
           </a:p>
@@ -5765,7 +5765,7 @@
         <p:txBody>
           <a:bodyPr/>
           <a:p>
-            <a:fld id="{0B0FB4A6-EF08-43EE-923B-1A904C8402BF}" type="slidenum">
+            <a:fld id="{F096327F-3D9B-48D2-ADC6-0B6F873FFE8C}" type="slidenum">
               <a:t>&lt;#&gt;</a:t>
             </a:fld>
           </a:p>
@@ -5922,7 +5922,7 @@
         <p:txBody>
           <a:bodyPr/>
           <a:p>
-            <a:fld id="{9DBA1F15-9B49-4824-8341-895BF58DD533}" type="slidenum">
+            <a:fld id="{95D3F8B5-81F5-4E27-9D58-C0AEDA891500}" type="slidenum">
               <a:t>&lt;#&gt;</a:t>
             </a:fld>
           </a:p>
@@ -6076,7 +6076,7 @@
         <p:txBody>
           <a:bodyPr/>
           <a:p>
-            <a:fld id="{1F85C68B-3915-4CD6-AC56-C40FA6DB0093}" type="slidenum">
+            <a:fld id="{47766A70-488B-4585-AFEB-5E6C6EB55E07}" type="slidenum">
               <a:t>&lt;#&gt;</a:t>
             </a:fld>
           </a:p>
@@ -6264,7 +6264,7 @@
         <p:txBody>
           <a:bodyPr/>
           <a:p>
-            <a:fld id="{587AC2A3-F6FC-4A2F-8C09-C1CDD3AA8D8C}" type="slidenum">
+            <a:fld id="{677CCA8B-C5D5-40BE-8BC9-5AF6EE12D485}" type="slidenum">
               <a:t>&lt;#&gt;</a:t>
             </a:fld>
           </a:p>
@@ -6452,7 +6452,7 @@
         <p:txBody>
           <a:bodyPr/>
           <a:p>
-            <a:fld id="{2986F267-2244-4B0B-9FFA-C13E21BF5196}" type="slidenum">
+            <a:fld id="{71670082-8BB1-4E3B-A12E-4369E5762A7C}" type="slidenum">
               <a:t>&lt;#&gt;</a:t>
             </a:fld>
           </a:p>
@@ -6572,7 +6572,7 @@
         <p:txBody>
           <a:bodyPr/>
           <a:p>
-            <a:fld id="{264E4AAD-6D52-4334-A7D6-8F2102D02A59}" type="slidenum">
+            <a:fld id="{8BC5BF14-6CA9-457B-8D16-161611B75C7F}" type="slidenum">
               <a:t>&lt;#&gt;</a:t>
             </a:fld>
           </a:p>
@@ -6692,7 +6692,7 @@
         <p:txBody>
           <a:bodyPr/>
           <a:p>
-            <a:fld id="{40D80C9B-34D6-4A73-BF87-0C67AC13B7C5}" type="slidenum">
+            <a:fld id="{B65D3785-D5F1-4451-9C44-A7DCF40838A1}" type="slidenum">
               <a:t>&lt;#&gt;</a:t>
             </a:fld>
           </a:p>
@@ -6914,7 +6914,7 @@
         <p:txBody>
           <a:bodyPr/>
           <a:p>
-            <a:fld id="{9812FC51-2E80-41AE-B128-D7D77C671FCD}" type="slidenum">
+            <a:fld id="{0437E786-B5DF-4CE8-8B5C-FEC564CBE2E3}" type="slidenum">
               <a:t>&lt;#&gt;</a:t>
             </a:fld>
           </a:p>
@@ -7136,7 +7136,7 @@
         <p:txBody>
           <a:bodyPr/>
           <a:p>
-            <a:fld id="{BA963FAE-390F-4AFF-965E-D7C14AC1614B}" type="slidenum">
+            <a:fld id="{4E5FEE55-2818-432C-BA95-147CBEB2233A}" type="slidenum">
               <a:t>&lt;#&gt;</a:t>
             </a:fld>
           </a:p>
@@ -7358,7 +7358,7 @@
         <p:txBody>
           <a:bodyPr/>
           <a:p>
-            <a:fld id="{1F7D3DCF-DBDC-42DE-AD04-603CD8D27DC0}" type="slidenum">
+            <a:fld id="{DA46B952-FB8A-4048-9EF6-6BFE0CE9A18A}" type="slidenum">
               <a:t>&lt;#&gt;</a:t>
             </a:fld>
           </a:p>
@@ -7546,7 +7546,7 @@
         <p:txBody>
           <a:bodyPr/>
           <a:p>
-            <a:fld id="{1F1B9FBC-738B-498B-ACB4-D4589A6820EB}" type="slidenum">
+            <a:fld id="{8C04E9FC-76F6-41B6-B10A-B1E9EB1B2DD7}" type="slidenum">
               <a:t>&lt;#&gt;</a:t>
             </a:fld>
           </a:p>
@@ -7802,7 +7802,7 @@
         <p:txBody>
           <a:bodyPr/>
           <a:p>
-            <a:fld id="{C0B60870-40F4-4FB9-B5B6-FCF64783C3C1}" type="slidenum">
+            <a:fld id="{C92AD002-F694-4C80-ADEB-481CEA1F6A12}" type="slidenum">
               <a:t>&lt;#&gt;</a:t>
             </a:fld>
           </a:p>
@@ -8126,7 +8126,7 @@
         <p:txBody>
           <a:bodyPr/>
           <a:p>
-            <a:fld id="{94AAB252-C722-49F7-AD42-012071C87AAE}" type="slidenum">
+            <a:fld id="{173C98DA-4BCB-4CFA-9D04-51BFF6A56573}" type="slidenum">
               <a:t>&lt;#&gt;</a:t>
             </a:fld>
           </a:p>
@@ -8209,7 +8209,7 @@
         <p:txBody>
           <a:bodyPr/>
           <a:p>
-            <a:fld id="{10D4BA44-2133-4181-A5B5-0F20474F88B6}" type="slidenum">
+            <a:fld id="{C599178C-FD58-4DD5-9AF4-2D292E16E1BC}" type="slidenum">
               <a:t>&lt;#&gt;</a:t>
             </a:fld>
           </a:p>
@@ -8329,7 +8329,7 @@
         <p:txBody>
           <a:bodyPr/>
           <a:p>
-            <a:fld id="{0CBE5EEF-DB68-4279-9430-99705D39A861}" type="slidenum">
+            <a:fld id="{2F3CBC65-1B40-4397-A05B-B3AF1ED74C9B}" type="slidenum">
               <a:t>&lt;#&gt;</a:t>
             </a:fld>
           </a:p>
@@ -8486,7 +8486,7 @@
         <p:txBody>
           <a:bodyPr/>
           <a:p>
-            <a:fld id="{C1E70F10-047C-49D2-ABBD-F2CA03851E75}" type="slidenum">
+            <a:fld id="{AC3657A1-9F7A-4FD0-99D9-B539D3A2CDD9}" type="slidenum">
               <a:t>&lt;#&gt;</a:t>
             </a:fld>
           </a:p>
@@ -8640,7 +8640,7 @@
         <p:txBody>
           <a:bodyPr/>
           <a:p>
-            <a:fld id="{C5F83AE4-87A5-47E0-A66D-08BEE1A6CBC7}" type="slidenum">
+            <a:fld id="{7A72249F-8379-430E-82A1-D48531CA9655}" type="slidenum">
               <a:t>&lt;#&gt;</a:t>
             </a:fld>
           </a:p>
@@ -8828,7 +8828,7 @@
         <p:txBody>
           <a:bodyPr/>
           <a:p>
-            <a:fld id="{FDEE285E-B7A2-4DDE-9591-A9A53A6D6D22}" type="slidenum">
+            <a:fld id="{C319C3E4-0856-4B4C-B879-93055CE97DB4}" type="slidenum">
               <a:t>&lt;#&gt;</a:t>
             </a:fld>
           </a:p>
@@ -8948,7 +8948,7 @@
         <p:txBody>
           <a:bodyPr/>
           <a:p>
-            <a:fld id="{03D44AA0-471D-4201-B23B-4AB3D3BDE497}" type="slidenum">
+            <a:fld id="{804F493D-69B9-4E97-AFF9-D3587AC6A04D}" type="slidenum">
               <a:t>&lt;#&gt;</a:t>
             </a:fld>
           </a:p>
@@ -9068,7 +9068,7 @@
         <p:txBody>
           <a:bodyPr/>
           <a:p>
-            <a:fld id="{F75044AA-7137-4A3D-9986-8F22F7865B29}" type="slidenum">
+            <a:fld id="{6CBAFB55-C1F6-469D-8B3A-E0CECC21F223}" type="slidenum">
               <a:t>&lt;#&gt;</a:t>
             </a:fld>
           </a:p>
@@ -9290,7 +9290,7 @@
         <p:txBody>
           <a:bodyPr/>
           <a:p>
-            <a:fld id="{0E669942-9776-4080-B372-0BBF22BBBB8A}" type="slidenum">
+            <a:fld id="{BC999160-0BE8-4762-A558-06DB8C1B1564}" type="slidenum">
               <a:t>&lt;#&gt;</a:t>
             </a:fld>
           </a:p>
@@ -9512,7 +9512,7 @@
         <p:txBody>
           <a:bodyPr/>
           <a:p>
-            <a:fld id="{D63275D5-559C-421F-8EE1-D8BD5CE0D152}" type="slidenum">
+            <a:fld id="{FBD09F79-01DB-482F-80DE-3BD2963FAD6F}" type="slidenum">
               <a:t>&lt;#&gt;</a:t>
             </a:fld>
           </a:p>
@@ -9734,7 +9734,7 @@
         <p:txBody>
           <a:bodyPr/>
           <a:p>
-            <a:fld id="{BBF37BAC-9B61-41D0-8A77-3984BA4F8967}" type="slidenum">
+            <a:fld id="{D6F0BF73-F0A1-4104-9965-B651DD818234}" type="slidenum">
               <a:t>&lt;#&gt;</a:t>
             </a:fld>
           </a:p>
@@ -9922,7 +9922,7 @@
         <p:txBody>
           <a:bodyPr/>
           <a:p>
-            <a:fld id="{655FF53C-5563-429B-A4F9-2A8653D5532C}" type="slidenum">
+            <a:fld id="{288A0619-B2B5-4E02-B073-6B382CB936FE}" type="slidenum">
               <a:t>&lt;#&gt;</a:t>
             </a:fld>
           </a:p>
@@ -10178,7 +10178,7 @@
         <p:txBody>
           <a:bodyPr/>
           <a:p>
-            <a:fld id="{EA6C56B4-91D7-42F4-8CC3-F54610811648}" type="slidenum">
+            <a:fld id="{6B6D76AC-355E-45E3-8237-CAF7C5DC5526}" type="slidenum">
               <a:t>&lt;#&gt;</a:t>
             </a:fld>
           </a:p>
@@ -10298,7 +10298,7 @@
         <p:txBody>
           <a:bodyPr/>
           <a:p>
-            <a:fld id="{232EE9A7-9A88-4F00-BEC0-D7CFAF4EBF03}" type="slidenum">
+            <a:fld id="{1BBFDEA2-2071-4C1D-A31F-9008E19E91A8}" type="slidenum">
               <a:t>&lt;#&gt;</a:t>
             </a:fld>
           </a:p>
@@ -10622,7 +10622,7 @@
         <p:txBody>
           <a:bodyPr/>
           <a:p>
-            <a:fld id="{286885E7-CA10-49A6-BF27-F0B2BEBFA3EA}" type="slidenum">
+            <a:fld id="{5337651B-7CBE-4F8F-8414-6F83D01FC6B4}" type="slidenum">
               <a:t>&lt;#&gt;</a:t>
             </a:fld>
           </a:p>
@@ -10705,7 +10705,7 @@
         <p:txBody>
           <a:bodyPr/>
           <a:p>
-            <a:fld id="{8811659E-6F10-4A4F-8BAB-DF5DE23D9192}" type="slidenum">
+            <a:fld id="{BFEA0152-1255-4202-820E-65227C62BC8B}" type="slidenum">
               <a:t>&lt;#&gt;</a:t>
             </a:fld>
           </a:p>
@@ -10862,7 +10862,7 @@
         <p:txBody>
           <a:bodyPr/>
           <a:p>
-            <a:fld id="{A7FC47C7-D433-48D4-842D-36D4094CCCB9}" type="slidenum">
+            <a:fld id="{5306CFAE-8E7A-4253-879F-037E1539767F}" type="slidenum">
               <a:t>&lt;#&gt;</a:t>
             </a:fld>
           </a:p>
@@ -11016,7 +11016,7 @@
         <p:txBody>
           <a:bodyPr/>
           <a:p>
-            <a:fld id="{351F4752-AE5C-4768-BAAA-99E1C6EDD858}" type="slidenum">
+            <a:fld id="{3986861B-54C1-41F1-991F-26F316FC3A64}" type="slidenum">
               <a:t>&lt;#&gt;</a:t>
             </a:fld>
           </a:p>
@@ -11204,7 +11204,7 @@
         <p:txBody>
           <a:bodyPr/>
           <a:p>
-            <a:fld id="{3E8D365B-7B7D-47B4-959F-A6ED176D3EEB}" type="slidenum">
+            <a:fld id="{A803E376-BDB2-471C-B62F-D21DAD306140}" type="slidenum">
               <a:t>&lt;#&gt;</a:t>
             </a:fld>
           </a:p>
@@ -11324,7 +11324,7 @@
         <p:txBody>
           <a:bodyPr/>
           <a:p>
-            <a:fld id="{2A353AE1-E34D-43B2-BD82-DB6573D9CB70}" type="slidenum">
+            <a:fld id="{BCB704B4-9222-4C2D-B115-F0ACE4B675A7}" type="slidenum">
               <a:t>&lt;#&gt;</a:t>
             </a:fld>
           </a:p>
@@ -11444,7 +11444,7 @@
         <p:txBody>
           <a:bodyPr/>
           <a:p>
-            <a:fld id="{06FE6741-35C6-4A04-931F-6B75B8A41200}" type="slidenum">
+            <a:fld id="{DFDA8EAA-D0A3-40ED-96E7-B9C644170FDD}" type="slidenum">
               <a:t>&lt;#&gt;</a:t>
             </a:fld>
           </a:p>
@@ -11666,7 +11666,7 @@
         <p:txBody>
           <a:bodyPr/>
           <a:p>
-            <a:fld id="{F5B95F9C-FE9A-44C2-BA19-F3675D1C6E6F}" type="slidenum">
+            <a:fld id="{7DB32DF2-144F-457C-9420-EAC72EA3E1EC}" type="slidenum">
               <a:t>&lt;#&gt;</a:t>
             </a:fld>
           </a:p>
@@ -11888,7 +11888,7 @@
         <p:txBody>
           <a:bodyPr/>
           <a:p>
-            <a:fld id="{216A1A5B-0832-4B0F-B5E4-C5E9D019C4DB}" type="slidenum">
+            <a:fld id="{A07FF021-B18B-47AA-8FE8-F8868E1146FD}" type="slidenum">
               <a:t>&lt;#&gt;</a:t>
             </a:fld>
           </a:p>
@@ -12110,7 +12110,7 @@
         <p:txBody>
           <a:bodyPr/>
           <a:p>
-            <a:fld id="{DC84A166-01F8-4921-B6FA-A7CD465C80A0}" type="slidenum">
+            <a:fld id="{275995E9-E194-4147-B150-E91F5330DE4E}" type="slidenum">
               <a:t>&lt;#&gt;</a:t>
             </a:fld>
           </a:p>
@@ -12332,7 +12332,7 @@
         <p:txBody>
           <a:bodyPr/>
           <a:p>
-            <a:fld id="{55902A22-EA18-4B66-9018-979002EA5FF9}" type="slidenum">
+            <a:fld id="{F6E0FC0B-B58C-47C8-BD49-EACE5FA1FAA0}" type="slidenum">
               <a:t>&lt;#&gt;</a:t>
             </a:fld>
           </a:p>
@@ -12520,7 +12520,7 @@
         <p:txBody>
           <a:bodyPr/>
           <a:p>
-            <a:fld id="{E2DD623E-CCF9-4684-9DDD-12028FF97183}" type="slidenum">
+            <a:fld id="{4421FA9B-6ECE-4EEA-A372-21836BACE293}" type="slidenum">
               <a:t>&lt;#&gt;</a:t>
             </a:fld>
           </a:p>
@@ -12776,7 +12776,7 @@
         <p:txBody>
           <a:bodyPr/>
           <a:p>
-            <a:fld id="{2D971531-CFA1-4044-95E3-46C3E4211643}" type="slidenum">
+            <a:fld id="{7E01E30B-79A3-4684-8F69-D7933E426604}" type="slidenum">
               <a:t>&lt;#&gt;</a:t>
             </a:fld>
           </a:p>
@@ -13100,7 +13100,7 @@
         <p:txBody>
           <a:bodyPr/>
           <a:p>
-            <a:fld id="{D010E9E0-EDDD-4574-9365-9DD048FE69BD}" type="slidenum">
+            <a:fld id="{74FAB154-EF2E-4D1C-8713-796D7DCBE5C7}" type="slidenum">
               <a:t>&lt;#&gt;</a:t>
             </a:fld>
           </a:p>
@@ -13183,7 +13183,7 @@
         <p:txBody>
           <a:bodyPr/>
           <a:p>
-            <a:fld id="{8816D2B5-79BC-4544-9D69-89163451F9EF}" type="slidenum">
+            <a:fld id="{34B27559-C43F-49E6-AD6E-DE147E1C1D92}" type="slidenum">
               <a:t>&lt;#&gt;</a:t>
             </a:fld>
           </a:p>
@@ -13340,7 +13340,7 @@
         <p:txBody>
           <a:bodyPr/>
           <a:p>
-            <a:fld id="{29EEDC4B-D133-41F2-9877-925C0F1CF3BE}" type="slidenum">
+            <a:fld id="{36EF0784-CC0A-4143-B443-5727A090068D}" type="slidenum">
               <a:t>&lt;#&gt;</a:t>
             </a:fld>
           </a:p>
@@ -13494,7 +13494,7 @@
         <p:txBody>
           <a:bodyPr/>
           <a:p>
-            <a:fld id="{5EEC3287-BF4B-4CF1-A576-630B8BD07DB2}" type="slidenum">
+            <a:fld id="{EF1504D8-9347-4962-AAED-98C2FA4ECF62}" type="slidenum">
               <a:t>&lt;#&gt;</a:t>
             </a:fld>
           </a:p>
@@ -13682,7 +13682,7 @@
         <p:txBody>
           <a:bodyPr/>
           <a:p>
-            <a:fld id="{21B253C7-51C4-405A-83C5-2CA7FBE5809E}" type="slidenum">
+            <a:fld id="{1794AC79-E5D6-4D4E-AFCE-D82CF0C292A8}" type="slidenum">
               <a:t>&lt;#&gt;</a:t>
             </a:fld>
           </a:p>
@@ -13802,7 +13802,7 @@
         <p:txBody>
           <a:bodyPr/>
           <a:p>
-            <a:fld id="{A43530CA-6C2D-4206-B0D7-62F4AB04CB89}" type="slidenum">
+            <a:fld id="{483C0AE3-A104-4F97-96DD-61D204F5E605}" type="slidenum">
               <a:t>&lt;#&gt;</a:t>
             </a:fld>
           </a:p>
@@ -13922,7 +13922,7 @@
         <p:txBody>
           <a:bodyPr/>
           <a:p>
-            <a:fld id="{78DA1D5A-8B21-4C75-87E6-00A238B5393B}" type="slidenum">
+            <a:fld id="{0685BECB-B542-4BD2-BD3A-F53D5016AED4}" type="slidenum">
               <a:t>&lt;#&gt;</a:t>
             </a:fld>
           </a:p>
@@ -14144,7 +14144,7 @@
         <p:txBody>
           <a:bodyPr/>
           <a:p>
-            <a:fld id="{AA466E7A-3915-4227-AA79-5228DA3B31CE}" type="slidenum">
+            <a:fld id="{0BAA0FAA-0B0E-483B-A3B3-7D5D1DFA28C0}" type="slidenum">
               <a:t>&lt;#&gt;</a:t>
             </a:fld>
           </a:p>
@@ -14366,7 +14366,7 @@
         <p:txBody>
           <a:bodyPr/>
           <a:p>
-            <a:fld id="{CF02976F-B5FF-42FB-9FA1-BFCA0DB7504D}" type="slidenum">
+            <a:fld id="{16BE4289-DCA7-479F-BAFE-CFF3C5EC2FE6}" type="slidenum">
               <a:t>&lt;#&gt;</a:t>
             </a:fld>
           </a:p>
@@ -14588,7 +14588,7 @@
         <p:txBody>
           <a:bodyPr/>
           <a:p>
-            <a:fld id="{75C3F3DC-7A70-4598-A2B4-98FE527F43FD}" type="slidenum">
+            <a:fld id="{FCC310D1-AA6F-4A57-8B76-D755C19DC982}" type="slidenum">
               <a:t>&lt;#&gt;</a:t>
             </a:fld>
           </a:p>
@@ -14810,7 +14810,7 @@
         <p:txBody>
           <a:bodyPr/>
           <a:p>
-            <a:fld id="{1C0536A7-0786-4D22-8A47-F4F63ACCBD33}" type="slidenum">
+            <a:fld id="{8D56AA6E-398C-4279-81D2-A7BB153F6028}" type="slidenum">
               <a:t>&lt;#&gt;</a:t>
             </a:fld>
           </a:p>
@@ -14998,7 +14998,7 @@
         <p:txBody>
           <a:bodyPr/>
           <a:p>
-            <a:fld id="{5F65B242-5C99-43B6-9586-AA81ABA5CBAE}" type="slidenum">
+            <a:fld id="{D680DFCD-0980-4EC5-A0FE-AF04D91AD6B6}" type="slidenum">
               <a:t>&lt;#&gt;</a:t>
             </a:fld>
           </a:p>
@@ -15254,7 +15254,7 @@
         <p:txBody>
           <a:bodyPr/>
           <a:p>
-            <a:fld id="{0B2D9321-33CD-4F55-9171-6D658CD51284}" type="slidenum">
+            <a:fld id="{8EFD4D72-2B0A-46E0-A83E-045721B1D7FC}" type="slidenum">
               <a:t>&lt;#&gt;</a:t>
             </a:fld>
           </a:p>
@@ -15578,7 +15578,7 @@
         <p:txBody>
           <a:bodyPr/>
           <a:p>
-            <a:fld id="{D0CAB7C3-9BA4-4B3F-BED3-EF8A44A9CD46}" type="slidenum">
+            <a:fld id="{CCC0B308-8E0B-434A-9966-127DC515D326}" type="slidenum">
               <a:t>&lt;#&gt;</a:t>
             </a:fld>
           </a:p>
@@ -15661,7 +15661,7 @@
         <p:txBody>
           <a:bodyPr/>
           <a:p>
-            <a:fld id="{F0368AB2-4A82-46AB-BC84-40E8DAF618F4}" type="slidenum">
+            <a:fld id="{37A1653D-0E18-4C7D-90A5-7FCA29B1D474}" type="slidenum">
               <a:t>&lt;#&gt;</a:t>
             </a:fld>
           </a:p>
@@ -15818,7 +15818,7 @@
         <p:txBody>
           <a:bodyPr/>
           <a:p>
-            <a:fld id="{39E41DF7-3F80-4929-AC5B-2A83F696EE0E}" type="slidenum">
+            <a:fld id="{9299B675-1C4C-4DB5-951D-F947820BA47F}" type="slidenum">
               <a:t>&lt;#&gt;</a:t>
             </a:fld>
           </a:p>
@@ -15972,7 +15972,7 @@
         <p:txBody>
           <a:bodyPr/>
           <a:p>
-            <a:fld id="{40065B1C-FEC6-4720-AFE5-2FDA39C3D144}" type="slidenum">
+            <a:fld id="{7B08F548-E719-4466-8066-4C0C8FA027E0}" type="slidenum">
               <a:t>&lt;#&gt;</a:t>
             </a:fld>
           </a:p>
@@ -16160,7 +16160,7 @@
         <p:txBody>
           <a:bodyPr/>
           <a:p>
-            <a:fld id="{0D5E8648-9FD5-49B6-8D09-F8EF0A737AF2}" type="slidenum">
+            <a:fld id="{B1176C2B-298D-41D5-B7AA-31E4C9C4773D}" type="slidenum">
               <a:t>&lt;#&gt;</a:t>
             </a:fld>
           </a:p>
@@ -16280,7 +16280,7 @@
         <p:txBody>
           <a:bodyPr/>
           <a:p>
-            <a:fld id="{6A129995-2D93-4897-B606-73F79A481D60}" type="slidenum">
+            <a:fld id="{4030BBBB-250B-4046-9BC5-E9F6020F0C64}" type="slidenum">
               <a:t>&lt;#&gt;</a:t>
             </a:fld>
           </a:p>
@@ -16502,7 +16502,7 @@
         <p:txBody>
           <a:bodyPr/>
           <a:p>
-            <a:fld id="{212EB9A8-8541-43D6-9099-2B90E4AF5D4B}" type="slidenum">
+            <a:fld id="{C9DCA9C8-B174-4814-A4A9-D42DAB95FC19}" type="slidenum">
               <a:t>&lt;#&gt;</a:t>
             </a:fld>
           </a:p>
@@ -16622,7 +16622,7 @@
         <p:txBody>
           <a:bodyPr/>
           <a:p>
-            <a:fld id="{12FB5CCC-9691-478D-8E6D-7BD0C2840B62}" type="slidenum">
+            <a:fld id="{FC8A5A7F-9244-43AC-80DD-3F3B0B99587F}" type="slidenum">
               <a:t>&lt;#&gt;</a:t>
             </a:fld>
           </a:p>
@@ -16844,7 +16844,7 @@
         <p:txBody>
           <a:bodyPr/>
           <a:p>
-            <a:fld id="{60C95FF9-0FC5-4246-BDD3-B13CB0BC5860}" type="slidenum">
+            <a:fld id="{4801512E-22BD-4AD3-AB86-4E18A5D4B1F4}" type="slidenum">
               <a:t>&lt;#&gt;</a:t>
             </a:fld>
           </a:p>
@@ -17066,7 +17066,7 @@
         <p:txBody>
           <a:bodyPr/>
           <a:p>
-            <a:fld id="{4D8626B4-18EC-4DFE-937D-67C528A83ABE}" type="slidenum">
+            <a:fld id="{BEEBBC8E-BBAE-49F4-A836-189A34677842}" type="slidenum">
               <a:t>&lt;#&gt;</a:t>
             </a:fld>
           </a:p>
@@ -17288,7 +17288,7 @@
         <p:txBody>
           <a:bodyPr/>
           <a:p>
-            <a:fld id="{C1032A5B-71A0-4E4B-A0B5-29F1E782C0ED}" type="slidenum">
+            <a:fld id="{F323E621-FC39-403E-92FB-30FBEF4229DF}" type="slidenum">
               <a:t>&lt;#&gt;</a:t>
             </a:fld>
           </a:p>
@@ -17476,7 +17476,7 @@
         <p:txBody>
           <a:bodyPr/>
           <a:p>
-            <a:fld id="{E13FCE5C-8895-4486-8DBD-F09AE1B95D6B}" type="slidenum">
+            <a:fld id="{3ED701CA-65F6-4C01-8445-81DF0D828022}" type="slidenum">
               <a:t>&lt;#&gt;</a:t>
             </a:fld>
           </a:p>
@@ -17732,7 +17732,7 @@
         <p:txBody>
           <a:bodyPr/>
           <a:p>
-            <a:fld id="{9F6DDACF-D32F-4B88-99D3-C20B2A7D461D}" type="slidenum">
+            <a:fld id="{8959E2A8-7E24-4726-A65A-A04A66D28645}" type="slidenum">
               <a:t>&lt;#&gt;</a:t>
             </a:fld>
           </a:p>
@@ -18056,7 +18056,7 @@
         <p:txBody>
           <a:bodyPr/>
           <a:p>
-            <a:fld id="{D877B8D1-99C7-4459-A269-2909FB0D87FE}" type="slidenum">
+            <a:fld id="{92FEC275-605C-4CEC-BE30-37655C5A5154}" type="slidenum">
               <a:t>&lt;#&gt;</a:t>
             </a:fld>
           </a:p>
@@ -18121,30 +18121,22 @@
         <p:spPr>
           <a:xfrm>
             <a:off x="3240" y="6400800"/>
-            <a:ext cx="12186720" cy="455040"/>
+            <a:ext cx="12185640" cy="453960"/>
           </a:xfrm>
           <a:prstGeom prst="rect">
             <a:avLst/>
           </a:prstGeom>
           <a:solidFill>
-            <a:schemeClr val="accent2"/>
+            <a:srgbClr val="2683c6"/>
           </a:solidFill>
-          <a:ln>
+          <a:ln w="25560">
             <a:noFill/>
           </a:ln>
         </p:spPr>
         <p:style>
-          <a:lnRef idx="2">
-            <a:schemeClr val="accent1">
-              <a:shade val="50000"/>
-            </a:schemeClr>
-          </a:lnRef>
-          <a:fillRef idx="1">
-            <a:schemeClr val="accent1"/>
-          </a:fillRef>
-          <a:effectRef idx="0">
-            <a:schemeClr val="accent1"/>
-          </a:effectRef>
+          <a:lnRef idx="0"/>
+          <a:fillRef idx="0"/>
+          <a:effectRef idx="0"/>
           <a:fontRef idx="minor"/>
         </p:style>
       </p:sp>
@@ -18157,30 +18149,22 @@
         <p:spPr>
           <a:xfrm>
             <a:off x="0" y="6334200"/>
-            <a:ext cx="12186720" cy="61920"/>
+            <a:ext cx="12185640" cy="60840"/>
           </a:xfrm>
           <a:prstGeom prst="rect">
             <a:avLst/>
           </a:prstGeom>
           <a:solidFill>
-            <a:schemeClr val="accent1"/>
+            <a:srgbClr val="1cade4"/>
           </a:solidFill>
-          <a:ln>
+          <a:ln w="25560">
             <a:noFill/>
           </a:ln>
         </p:spPr>
         <p:style>
-          <a:lnRef idx="2">
-            <a:schemeClr val="accent1">
-              <a:shade val="50000"/>
-            </a:schemeClr>
-          </a:lnRef>
-          <a:fillRef idx="1">
-            <a:schemeClr val="accent1"/>
-          </a:fillRef>
-          <a:effectRef idx="0">
-            <a:schemeClr val="accent1"/>
-          </a:effectRef>
+          <a:lnRef idx="0"/>
+          <a:fillRef idx="0"/>
+          <a:effectRef idx="0"/>
           <a:fontRef idx="minor"/>
         </p:style>
       </p:sp>
@@ -18198,7 +18182,7 @@
           <a:prstGeom prst="line">
             <a:avLst/>
           </a:prstGeom>
-          <a:ln w="6350">
+          <a:ln w="6480">
             <a:solidFill>
               <a:srgbClr val="808080"/>
             </a:solidFill>
@@ -18206,15 +18190,9 @@
           </a:ln>
         </p:spPr>
         <p:style>
-          <a:lnRef idx="1">
-            <a:schemeClr val="accent1"/>
-          </a:lnRef>
-          <a:fillRef idx="0">
-            <a:schemeClr val="accent1"/>
-          </a:fillRef>
-          <a:effectRef idx="0">
-            <a:schemeClr val="accent1"/>
-          </a:effectRef>
+          <a:lnRef idx="0"/>
+          <a:fillRef idx="0"/>
+          <a:effectRef idx="0"/>
           <a:fontRef idx="minor"/>
         </p:style>
       </p:sp>
@@ -18227,30 +18205,22 @@
         <p:spPr>
           <a:xfrm>
             <a:off x="0" y="6400800"/>
-            <a:ext cx="12189960" cy="455040"/>
+            <a:ext cx="12188880" cy="453960"/>
           </a:xfrm>
           <a:prstGeom prst="rect">
             <a:avLst/>
           </a:prstGeom>
           <a:solidFill>
-            <a:schemeClr val="accent2"/>
+            <a:srgbClr val="2683c6"/>
           </a:solidFill>
-          <a:ln>
+          <a:ln w="25560">
             <a:noFill/>
           </a:ln>
         </p:spPr>
         <p:style>
-          <a:lnRef idx="2">
-            <a:schemeClr val="accent1">
-              <a:shade val="50000"/>
-            </a:schemeClr>
-          </a:lnRef>
-          <a:fillRef idx="1">
-            <a:schemeClr val="accent1"/>
-          </a:fillRef>
-          <a:effectRef idx="0">
-            <a:schemeClr val="accent1"/>
-          </a:effectRef>
+          <a:lnRef idx="0"/>
+          <a:fillRef idx="0"/>
+          <a:effectRef idx="0"/>
           <a:fontRef idx="minor"/>
         </p:style>
       </p:sp>
@@ -18263,30 +18233,22 @@
         <p:spPr>
           <a:xfrm>
             <a:off x="0" y="6334200"/>
-            <a:ext cx="12189960" cy="64440"/>
+            <a:ext cx="12188880" cy="63360"/>
           </a:xfrm>
           <a:prstGeom prst="rect">
             <a:avLst/>
           </a:prstGeom>
           <a:solidFill>
-            <a:schemeClr val="accent1"/>
+            <a:srgbClr val="1cade4"/>
           </a:solidFill>
-          <a:ln>
+          <a:ln w="25560">
             <a:noFill/>
           </a:ln>
         </p:spPr>
         <p:style>
-          <a:lnRef idx="2">
-            <a:schemeClr val="accent1">
-              <a:shade val="50000"/>
-            </a:schemeClr>
-          </a:lnRef>
-          <a:fillRef idx="1">
-            <a:schemeClr val="accent1"/>
-          </a:fillRef>
-          <a:effectRef idx="0">
-            <a:schemeClr val="accent1"/>
-          </a:effectRef>
+          <a:lnRef idx="0"/>
+          <a:fillRef idx="0"/>
+          <a:effectRef idx="0"/>
           <a:fontRef idx="minor"/>
         </p:style>
       </p:sp>
@@ -18304,7 +18266,7 @@
           <a:prstGeom prst="line">
             <a:avLst/>
           </a:prstGeom>
-          <a:ln w="6350">
+          <a:ln w="6480">
             <a:solidFill>
               <a:srgbClr val="808080"/>
             </a:solidFill>
@@ -18312,15 +18274,9 @@
           </a:ln>
         </p:spPr>
         <p:style>
-          <a:lnRef idx="1">
-            <a:schemeClr val="accent1"/>
-          </a:lnRef>
-          <a:fillRef idx="0">
-            <a:schemeClr val="accent1"/>
-          </a:fillRef>
-          <a:effectRef idx="0">
-            <a:schemeClr val="accent1"/>
-          </a:effectRef>
+          <a:lnRef idx="0"/>
+          <a:fillRef idx="0"/>
+          <a:effectRef idx="0"/>
           <a:fontRef idx="minor"/>
         </p:style>
       </p:sp>
@@ -18331,13 +18287,53 @@
             <a:spLocks noGrp="1"/>
           </p:cNvSpPr>
           <p:nvPr>
+            <p:ph type="title"/>
+          </p:nvPr>
+        </p:nvSpPr>
+        <p:spPr>
+          <a:xfrm>
+            <a:off x="609480" y="273600"/>
+            <a:ext cx="10972080" cy="1144440"/>
+          </a:xfrm>
+          <a:prstGeom prst="rect">
+            <a:avLst/>
+          </a:prstGeom>
+          <a:noFill/>
+          <a:ln w="0">
+            <a:noFill/>
+          </a:ln>
+        </p:spPr>
+        <p:txBody>
+          <a:bodyPr lIns="0" rIns="0" tIns="0" bIns="0" anchor="ctr">
+            <a:noAutofit/>
+          </a:bodyPr>
+          <a:p>
+            <a:r>
+              <a:rPr b="0" lang="en-US" sz="1800" spc="-1" strike="noStrike">
+                <a:latin typeface="Arial"/>
+              </a:rPr>
+              <a:t>Click to edit the title text format</a:t>
+            </a:r>
+            <a:endParaRPr b="0" lang="en-US" sz="1800" spc="-1" strike="noStrike">
+              <a:latin typeface="Arial"/>
+            </a:endParaRPr>
+          </a:p>
+        </p:txBody>
+      </p:sp>
+      <p:sp>
+        <p:nvSpPr>
+          <p:cNvPr id="7" name="PlaceHolder 2"/>
+          <p:cNvSpPr>
+            <a:spLocks noGrp="1"/>
+          </p:cNvSpPr>
+          <p:nvPr>
             <p:ph type="ftr" idx="1"/>
           </p:nvPr>
         </p:nvSpPr>
         <p:spPr>
           <a:xfrm>
             <a:off x="3686040" y="6459840"/>
-            <a:ext cx="4820760" cy="362880"/>
+            <a:ext cx="4819680" cy="361800"/>
           </a:xfrm>
           <a:prstGeom prst="rect">
             <a:avLst/>
@@ -18373,7 +18369,7 @@
               <a:rPr b="0" lang="en-US" sz="1400" spc="-1" strike="noStrike">
                 <a:latin typeface="Times New Roman"/>
               </a:rPr>
-              <a:t>&lt;footer&gt;</a:t>
+              <a:t> </a:t>
             </a:r>
             <a:endParaRPr b="0" lang="en-US" sz="1400" spc="-1" strike="noStrike">
               <a:latin typeface="Times New Roman"/>
@@ -18383,7 +18379,7 @@
       </p:sp>
       <p:sp>
         <p:nvSpPr>
-          <p:cNvPr id="7" name="PlaceHolder 2"/>
+          <p:cNvPr id="8" name="PlaceHolder 3"/>
           <p:cNvSpPr>
             <a:spLocks noGrp="1"/>
           </p:cNvSpPr>
@@ -18394,7 +18390,7 @@
         <p:spPr>
           <a:xfrm>
             <a:off x="9900360" y="6459840"/>
-            <a:ext cx="1310040" cy="362880"/>
+            <a:ext cx="1308960" cy="361800"/>
           </a:xfrm>
           <a:prstGeom prst="rect">
             <a:avLst/>
@@ -18429,14 +18425,14 @@
               </a:lnSpc>
               <a:buNone/>
             </a:pPr>
-            <a:fld id="{A57D9997-A58F-4690-8CB4-5F9F1CD946C9}" type="slidenum">
+            <a:fld id="{62D62275-C5DC-42E8-9708-5BE03C379472}" type="slidenum">
               <a:rPr b="0" lang="en-US" sz="1050" spc="-1" strike="noStrike">
                 <a:solidFill>
                   <a:srgbClr val="ffffff"/>
                 </a:solidFill>
                 <a:latin typeface="Calibri"/>
               </a:rPr>
-              <a:t>&lt;number&gt;</a:t>
+              <a:t>21</a:t>
             </a:fld>
             <a:endParaRPr b="0" lang="en-US" sz="1050" spc="-1" strike="noStrike">
               <a:latin typeface="Times New Roman"/>
@@ -18446,7 +18442,7 @@
       </p:sp>
       <p:sp>
         <p:nvSpPr>
-          <p:cNvPr id="8" name="PlaceHolder 3"/>
+          <p:cNvPr id="9" name="PlaceHolder 4"/>
           <p:cNvSpPr>
             <a:spLocks noGrp="1"/>
           </p:cNvSpPr>
@@ -18457,7 +18453,7 @@
         <p:spPr>
           <a:xfrm>
             <a:off x="1097280" y="6459840"/>
-            <a:ext cx="2469960" cy="362880"/>
+            <a:ext cx="2468880" cy="361800"/>
           </a:xfrm>
           <a:prstGeom prst="rect">
             <a:avLst/>
@@ -18483,53 +18479,10 @@
               <a:rPr b="0" lang="en-US" sz="1400" spc="-1" strike="noStrike">
                 <a:latin typeface="Times New Roman"/>
               </a:rPr>
-              <a:t>&lt;date/time&gt;</a:t>
+              <a:t> </a:t>
             </a:r>
             <a:endParaRPr b="0" lang="en-US" sz="1400" spc="-1" strike="noStrike">
               <a:latin typeface="Times New Roman"/>
-            </a:endParaRPr>
-          </a:p>
-        </p:txBody>
-      </p:sp>
-      <p:sp>
-        <p:nvSpPr>
-          <p:cNvPr id="9" name="PlaceHolder 4"/>
-          <p:cNvSpPr>
-            <a:spLocks noGrp="1"/>
-          </p:cNvSpPr>
-          <p:nvPr>
-            <p:ph type="title"/>
-          </p:nvPr>
-        </p:nvSpPr>
-        <p:spPr>
-          <a:xfrm>
-            <a:off x="609480" y="273600"/>
-            <a:ext cx="10972440" cy="1144800"/>
-          </a:xfrm>
-          <a:prstGeom prst="rect">
-            <a:avLst/>
-          </a:prstGeom>
-          <a:noFill/>
-          <a:ln w="0">
-            <a:noFill/>
-          </a:ln>
-        </p:spPr>
-        <p:txBody>
-          <a:bodyPr lIns="0" rIns="0" tIns="0" bIns="0" anchor="ctr">
-            <a:noAutofit/>
-          </a:bodyPr>
-          <a:p>
-            <a:pPr algn="ctr">
-              <a:buNone/>
-            </a:pPr>
-            <a:r>
-              <a:rPr b="0" lang="en-US" sz="4400" spc="-1" strike="noStrike">
-                <a:latin typeface="Arial"/>
-              </a:rPr>
-              <a:t>Click to edit the title text format</a:t>
-            </a:r>
-            <a:endParaRPr b="0" lang="en-US" sz="4400" spc="-1" strike="noStrike">
-              <a:latin typeface="Arial"/>
             </a:endParaRPr>
           </a:p>
         </p:txBody>
@@ -18770,30 +18723,22 @@
         <p:spPr>
           <a:xfrm>
             <a:off x="3240" y="6400800"/>
-            <a:ext cx="12186720" cy="455040"/>
+            <a:ext cx="12185640" cy="453960"/>
           </a:xfrm>
           <a:prstGeom prst="rect">
             <a:avLst/>
           </a:prstGeom>
           <a:solidFill>
-            <a:schemeClr val="accent2"/>
+            <a:srgbClr val="2683c6"/>
           </a:solidFill>
-          <a:ln>
+          <a:ln w="25560">
             <a:noFill/>
           </a:ln>
         </p:spPr>
         <p:style>
-          <a:lnRef idx="2">
-            <a:schemeClr val="accent1">
-              <a:shade val="50000"/>
-            </a:schemeClr>
-          </a:lnRef>
-          <a:fillRef idx="1">
-            <a:schemeClr val="accent1"/>
-          </a:fillRef>
-          <a:effectRef idx="0">
-            <a:schemeClr val="accent1"/>
-          </a:effectRef>
+          <a:lnRef idx="0"/>
+          <a:fillRef idx="0"/>
+          <a:effectRef idx="0"/>
           <a:fontRef idx="minor"/>
         </p:style>
       </p:sp>
@@ -18806,30 +18751,22 @@
         <p:spPr>
           <a:xfrm>
             <a:off x="0" y="6334200"/>
-            <a:ext cx="12186720" cy="61920"/>
+            <a:ext cx="12185640" cy="60840"/>
           </a:xfrm>
           <a:prstGeom prst="rect">
             <a:avLst/>
           </a:prstGeom>
           <a:solidFill>
-            <a:schemeClr val="accent1"/>
+            <a:srgbClr val="1cade4"/>
           </a:solidFill>
-          <a:ln>
+          <a:ln w="25560">
             <a:noFill/>
           </a:ln>
         </p:spPr>
         <p:style>
-          <a:lnRef idx="2">
-            <a:schemeClr val="accent1">
-              <a:shade val="50000"/>
-            </a:schemeClr>
-          </a:lnRef>
-          <a:fillRef idx="1">
-            <a:schemeClr val="accent1"/>
-          </a:fillRef>
-          <a:effectRef idx="0">
-            <a:schemeClr val="accent1"/>
-          </a:effectRef>
+          <a:lnRef idx="0"/>
+          <a:fillRef idx="0"/>
+          <a:effectRef idx="0"/>
           <a:fontRef idx="minor"/>
         </p:style>
       </p:sp>
@@ -18847,7 +18784,7 @@
           <a:prstGeom prst="line">
             <a:avLst/>
           </a:prstGeom>
-          <a:ln w="6350">
+          <a:ln w="6480">
             <a:solidFill>
               <a:srgbClr val="808080"/>
             </a:solidFill>
@@ -18855,15 +18792,9 @@
           </a:ln>
         </p:spPr>
         <p:style>
-          <a:lnRef idx="1">
-            <a:schemeClr val="accent1"/>
-          </a:lnRef>
-          <a:fillRef idx="0">
-            <a:schemeClr val="accent1"/>
-          </a:fillRef>
-          <a:effectRef idx="0">
-            <a:schemeClr val="accent1"/>
-          </a:effectRef>
+          <a:lnRef idx="0"/>
+          <a:fillRef idx="0"/>
+          <a:effectRef idx="0"/>
           <a:fontRef idx="minor"/>
         </p:style>
       </p:sp>
@@ -18876,30 +18807,22 @@
         <p:spPr>
           <a:xfrm>
             <a:off x="3240" y="6400800"/>
-            <a:ext cx="12186720" cy="455040"/>
+            <a:ext cx="12185640" cy="453960"/>
           </a:xfrm>
           <a:prstGeom prst="rect">
             <a:avLst/>
           </a:prstGeom>
           <a:solidFill>
-            <a:schemeClr val="accent2"/>
+            <a:srgbClr val="2683c6"/>
           </a:solidFill>
-          <a:ln>
+          <a:ln w="25560">
             <a:noFill/>
           </a:ln>
         </p:spPr>
         <p:style>
-          <a:lnRef idx="2">
-            <a:schemeClr val="accent1">
-              <a:shade val="50000"/>
-            </a:schemeClr>
-          </a:lnRef>
-          <a:fillRef idx="1">
-            <a:schemeClr val="accent1"/>
-          </a:fillRef>
-          <a:effectRef idx="0">
-            <a:schemeClr val="accent1"/>
-          </a:effectRef>
+          <a:lnRef idx="0"/>
+          <a:fillRef idx="0"/>
+          <a:effectRef idx="0"/>
           <a:fontRef idx="minor"/>
         </p:style>
       </p:sp>
@@ -18912,30 +18835,22 @@
         <p:spPr>
           <a:xfrm>
             <a:off x="0" y="6334200"/>
-            <a:ext cx="12186720" cy="61920"/>
+            <a:ext cx="12185640" cy="60840"/>
           </a:xfrm>
           <a:prstGeom prst="rect">
             <a:avLst/>
           </a:prstGeom>
           <a:solidFill>
-            <a:schemeClr val="accent1"/>
+            <a:srgbClr val="1cade4"/>
           </a:solidFill>
-          <a:ln>
+          <a:ln w="25560">
             <a:noFill/>
           </a:ln>
         </p:spPr>
         <p:style>
-          <a:lnRef idx="2">
-            <a:schemeClr val="accent1">
-              <a:shade val="50000"/>
-            </a:schemeClr>
-          </a:lnRef>
-          <a:fillRef idx="1">
-            <a:schemeClr val="accent1"/>
-          </a:fillRef>
-          <a:effectRef idx="0">
-            <a:schemeClr val="accent1"/>
-          </a:effectRef>
+          <a:lnRef idx="0"/>
+          <a:fillRef idx="0"/>
+          <a:effectRef idx="0"/>
           <a:fontRef idx="minor"/>
         </p:style>
       </p:sp>
@@ -18952,7 +18867,7 @@
         <p:spPr>
           <a:xfrm>
             <a:off x="3686040" y="6459840"/>
-            <a:ext cx="4820760" cy="362880"/>
+            <a:ext cx="4819680" cy="361800"/>
           </a:xfrm>
           <a:prstGeom prst="rect">
             <a:avLst/>
@@ -19009,7 +18924,7 @@
         <p:spPr>
           <a:xfrm>
             <a:off x="9900360" y="6459840"/>
-            <a:ext cx="1310040" cy="362880"/>
+            <a:ext cx="1308960" cy="361800"/>
           </a:xfrm>
           <a:prstGeom prst="rect">
             <a:avLst/>
@@ -19044,7 +18959,7 @@
               </a:lnSpc>
               <a:buNone/>
             </a:pPr>
-            <a:fld id="{DBEC562A-1AE0-49CE-A2F9-2893F03B31D1}" type="slidenum">
+            <a:fld id="{908553D1-E3C3-4725-9E6D-F75851BD2F15}" type="slidenum">
               <a:rPr b="0" lang="en-US" sz="1050" spc="-1" strike="noStrike">
                 <a:solidFill>
                   <a:srgbClr val="ffffff"/>
@@ -19072,7 +18987,7 @@
         <p:spPr>
           <a:xfrm>
             <a:off x="1097280" y="6459840"/>
-            <a:ext cx="2469960" cy="362880"/>
+            <a:ext cx="2468880" cy="361800"/>
           </a:xfrm>
           <a:prstGeom prst="rect">
             <a:avLst/>
@@ -19385,30 +19300,22 @@
         <p:spPr>
           <a:xfrm>
             <a:off x="3240" y="6400800"/>
-            <a:ext cx="12186720" cy="455040"/>
+            <a:ext cx="12185640" cy="453960"/>
           </a:xfrm>
           <a:prstGeom prst="rect">
             <a:avLst/>
           </a:prstGeom>
           <a:solidFill>
-            <a:schemeClr val="accent2"/>
+            <a:srgbClr val="2683c6"/>
           </a:solidFill>
-          <a:ln>
+          <a:ln w="25560">
             <a:noFill/>
           </a:ln>
         </p:spPr>
         <p:style>
-          <a:lnRef idx="2">
-            <a:schemeClr val="accent1">
-              <a:shade val="50000"/>
-            </a:schemeClr>
-          </a:lnRef>
-          <a:fillRef idx="1">
-            <a:schemeClr val="accent1"/>
-          </a:fillRef>
-          <a:effectRef idx="0">
-            <a:schemeClr val="accent1"/>
-          </a:effectRef>
+          <a:lnRef idx="0"/>
+          <a:fillRef idx="0"/>
+          <a:effectRef idx="0"/>
           <a:fontRef idx="minor"/>
         </p:style>
       </p:sp>
@@ -19421,30 +19328,22 @@
         <p:spPr>
           <a:xfrm>
             <a:off x="0" y="6334200"/>
-            <a:ext cx="12186720" cy="61920"/>
+            <a:ext cx="12185640" cy="60840"/>
           </a:xfrm>
           <a:prstGeom prst="rect">
             <a:avLst/>
           </a:prstGeom>
           <a:solidFill>
-            <a:schemeClr val="accent1"/>
+            <a:srgbClr val="1cade4"/>
           </a:solidFill>
-          <a:ln>
+          <a:ln w="25560">
             <a:noFill/>
           </a:ln>
         </p:spPr>
         <p:style>
-          <a:lnRef idx="2">
-            <a:schemeClr val="accent1">
-              <a:shade val="50000"/>
-            </a:schemeClr>
-          </a:lnRef>
-          <a:fillRef idx="1">
-            <a:schemeClr val="accent1"/>
-          </a:fillRef>
-          <a:effectRef idx="0">
-            <a:schemeClr val="accent1"/>
-          </a:effectRef>
+          <a:lnRef idx="0"/>
+          <a:fillRef idx="0"/>
+          <a:effectRef idx="0"/>
           <a:fontRef idx="minor"/>
         </p:style>
       </p:sp>
@@ -19462,7 +19361,7 @@
           <a:prstGeom prst="line">
             <a:avLst/>
           </a:prstGeom>
-          <a:ln w="6350">
+          <a:ln w="6480">
             <a:solidFill>
               <a:srgbClr val="808080"/>
             </a:solidFill>
@@ -19470,15 +19369,9 @@
           </a:ln>
         </p:spPr>
         <p:style>
-          <a:lnRef idx="1">
-            <a:schemeClr val="accent1"/>
-          </a:lnRef>
-          <a:fillRef idx="0">
-            <a:schemeClr val="accent1"/>
-          </a:fillRef>
-          <a:effectRef idx="0">
-            <a:schemeClr val="accent1"/>
-          </a:effectRef>
+          <a:lnRef idx="0"/>
+          <a:fillRef idx="0"/>
+          <a:effectRef idx="0"/>
           <a:fontRef idx="minor"/>
         </p:style>
       </p:sp>
@@ -19491,30 +19384,22 @@
         <p:spPr>
           <a:xfrm>
             <a:off x="3240" y="6400800"/>
-            <a:ext cx="12186720" cy="455040"/>
+            <a:ext cx="12185640" cy="453960"/>
           </a:xfrm>
           <a:prstGeom prst="rect">
             <a:avLst/>
           </a:prstGeom>
           <a:solidFill>
-            <a:schemeClr val="accent2"/>
+            <a:srgbClr val="2683c6"/>
           </a:solidFill>
-          <a:ln>
+          <a:ln w="25560">
             <a:noFill/>
           </a:ln>
         </p:spPr>
         <p:style>
-          <a:lnRef idx="2">
-            <a:schemeClr val="accent1">
-              <a:shade val="50000"/>
-            </a:schemeClr>
-          </a:lnRef>
-          <a:fillRef idx="1">
-            <a:schemeClr val="accent1"/>
-          </a:fillRef>
-          <a:effectRef idx="0">
-            <a:schemeClr val="accent1"/>
-          </a:effectRef>
+          <a:lnRef idx="0"/>
+          <a:fillRef idx="0"/>
+          <a:effectRef idx="0"/>
           <a:fontRef idx="minor"/>
         </p:style>
       </p:sp>
@@ -19527,30 +19412,22 @@
         <p:spPr>
           <a:xfrm>
             <a:off x="0" y="6334200"/>
-            <a:ext cx="12186720" cy="61920"/>
+            <a:ext cx="12185640" cy="60840"/>
           </a:xfrm>
           <a:prstGeom prst="rect">
             <a:avLst/>
           </a:prstGeom>
           <a:solidFill>
-            <a:schemeClr val="accent1"/>
+            <a:srgbClr val="1cade4"/>
           </a:solidFill>
-          <a:ln>
+          <a:ln w="25560">
             <a:noFill/>
           </a:ln>
         </p:spPr>
         <p:style>
-          <a:lnRef idx="2">
-            <a:schemeClr val="accent1">
-              <a:shade val="50000"/>
-            </a:schemeClr>
-          </a:lnRef>
-          <a:fillRef idx="1">
-            <a:schemeClr val="accent1"/>
-          </a:fillRef>
-          <a:effectRef idx="0">
-            <a:schemeClr val="accent1"/>
-          </a:effectRef>
+          <a:lnRef idx="0"/>
+          <a:fillRef idx="0"/>
+          <a:effectRef idx="0"/>
           <a:fontRef idx="minor"/>
         </p:style>
       </p:sp>
@@ -19567,7 +19444,7 @@
         <p:spPr>
           <a:xfrm>
             <a:off x="3686040" y="6459840"/>
-            <a:ext cx="4820760" cy="362880"/>
+            <a:ext cx="4819680" cy="361800"/>
           </a:xfrm>
           <a:prstGeom prst="rect">
             <a:avLst/>
@@ -19624,7 +19501,7 @@
         <p:spPr>
           <a:xfrm>
             <a:off x="9900360" y="6459840"/>
-            <a:ext cx="1310040" cy="362880"/>
+            <a:ext cx="1308960" cy="361800"/>
           </a:xfrm>
           <a:prstGeom prst="rect">
             <a:avLst/>
@@ -19659,7 +19536,7 @@
               </a:lnSpc>
               <a:buNone/>
             </a:pPr>
-            <a:fld id="{DD5A9D4D-933C-40F5-8FE7-BF3D6C6E7562}" type="slidenum">
+            <a:fld id="{C926B57A-3711-4C9F-9BFC-D1352CF59A29}" type="slidenum">
               <a:rPr b="0" lang="en-US" sz="1050" spc="-1" strike="noStrike">
                 <a:solidFill>
                   <a:srgbClr val="ffffff"/>
@@ -19687,7 +19564,7 @@
         <p:spPr>
           <a:xfrm>
             <a:off x="1097280" y="6459840"/>
-            <a:ext cx="2469960" cy="362880"/>
+            <a:ext cx="2468880" cy="361800"/>
           </a:xfrm>
           <a:prstGeom prst="rect">
             <a:avLst/>
@@ -20000,30 +19877,22 @@
         <p:spPr>
           <a:xfrm>
             <a:off x="3240" y="6400800"/>
-            <a:ext cx="12186720" cy="455040"/>
+            <a:ext cx="12185640" cy="453960"/>
           </a:xfrm>
           <a:prstGeom prst="rect">
             <a:avLst/>
           </a:prstGeom>
           <a:solidFill>
-            <a:schemeClr val="accent2"/>
+            <a:srgbClr val="2683c6"/>
           </a:solidFill>
-          <a:ln>
+          <a:ln w="25560">
             <a:noFill/>
           </a:ln>
         </p:spPr>
         <p:style>
-          <a:lnRef idx="2">
-            <a:schemeClr val="accent1">
-              <a:shade val="50000"/>
-            </a:schemeClr>
-          </a:lnRef>
-          <a:fillRef idx="1">
-            <a:schemeClr val="accent1"/>
-          </a:fillRef>
-          <a:effectRef idx="0">
-            <a:schemeClr val="accent1"/>
-          </a:effectRef>
+          <a:lnRef idx="0"/>
+          <a:fillRef idx="0"/>
+          <a:effectRef idx="0"/>
           <a:fontRef idx="minor"/>
         </p:style>
       </p:sp>
@@ -20036,30 +19905,22 @@
         <p:spPr>
           <a:xfrm>
             <a:off x="0" y="6334200"/>
-            <a:ext cx="12186720" cy="61920"/>
+            <a:ext cx="12185640" cy="60840"/>
           </a:xfrm>
           <a:prstGeom prst="rect">
             <a:avLst/>
           </a:prstGeom>
           <a:solidFill>
-            <a:schemeClr val="accent1"/>
+            <a:srgbClr val="1cade4"/>
           </a:solidFill>
-          <a:ln>
+          <a:ln w="25560">
             <a:noFill/>
           </a:ln>
         </p:spPr>
         <p:style>
-          <a:lnRef idx="2">
-            <a:schemeClr val="accent1">
-              <a:shade val="50000"/>
-            </a:schemeClr>
-          </a:lnRef>
-          <a:fillRef idx="1">
-            <a:schemeClr val="accent1"/>
-          </a:fillRef>
-          <a:effectRef idx="0">
-            <a:schemeClr val="accent1"/>
-          </a:effectRef>
+          <a:lnRef idx="0"/>
+          <a:fillRef idx="0"/>
+          <a:effectRef idx="0"/>
           <a:fontRef idx="minor"/>
         </p:style>
       </p:sp>
@@ -20077,7 +19938,7 @@
           <a:prstGeom prst="line">
             <a:avLst/>
           </a:prstGeom>
-          <a:ln w="6350">
+          <a:ln w="6480">
             <a:solidFill>
               <a:srgbClr val="808080"/>
             </a:solidFill>
@@ -20085,15 +19946,9 @@
           </a:ln>
         </p:spPr>
         <p:style>
-          <a:lnRef idx="1">
-            <a:schemeClr val="accent1"/>
-          </a:lnRef>
-          <a:fillRef idx="0">
-            <a:schemeClr val="accent1"/>
-          </a:fillRef>
-          <a:effectRef idx="0">
-            <a:schemeClr val="accent1"/>
-          </a:effectRef>
+          <a:lnRef idx="0"/>
+          <a:fillRef idx="0"/>
+          <a:effectRef idx="0"/>
           <a:fontRef idx="minor"/>
         </p:style>
       </p:sp>
@@ -20106,30 +19961,22 @@
         <p:spPr>
           <a:xfrm>
             <a:off x="3240" y="6400800"/>
-            <a:ext cx="12186720" cy="455040"/>
+            <a:ext cx="12185640" cy="453960"/>
           </a:xfrm>
           <a:prstGeom prst="rect">
             <a:avLst/>
           </a:prstGeom>
           <a:solidFill>
-            <a:schemeClr val="accent2"/>
+            <a:srgbClr val="2683c6"/>
           </a:solidFill>
-          <a:ln>
+          <a:ln w="25560">
             <a:noFill/>
           </a:ln>
         </p:spPr>
         <p:style>
-          <a:lnRef idx="2">
-            <a:schemeClr val="accent1">
-              <a:shade val="50000"/>
-            </a:schemeClr>
-          </a:lnRef>
-          <a:fillRef idx="1">
-            <a:schemeClr val="accent1"/>
-          </a:fillRef>
-          <a:effectRef idx="0">
-            <a:schemeClr val="accent1"/>
-          </a:effectRef>
+          <a:lnRef idx="0"/>
+          <a:fillRef idx="0"/>
+          <a:effectRef idx="0"/>
           <a:fontRef idx="minor"/>
         </p:style>
       </p:sp>
@@ -20142,30 +19989,22 @@
         <p:spPr>
           <a:xfrm>
             <a:off x="0" y="6334200"/>
-            <a:ext cx="12186720" cy="61920"/>
+            <a:ext cx="12185640" cy="60840"/>
           </a:xfrm>
           <a:prstGeom prst="rect">
             <a:avLst/>
           </a:prstGeom>
           <a:solidFill>
-            <a:schemeClr val="accent1"/>
+            <a:srgbClr val="1cade4"/>
           </a:solidFill>
-          <a:ln>
+          <a:ln w="25560">
             <a:noFill/>
           </a:ln>
         </p:spPr>
         <p:style>
-          <a:lnRef idx="2">
-            <a:schemeClr val="accent1">
-              <a:shade val="50000"/>
-            </a:schemeClr>
-          </a:lnRef>
-          <a:fillRef idx="1">
-            <a:schemeClr val="accent1"/>
-          </a:fillRef>
-          <a:effectRef idx="0">
-            <a:schemeClr val="accent1"/>
-          </a:effectRef>
+          <a:lnRef idx="0"/>
+          <a:fillRef idx="0"/>
+          <a:effectRef idx="0"/>
           <a:fontRef idx="minor"/>
         </p:style>
       </p:sp>
@@ -20182,7 +20021,7 @@
         <p:spPr>
           <a:xfrm>
             <a:off x="3686040" y="6459840"/>
-            <a:ext cx="4820760" cy="362880"/>
+            <a:ext cx="4819680" cy="361800"/>
           </a:xfrm>
           <a:prstGeom prst="rect">
             <a:avLst/>
@@ -20239,7 +20078,7 @@
         <p:spPr>
           <a:xfrm>
             <a:off x="9900360" y="6459840"/>
-            <a:ext cx="1310040" cy="362880"/>
+            <a:ext cx="1308960" cy="361800"/>
           </a:xfrm>
           <a:prstGeom prst="rect">
             <a:avLst/>
@@ -20274,7 +20113,7 @@
               </a:lnSpc>
               <a:buNone/>
             </a:pPr>
-            <a:fld id="{16A6EE98-B436-4094-A8F4-AD8594F18A30}" type="slidenum">
+            <a:fld id="{5269AB3A-13A9-4DF4-879A-EC8D737CCD09}" type="slidenum">
               <a:rPr b="0" lang="en-US" sz="1050" spc="-1" strike="noStrike">
                 <a:solidFill>
                   <a:srgbClr val="ffffff"/>
@@ -20302,7 +20141,7 @@
         <p:spPr>
           <a:xfrm>
             <a:off x="1097280" y="6459840"/>
-            <a:ext cx="2469960" cy="362880"/>
+            <a:ext cx="2468880" cy="361800"/>
           </a:xfrm>
           <a:prstGeom prst="rect">
             <a:avLst/>
@@ -20615,30 +20454,22 @@
         <p:spPr>
           <a:xfrm>
             <a:off x="3240" y="6400800"/>
-            <a:ext cx="12186720" cy="455040"/>
+            <a:ext cx="12185640" cy="453960"/>
           </a:xfrm>
           <a:prstGeom prst="rect">
             <a:avLst/>
           </a:prstGeom>
           <a:solidFill>
-            <a:schemeClr val="accent2"/>
+            <a:srgbClr val="2683c6"/>
           </a:solidFill>
-          <a:ln>
+          <a:ln w="25560">
             <a:noFill/>
           </a:ln>
         </p:spPr>
         <p:style>
-          <a:lnRef idx="2">
-            <a:schemeClr val="accent1">
-              <a:shade val="50000"/>
-            </a:schemeClr>
-          </a:lnRef>
-          <a:fillRef idx="1">
-            <a:schemeClr val="accent1"/>
-          </a:fillRef>
-          <a:effectRef idx="0">
-            <a:schemeClr val="accent1"/>
-          </a:effectRef>
+          <a:lnRef idx="0"/>
+          <a:fillRef idx="0"/>
+          <a:effectRef idx="0"/>
           <a:fontRef idx="minor"/>
         </p:style>
       </p:sp>
@@ -20651,30 +20482,22 @@
         <p:spPr>
           <a:xfrm>
             <a:off x="0" y="6334200"/>
-            <a:ext cx="12186720" cy="61920"/>
+            <a:ext cx="12185640" cy="60840"/>
           </a:xfrm>
           <a:prstGeom prst="rect">
             <a:avLst/>
           </a:prstGeom>
           <a:solidFill>
-            <a:schemeClr val="accent1"/>
+            <a:srgbClr val="1cade4"/>
           </a:solidFill>
-          <a:ln>
+          <a:ln w="25560">
             <a:noFill/>
           </a:ln>
         </p:spPr>
         <p:style>
-          <a:lnRef idx="2">
-            <a:schemeClr val="accent1">
-              <a:shade val="50000"/>
-            </a:schemeClr>
-          </a:lnRef>
-          <a:fillRef idx="1">
-            <a:schemeClr val="accent1"/>
-          </a:fillRef>
-          <a:effectRef idx="0">
-            <a:schemeClr val="accent1"/>
-          </a:effectRef>
+          <a:lnRef idx="0"/>
+          <a:fillRef idx="0"/>
+          <a:effectRef idx="0"/>
           <a:fontRef idx="minor"/>
         </p:style>
       </p:sp>
@@ -20692,7 +20515,7 @@
           <a:prstGeom prst="line">
             <a:avLst/>
           </a:prstGeom>
-          <a:ln w="6350">
+          <a:ln w="6480">
             <a:solidFill>
               <a:srgbClr val="808080"/>
             </a:solidFill>
@@ -20700,15 +20523,9 @@
           </a:ln>
         </p:spPr>
         <p:style>
-          <a:lnRef idx="1">
-            <a:schemeClr val="accent1"/>
-          </a:lnRef>
-          <a:fillRef idx="0">
-            <a:schemeClr val="accent1"/>
-          </a:fillRef>
-          <a:effectRef idx="0">
-            <a:schemeClr val="accent1"/>
-          </a:effectRef>
+          <a:lnRef idx="0"/>
+          <a:fillRef idx="0"/>
+          <a:effectRef idx="0"/>
           <a:fontRef idx="minor"/>
         </p:style>
       </p:sp>
@@ -20721,30 +20538,22 @@
         <p:spPr>
           <a:xfrm>
             <a:off x="3240" y="6400800"/>
-            <a:ext cx="12186720" cy="455040"/>
+            <a:ext cx="12185640" cy="453960"/>
           </a:xfrm>
           <a:prstGeom prst="rect">
             <a:avLst/>
           </a:prstGeom>
           <a:solidFill>
-            <a:schemeClr val="accent2"/>
+            <a:srgbClr val="2683c6"/>
           </a:solidFill>
-          <a:ln>
+          <a:ln w="25560">
             <a:noFill/>
           </a:ln>
         </p:spPr>
         <p:style>
-          <a:lnRef idx="2">
-            <a:schemeClr val="accent1">
-              <a:shade val="50000"/>
-            </a:schemeClr>
-          </a:lnRef>
-          <a:fillRef idx="1">
-            <a:schemeClr val="accent1"/>
-          </a:fillRef>
-          <a:effectRef idx="0">
-            <a:schemeClr val="accent1"/>
-          </a:effectRef>
+          <a:lnRef idx="0"/>
+          <a:fillRef idx="0"/>
+          <a:effectRef idx="0"/>
           <a:fontRef idx="minor"/>
         </p:style>
       </p:sp>
@@ -20757,30 +20566,22 @@
         <p:spPr>
           <a:xfrm>
             <a:off x="0" y="6334200"/>
-            <a:ext cx="12186720" cy="61920"/>
+            <a:ext cx="12185640" cy="60840"/>
           </a:xfrm>
           <a:prstGeom prst="rect">
             <a:avLst/>
           </a:prstGeom>
           <a:solidFill>
-            <a:schemeClr val="accent1"/>
+            <a:srgbClr val="1cade4"/>
           </a:solidFill>
-          <a:ln>
+          <a:ln w="25560">
             <a:noFill/>
           </a:ln>
         </p:spPr>
         <p:style>
-          <a:lnRef idx="2">
-            <a:schemeClr val="accent1">
-              <a:shade val="50000"/>
-            </a:schemeClr>
-          </a:lnRef>
-          <a:fillRef idx="1">
-            <a:schemeClr val="accent1"/>
-          </a:fillRef>
-          <a:effectRef idx="0">
-            <a:schemeClr val="accent1"/>
-          </a:effectRef>
+          <a:lnRef idx="0"/>
+          <a:fillRef idx="0"/>
+          <a:effectRef idx="0"/>
           <a:fontRef idx="minor"/>
         </p:style>
       </p:sp>
@@ -20797,7 +20598,7 @@
         <p:spPr>
           <a:xfrm>
             <a:off x="3686040" y="6459840"/>
-            <a:ext cx="4820760" cy="362880"/>
+            <a:ext cx="4819680" cy="361800"/>
           </a:xfrm>
           <a:prstGeom prst="rect">
             <a:avLst/>
@@ -20854,7 +20655,7 @@
         <p:spPr>
           <a:xfrm>
             <a:off x="9900360" y="6459840"/>
-            <a:ext cx="1310040" cy="362880"/>
+            <a:ext cx="1308960" cy="361800"/>
           </a:xfrm>
           <a:prstGeom prst="rect">
             <a:avLst/>
@@ -20889,7 +20690,7 @@
               </a:lnSpc>
               <a:buNone/>
             </a:pPr>
-            <a:fld id="{69DE4995-3769-4A83-AD3E-5361F4E58761}" type="slidenum">
+            <a:fld id="{BA9D2358-A0A0-4279-BFD4-17129E6A9CFB}" type="slidenum">
               <a:rPr b="0" lang="en-US" sz="1050" spc="-1" strike="noStrike">
                 <a:solidFill>
                   <a:srgbClr val="ffffff"/>
@@ -20917,7 +20718,7 @@
         <p:spPr>
           <a:xfrm>
             <a:off x="1097280" y="6459840"/>
-            <a:ext cx="2469960" cy="362880"/>
+            <a:ext cx="2468880" cy="361800"/>
           </a:xfrm>
           <a:prstGeom prst="rect">
             <a:avLst/>
@@ -21230,30 +21031,22 @@
         <p:spPr>
           <a:xfrm>
             <a:off x="3240" y="6400800"/>
-            <a:ext cx="12186720" cy="455040"/>
+            <a:ext cx="12185640" cy="453960"/>
           </a:xfrm>
           <a:prstGeom prst="rect">
             <a:avLst/>
           </a:prstGeom>
           <a:solidFill>
-            <a:schemeClr val="accent2"/>
+            <a:srgbClr val="2683c6"/>
           </a:solidFill>
-          <a:ln>
+          <a:ln w="25560">
             <a:noFill/>
           </a:ln>
         </p:spPr>
         <p:style>
-          <a:lnRef idx="2">
-            <a:schemeClr val="accent1">
-              <a:shade val="50000"/>
-            </a:schemeClr>
-          </a:lnRef>
-          <a:fillRef idx="1">
-            <a:schemeClr val="accent1"/>
-          </a:fillRef>
-          <a:effectRef idx="0">
-            <a:schemeClr val="accent1"/>
-          </a:effectRef>
+          <a:lnRef idx="0"/>
+          <a:fillRef idx="0"/>
+          <a:effectRef idx="0"/>
           <a:fontRef idx="minor"/>
         </p:style>
       </p:sp>
@@ -21266,30 +21059,22 @@
         <p:spPr>
           <a:xfrm>
             <a:off x="0" y="6334200"/>
-            <a:ext cx="12186720" cy="61920"/>
+            <a:ext cx="12185640" cy="60840"/>
           </a:xfrm>
           <a:prstGeom prst="rect">
             <a:avLst/>
           </a:prstGeom>
           <a:solidFill>
-            <a:schemeClr val="accent1"/>
+            <a:srgbClr val="1cade4"/>
           </a:solidFill>
-          <a:ln>
+          <a:ln w="25560">
             <a:noFill/>
           </a:ln>
         </p:spPr>
         <p:style>
-          <a:lnRef idx="2">
-            <a:schemeClr val="accent1">
-              <a:shade val="50000"/>
-            </a:schemeClr>
-          </a:lnRef>
-          <a:fillRef idx="1">
-            <a:schemeClr val="accent1"/>
-          </a:fillRef>
-          <a:effectRef idx="0">
-            <a:schemeClr val="accent1"/>
-          </a:effectRef>
+          <a:lnRef idx="0"/>
+          <a:fillRef idx="0"/>
+          <a:effectRef idx="0"/>
           <a:fontRef idx="minor"/>
         </p:style>
       </p:sp>
@@ -21307,7 +21092,7 @@
           <a:prstGeom prst="line">
             <a:avLst/>
           </a:prstGeom>
-          <a:ln w="6350">
+          <a:ln w="6480">
             <a:solidFill>
               <a:srgbClr val="808080"/>
             </a:solidFill>
@@ -21315,15 +21100,9 @@
           </a:ln>
         </p:spPr>
         <p:style>
-          <a:lnRef idx="1">
-            <a:schemeClr val="accent1"/>
-          </a:lnRef>
-          <a:fillRef idx="0">
-            <a:schemeClr val="accent1"/>
-          </a:fillRef>
-          <a:effectRef idx="0">
-            <a:schemeClr val="accent1"/>
-          </a:effectRef>
+          <a:lnRef idx="0"/>
+          <a:fillRef idx="0"/>
+          <a:effectRef idx="0"/>
           <a:fontRef idx="minor"/>
         </p:style>
       </p:sp>
@@ -21336,30 +21115,22 @@
         <p:spPr>
           <a:xfrm>
             <a:off x="3240" y="6400800"/>
-            <a:ext cx="12186720" cy="455040"/>
+            <a:ext cx="12185640" cy="453960"/>
           </a:xfrm>
           <a:prstGeom prst="rect">
             <a:avLst/>
           </a:prstGeom>
           <a:solidFill>
-            <a:schemeClr val="accent2"/>
+            <a:srgbClr val="2683c6"/>
           </a:solidFill>
-          <a:ln>
+          <a:ln w="25560">
             <a:noFill/>
           </a:ln>
         </p:spPr>
         <p:style>
-          <a:lnRef idx="2">
-            <a:schemeClr val="accent1">
-              <a:shade val="50000"/>
-            </a:schemeClr>
-          </a:lnRef>
-          <a:fillRef idx="1">
-            <a:schemeClr val="accent1"/>
-          </a:fillRef>
-          <a:effectRef idx="0">
-            <a:schemeClr val="accent1"/>
-          </a:effectRef>
+          <a:lnRef idx="0"/>
+          <a:fillRef idx="0"/>
+          <a:effectRef idx="0"/>
           <a:fontRef idx="minor"/>
         </p:style>
       </p:sp>
@@ -21372,30 +21143,22 @@
         <p:spPr>
           <a:xfrm>
             <a:off x="0" y="6334200"/>
-            <a:ext cx="12186720" cy="61920"/>
+            <a:ext cx="12185640" cy="60840"/>
           </a:xfrm>
           <a:prstGeom prst="rect">
             <a:avLst/>
           </a:prstGeom>
           <a:solidFill>
-            <a:schemeClr val="accent1"/>
+            <a:srgbClr val="1cade4"/>
           </a:solidFill>
-          <a:ln>
+          <a:ln w="25560">
             <a:noFill/>
           </a:ln>
         </p:spPr>
         <p:style>
-          <a:lnRef idx="2">
-            <a:schemeClr val="accent1">
-              <a:shade val="50000"/>
-            </a:schemeClr>
-          </a:lnRef>
-          <a:fillRef idx="1">
-            <a:schemeClr val="accent1"/>
-          </a:fillRef>
-          <a:effectRef idx="0">
-            <a:schemeClr val="accent1"/>
-          </a:effectRef>
+          <a:lnRef idx="0"/>
+          <a:fillRef idx="0"/>
+          <a:effectRef idx="0"/>
           <a:fontRef idx="minor"/>
         </p:style>
       </p:sp>
@@ -21412,7 +21175,7 @@
         <p:spPr>
           <a:xfrm>
             <a:off x="3686040" y="6459840"/>
-            <a:ext cx="4820760" cy="362880"/>
+            <a:ext cx="4819680" cy="361800"/>
           </a:xfrm>
           <a:prstGeom prst="rect">
             <a:avLst/>
@@ -21469,7 +21232,7 @@
         <p:spPr>
           <a:xfrm>
             <a:off x="9900360" y="6459840"/>
-            <a:ext cx="1310040" cy="362880"/>
+            <a:ext cx="1308960" cy="361800"/>
           </a:xfrm>
           <a:prstGeom prst="rect">
             <a:avLst/>
@@ -21504,7 +21267,7 @@
               </a:lnSpc>
               <a:buNone/>
             </a:pPr>
-            <a:fld id="{911407B4-FF35-4B37-B869-333EB259BDCF}" type="slidenum">
+            <a:fld id="{3EF6132E-D676-4D3F-BB92-96CF127F02A1}" type="slidenum">
               <a:rPr b="0" lang="en-US" sz="1050" spc="-1" strike="noStrike">
                 <a:solidFill>
                   <a:srgbClr val="ffffff"/>
@@ -21532,7 +21295,7 @@
         <p:spPr>
           <a:xfrm>
             <a:off x="1097280" y="6459840"/>
-            <a:ext cx="2469960" cy="362880"/>
+            <a:ext cx="2468880" cy="361800"/>
           </a:xfrm>
           <a:prstGeom prst="rect">
             <a:avLst/>
@@ -21845,30 +21608,22 @@
         <p:spPr>
           <a:xfrm>
             <a:off x="3240" y="6400800"/>
-            <a:ext cx="12186720" cy="455040"/>
+            <a:ext cx="12185640" cy="453960"/>
           </a:xfrm>
           <a:prstGeom prst="rect">
             <a:avLst/>
           </a:prstGeom>
           <a:solidFill>
-            <a:schemeClr val="accent2"/>
+            <a:srgbClr val="2683c6"/>
           </a:solidFill>
-          <a:ln>
+          <a:ln w="25560">
             <a:noFill/>
           </a:ln>
         </p:spPr>
         <p:style>
-          <a:lnRef idx="2">
-            <a:schemeClr val="accent1">
-              <a:shade val="50000"/>
-            </a:schemeClr>
-          </a:lnRef>
-          <a:fillRef idx="1">
-            <a:schemeClr val="accent1"/>
-          </a:fillRef>
-          <a:effectRef idx="0">
-            <a:schemeClr val="accent1"/>
-          </a:effectRef>
+          <a:lnRef idx="0"/>
+          <a:fillRef idx="0"/>
+          <a:effectRef idx="0"/>
           <a:fontRef idx="minor"/>
         </p:style>
       </p:sp>
@@ -21881,30 +21636,22 @@
         <p:spPr>
           <a:xfrm>
             <a:off x="0" y="6334200"/>
-            <a:ext cx="12186720" cy="61920"/>
+            <a:ext cx="12185640" cy="60840"/>
           </a:xfrm>
           <a:prstGeom prst="rect">
             <a:avLst/>
           </a:prstGeom>
           <a:solidFill>
-            <a:schemeClr val="accent1"/>
+            <a:srgbClr val="1cade4"/>
           </a:solidFill>
-          <a:ln>
+          <a:ln w="25560">
             <a:noFill/>
           </a:ln>
         </p:spPr>
         <p:style>
-          <a:lnRef idx="2">
-            <a:schemeClr val="accent1">
-              <a:shade val="50000"/>
-            </a:schemeClr>
-          </a:lnRef>
-          <a:fillRef idx="1">
-            <a:schemeClr val="accent1"/>
-          </a:fillRef>
-          <a:effectRef idx="0">
-            <a:schemeClr val="accent1"/>
-          </a:effectRef>
+          <a:lnRef idx="0"/>
+          <a:fillRef idx="0"/>
+          <a:effectRef idx="0"/>
           <a:fontRef idx="minor"/>
         </p:style>
       </p:sp>
@@ -21922,7 +21669,7 @@
           <a:prstGeom prst="line">
             <a:avLst/>
           </a:prstGeom>
-          <a:ln w="6350">
+          <a:ln w="6480">
             <a:solidFill>
               <a:srgbClr val="808080"/>
             </a:solidFill>
@@ -21930,15 +21677,9 @@
           </a:ln>
         </p:spPr>
         <p:style>
-          <a:lnRef idx="1">
-            <a:schemeClr val="accent1"/>
-          </a:lnRef>
-          <a:fillRef idx="0">
-            <a:schemeClr val="accent1"/>
-          </a:fillRef>
-          <a:effectRef idx="0">
-            <a:schemeClr val="accent1"/>
-          </a:effectRef>
+          <a:lnRef idx="0"/>
+          <a:fillRef idx="0"/>
+          <a:effectRef idx="0"/>
           <a:fontRef idx="minor"/>
         </p:style>
       </p:sp>
@@ -21951,30 +21692,22 @@
         <p:spPr>
           <a:xfrm>
             <a:off x="3240" y="6400800"/>
-            <a:ext cx="12186720" cy="455040"/>
+            <a:ext cx="12185640" cy="453960"/>
           </a:xfrm>
           <a:prstGeom prst="rect">
             <a:avLst/>
           </a:prstGeom>
           <a:solidFill>
-            <a:schemeClr val="accent2"/>
+            <a:srgbClr val="2683c6"/>
           </a:solidFill>
-          <a:ln>
+          <a:ln w="25560">
             <a:noFill/>
           </a:ln>
         </p:spPr>
         <p:style>
-          <a:lnRef idx="2">
-            <a:schemeClr val="accent1">
-              <a:shade val="50000"/>
-            </a:schemeClr>
-          </a:lnRef>
-          <a:fillRef idx="1">
-            <a:schemeClr val="accent1"/>
-          </a:fillRef>
-          <a:effectRef idx="0">
-            <a:schemeClr val="accent1"/>
-          </a:effectRef>
+          <a:lnRef idx="0"/>
+          <a:fillRef idx="0"/>
+          <a:effectRef idx="0"/>
           <a:fontRef idx="minor"/>
         </p:style>
       </p:sp>
@@ -21987,30 +21720,22 @@
         <p:spPr>
           <a:xfrm>
             <a:off x="0" y="6334200"/>
-            <a:ext cx="12186720" cy="61920"/>
+            <a:ext cx="12185640" cy="60840"/>
           </a:xfrm>
           <a:prstGeom prst="rect">
             <a:avLst/>
           </a:prstGeom>
           <a:solidFill>
-            <a:schemeClr val="accent1"/>
+            <a:srgbClr val="1cade4"/>
           </a:solidFill>
-          <a:ln>
+          <a:ln w="25560">
             <a:noFill/>
           </a:ln>
         </p:spPr>
         <p:style>
-          <a:lnRef idx="2">
-            <a:schemeClr val="accent1">
-              <a:shade val="50000"/>
-            </a:schemeClr>
-          </a:lnRef>
-          <a:fillRef idx="1">
-            <a:schemeClr val="accent1"/>
-          </a:fillRef>
-          <a:effectRef idx="0">
-            <a:schemeClr val="accent1"/>
-          </a:effectRef>
+          <a:lnRef idx="0"/>
+          <a:fillRef idx="0"/>
+          <a:effectRef idx="0"/>
           <a:fontRef idx="minor"/>
         </p:style>
       </p:sp>
@@ -22027,7 +21752,7 @@
         <p:spPr>
           <a:xfrm>
             <a:off x="3686040" y="6459840"/>
-            <a:ext cx="4820760" cy="362880"/>
+            <a:ext cx="4819680" cy="361800"/>
           </a:xfrm>
           <a:prstGeom prst="rect">
             <a:avLst/>
@@ -22084,7 +21809,7 @@
         <p:spPr>
           <a:xfrm>
             <a:off x="9900360" y="6459840"/>
-            <a:ext cx="1310040" cy="362880"/>
+            <a:ext cx="1308960" cy="361800"/>
           </a:xfrm>
           <a:prstGeom prst="rect">
             <a:avLst/>
@@ -22119,7 +21844,7 @@
               </a:lnSpc>
               <a:buNone/>
             </a:pPr>
-            <a:fld id="{3B46C596-D73F-408B-8F7C-A814EBDA0087}" type="slidenum">
+            <a:fld id="{0610BECA-6CA6-4447-98DD-3E2354C3A5B4}" type="slidenum">
               <a:rPr b="0" lang="en-US" sz="1050" spc="-1" strike="noStrike">
                 <a:solidFill>
                   <a:srgbClr val="ffffff"/>
@@ -22147,7 +21872,7 @@
         <p:spPr>
           <a:xfrm>
             <a:off x="1097280" y="6459840"/>
-            <a:ext cx="2469960" cy="362880"/>
+            <a:ext cx="2468880" cy="361800"/>
           </a:xfrm>
           <a:prstGeom prst="rect">
             <a:avLst/>
@@ -22460,30 +22185,22 @@
         <p:spPr>
           <a:xfrm>
             <a:off x="3240" y="6400800"/>
-            <a:ext cx="12186720" cy="455040"/>
+            <a:ext cx="12185640" cy="453960"/>
           </a:xfrm>
           <a:prstGeom prst="rect">
             <a:avLst/>
           </a:prstGeom>
           <a:solidFill>
-            <a:schemeClr val="accent2"/>
+            <a:srgbClr val="2683c6"/>
           </a:solidFill>
-          <a:ln>
+          <a:ln w="25560">
             <a:noFill/>
           </a:ln>
         </p:spPr>
         <p:style>
-          <a:lnRef idx="2">
-            <a:schemeClr val="accent1">
-              <a:shade val="50000"/>
-            </a:schemeClr>
-          </a:lnRef>
-          <a:fillRef idx="1">
-            <a:schemeClr val="accent1"/>
-          </a:fillRef>
-          <a:effectRef idx="0">
-            <a:schemeClr val="accent1"/>
-          </a:effectRef>
+          <a:lnRef idx="0"/>
+          <a:fillRef idx="0"/>
+          <a:effectRef idx="0"/>
           <a:fontRef idx="minor"/>
         </p:style>
       </p:sp>
@@ -22496,30 +22213,22 @@
         <p:spPr>
           <a:xfrm>
             <a:off x="0" y="6334200"/>
-            <a:ext cx="12186720" cy="61920"/>
+            <a:ext cx="12185640" cy="60840"/>
           </a:xfrm>
           <a:prstGeom prst="rect">
             <a:avLst/>
           </a:prstGeom>
           <a:solidFill>
-            <a:schemeClr val="accent1"/>
+            <a:srgbClr val="1cade4"/>
           </a:solidFill>
-          <a:ln>
+          <a:ln w="25560">
             <a:noFill/>
           </a:ln>
         </p:spPr>
         <p:style>
-          <a:lnRef idx="2">
-            <a:schemeClr val="accent1">
-              <a:shade val="50000"/>
-            </a:schemeClr>
-          </a:lnRef>
-          <a:fillRef idx="1">
-            <a:schemeClr val="accent1"/>
-          </a:fillRef>
-          <a:effectRef idx="0">
-            <a:schemeClr val="accent1"/>
-          </a:effectRef>
+          <a:lnRef idx="0"/>
+          <a:fillRef idx="0"/>
+          <a:effectRef idx="0"/>
           <a:fontRef idx="minor"/>
         </p:style>
       </p:sp>
@@ -22537,7 +22246,7 @@
           <a:prstGeom prst="line">
             <a:avLst/>
           </a:prstGeom>
-          <a:ln w="6350">
+          <a:ln w="6480">
             <a:solidFill>
               <a:srgbClr val="808080"/>
             </a:solidFill>
@@ -22545,15 +22254,9 @@
           </a:ln>
         </p:spPr>
         <p:style>
-          <a:lnRef idx="1">
-            <a:schemeClr val="accent1"/>
-          </a:lnRef>
-          <a:fillRef idx="0">
-            <a:schemeClr val="accent1"/>
-          </a:fillRef>
-          <a:effectRef idx="0">
-            <a:schemeClr val="accent1"/>
-          </a:effectRef>
+          <a:lnRef idx="0"/>
+          <a:fillRef idx="0"/>
+          <a:effectRef idx="0"/>
           <a:fontRef idx="minor"/>
         </p:style>
       </p:sp>
@@ -22566,30 +22269,22 @@
         <p:spPr>
           <a:xfrm>
             <a:off x="3240" y="6400800"/>
-            <a:ext cx="12186720" cy="455040"/>
+            <a:ext cx="12185640" cy="453960"/>
           </a:xfrm>
           <a:prstGeom prst="rect">
             <a:avLst/>
           </a:prstGeom>
           <a:solidFill>
-            <a:schemeClr val="accent2"/>
+            <a:srgbClr val="2683c6"/>
           </a:solidFill>
-          <a:ln>
+          <a:ln w="25560">
             <a:noFill/>
           </a:ln>
         </p:spPr>
         <p:style>
-          <a:lnRef idx="2">
-            <a:schemeClr val="accent1">
-              <a:shade val="50000"/>
-            </a:schemeClr>
-          </a:lnRef>
-          <a:fillRef idx="1">
-            <a:schemeClr val="accent1"/>
-          </a:fillRef>
-          <a:effectRef idx="0">
-            <a:schemeClr val="accent1"/>
-          </a:effectRef>
+          <a:lnRef idx="0"/>
+          <a:fillRef idx="0"/>
+          <a:effectRef idx="0"/>
           <a:fontRef idx="minor"/>
         </p:style>
       </p:sp>
@@ -22602,30 +22297,22 @@
         <p:spPr>
           <a:xfrm>
             <a:off x="0" y="6334200"/>
-            <a:ext cx="12186720" cy="61920"/>
+            <a:ext cx="12185640" cy="60840"/>
           </a:xfrm>
           <a:prstGeom prst="rect">
             <a:avLst/>
           </a:prstGeom>
           <a:solidFill>
-            <a:schemeClr val="accent1"/>
+            <a:srgbClr val="1cade4"/>
           </a:solidFill>
-          <a:ln>
+          <a:ln w="25560">
             <a:noFill/>
           </a:ln>
         </p:spPr>
         <p:style>
-          <a:lnRef idx="2">
-            <a:schemeClr val="accent1">
-              <a:shade val="50000"/>
-            </a:schemeClr>
-          </a:lnRef>
-          <a:fillRef idx="1">
-            <a:schemeClr val="accent1"/>
-          </a:fillRef>
-          <a:effectRef idx="0">
-            <a:schemeClr val="accent1"/>
-          </a:effectRef>
+          <a:lnRef idx="0"/>
+          <a:fillRef idx="0"/>
+          <a:effectRef idx="0"/>
           <a:fontRef idx="minor"/>
         </p:style>
       </p:sp>
@@ -22642,7 +22329,7 @@
         <p:spPr>
           <a:xfrm>
             <a:off x="3686040" y="6459840"/>
-            <a:ext cx="4820760" cy="362880"/>
+            <a:ext cx="4819680" cy="361800"/>
           </a:xfrm>
           <a:prstGeom prst="rect">
             <a:avLst/>
@@ -22699,7 +22386,7 @@
         <p:spPr>
           <a:xfrm>
             <a:off x="9900360" y="6459840"/>
-            <a:ext cx="1310040" cy="362880"/>
+            <a:ext cx="1308960" cy="361800"/>
           </a:xfrm>
           <a:prstGeom prst="rect">
             <a:avLst/>
@@ -22734,7 +22421,7 @@
               </a:lnSpc>
               <a:buNone/>
             </a:pPr>
-            <a:fld id="{7313C0C3-6531-4C10-8F3F-49DDE0577315}" type="slidenum">
+            <a:fld id="{749B44F0-B35A-4C56-86AB-1162896031C2}" type="slidenum">
               <a:rPr b="0" lang="en-US" sz="1050" spc="-1" strike="noStrike">
                 <a:solidFill>
                   <a:srgbClr val="ffffff"/>
@@ -22762,7 +22449,7 @@
         <p:spPr>
           <a:xfrm>
             <a:off x="1097280" y="6459840"/>
-            <a:ext cx="2469960" cy="362880"/>
+            <a:ext cx="2468880" cy="361800"/>
           </a:xfrm>
           <a:prstGeom prst="rect">
             <a:avLst/>
@@ -23072,7 +22759,7 @@
         <p:spPr>
           <a:xfrm>
             <a:off x="634680" y="685800"/>
-            <a:ext cx="10794960" cy="704880"/>
+            <a:ext cx="10793880" cy="703800"/>
           </a:xfrm>
           <a:prstGeom prst="rect">
             <a:avLst/>
@@ -23124,7 +22811,7 @@
         <p:spPr>
           <a:xfrm>
             <a:off x="4773240" y="4924080"/>
-            <a:ext cx="3562920" cy="978120"/>
+            <a:ext cx="3561840" cy="977040"/>
           </a:xfrm>
           <a:prstGeom prst="rect">
             <a:avLst/>
@@ -23155,7 +22842,7 @@
               </a:tabLst>
             </a:pPr>
             <a:r>
-              <a:rPr b="1" lang="el-GR" sz="2400" spc="185" strike="noStrike" cap="all">
+              <a:rPr b="1" lang="el-GR" sz="2400" spc="180" strike="noStrike" cap="all">
                 <a:solidFill>
                   <a:srgbClr val="344068"/>
                 </a:solidFill>
@@ -23184,7 +22871,7 @@
               </a:tabLst>
             </a:pPr>
             <a:r>
-              <a:rPr b="1" lang="el-GR" sz="2400" spc="185" strike="noStrike" cap="all">
+              <a:rPr b="1" lang="el-GR" sz="2400" spc="180" strike="noStrike" cap="all">
                 <a:solidFill>
                   <a:srgbClr val="344068"/>
                 </a:solidFill>
@@ -23211,7 +22898,7 @@
         <p:spPr>
           <a:xfrm>
             <a:off x="0" y="5225040"/>
-            <a:ext cx="945360" cy="1052280"/>
+            <a:ext cx="944280" cy="1051200"/>
           </a:xfrm>
           <a:prstGeom prst="rect">
             <a:avLst/>
@@ -23234,7 +22921,7 @@
         <p:spPr>
           <a:xfrm>
             <a:off x="11025720" y="5225040"/>
-            <a:ext cx="1052280" cy="1052280"/>
+            <a:ext cx="1051200" cy="1051200"/>
           </a:xfrm>
           <a:prstGeom prst="rect">
             <a:avLst/>
@@ -23253,7 +22940,7 @@
         <p:spPr>
           <a:xfrm>
             <a:off x="8440560" y="6456240"/>
-            <a:ext cx="3749400" cy="363960"/>
+            <a:ext cx="3748320" cy="363960"/>
           </a:xfrm>
           <a:prstGeom prst="rect">
             <a:avLst/>
@@ -23305,7 +22992,7 @@
         <p:spPr>
           <a:xfrm>
             <a:off x="0" y="6456240"/>
-            <a:ext cx="4308480" cy="638280"/>
+            <a:ext cx="4307400" cy="638280"/>
           </a:xfrm>
           <a:prstGeom prst="rect">
             <a:avLst/>
@@ -23361,7 +23048,7 @@
         <p:spPr>
           <a:xfrm>
             <a:off x="3868920" y="1841760"/>
-            <a:ext cx="4131720" cy="2272680"/>
+            <a:ext cx="4130640" cy="2271600"/>
           </a:xfrm>
           <a:prstGeom prst="rect">
             <a:avLst/>
@@ -23410,7 +23097,7 @@
         <p:spPr>
           <a:xfrm>
             <a:off x="383040" y="178200"/>
-            <a:ext cx="11423520" cy="887040"/>
+            <a:ext cx="11422440" cy="885960"/>
           </a:xfrm>
           <a:prstGeom prst="rect">
             <a:avLst/>
@@ -23436,7 +23123,7 @@
         <p:spPr>
           <a:xfrm>
             <a:off x="383040" y="1067040"/>
-            <a:ext cx="11205720" cy="5144760"/>
+            <a:ext cx="11204640" cy="5143680"/>
           </a:xfrm>
           <a:prstGeom prst="rect">
             <a:avLst/>
@@ -23515,7 +23202,7 @@
         <p:spPr>
           <a:xfrm>
             <a:off x="492120" y="3438720"/>
-            <a:ext cx="4435560" cy="2663640"/>
+            <a:ext cx="4434480" cy="2662560"/>
           </a:xfrm>
           <a:prstGeom prst="rect">
             <a:avLst/>
@@ -23541,7 +23228,7 @@
         <p:spPr>
           <a:xfrm>
             <a:off x="4220280" y="6458400"/>
-            <a:ext cx="3749400" cy="363960"/>
+            <a:ext cx="3748320" cy="363960"/>
           </a:xfrm>
           <a:prstGeom prst="rect">
             <a:avLst/>
@@ -23597,7 +23284,7 @@
         <p:spPr>
           <a:xfrm>
             <a:off x="618120" y="273600"/>
-            <a:ext cx="10970640" cy="1143000"/>
+            <a:ext cx="10969560" cy="1141920"/>
           </a:xfrm>
           <a:prstGeom prst="rect">
             <a:avLst/>
@@ -23642,7 +23329,7 @@
         <p:spPr>
           <a:xfrm>
             <a:off x="2971800" y="1828800"/>
-            <a:ext cx="914040" cy="344520"/>
+            <a:ext cx="912960" cy="343440"/>
           </a:xfrm>
           <a:prstGeom prst="rect">
             <a:avLst/>
@@ -23694,7 +23381,7 @@
         <p:spPr>
           <a:xfrm>
             <a:off x="8315640" y="1828800"/>
-            <a:ext cx="828000" cy="600480"/>
+            <a:ext cx="826920" cy="599400"/>
           </a:xfrm>
           <a:prstGeom prst="rect">
             <a:avLst/>
@@ -23761,7 +23448,7 @@
         <p:spPr>
           <a:xfrm>
             <a:off x="896760" y="2286000"/>
-            <a:ext cx="5045040" cy="3801600"/>
+            <a:ext cx="5043960" cy="3800520"/>
           </a:xfrm>
           <a:prstGeom prst="rect">
             <a:avLst/>
@@ -23784,7 +23471,7 @@
         <p:spPr>
           <a:xfrm>
             <a:off x="6629400" y="2286000"/>
-            <a:ext cx="5045040" cy="3774240"/>
+            <a:ext cx="5043960" cy="3773160"/>
           </a:xfrm>
           <a:prstGeom prst="rect">
             <a:avLst/>
@@ -23833,7 +23520,7 @@
         <p:spPr>
           <a:xfrm>
             <a:off x="383040" y="178200"/>
-            <a:ext cx="11423520" cy="887040"/>
+            <a:ext cx="11422440" cy="885960"/>
           </a:xfrm>
           <a:prstGeom prst="rect">
             <a:avLst/>
@@ -23859,7 +23546,7 @@
         <p:spPr>
           <a:xfrm>
             <a:off x="383040" y="1067040"/>
-            <a:ext cx="11205720" cy="5144760"/>
+            <a:ext cx="11204640" cy="5143680"/>
           </a:xfrm>
           <a:prstGeom prst="rect">
             <a:avLst/>
@@ -23938,7 +23625,7 @@
         <p:spPr>
           <a:xfrm>
             <a:off x="492120" y="3438720"/>
-            <a:ext cx="4435560" cy="2663640"/>
+            <a:ext cx="4434480" cy="2662560"/>
           </a:xfrm>
           <a:prstGeom prst="rect">
             <a:avLst/>
@@ -23964,7 +23651,7 @@
         <p:spPr>
           <a:xfrm>
             <a:off x="4220280" y="6458400"/>
-            <a:ext cx="3749400" cy="363960"/>
+            <a:ext cx="3748320" cy="363960"/>
           </a:xfrm>
           <a:prstGeom prst="rect">
             <a:avLst/>
@@ -24020,7 +23707,7 @@
         <p:spPr>
           <a:xfrm>
             <a:off x="618120" y="273600"/>
-            <a:ext cx="10970640" cy="1143000"/>
+            <a:ext cx="10969560" cy="1141920"/>
           </a:xfrm>
           <a:prstGeom prst="rect">
             <a:avLst/>
@@ -24065,7 +23752,7 @@
         <p:spPr>
           <a:xfrm>
             <a:off x="1821960" y="2286000"/>
-            <a:ext cx="8921880" cy="3161520"/>
+            <a:ext cx="8920800" cy="3160440"/>
           </a:xfrm>
           <a:prstGeom prst="rect">
             <a:avLst/>
@@ -24094,7 +23781,11 @@
             </a:pPr>
             <a:r>
               <a:rPr b="0" lang="en-US" sz="1800" spc="-1" strike="noStrike">
+                <a:solidFill>
+                  <a:srgbClr val="000000"/>
+                </a:solidFill>
                 <a:latin typeface="Arial"/>
+                <a:ea typeface="DejaVu Sans"/>
               </a:rPr>
               <a:t>While the CNN networks have similar accuracy the FPR of the transfer learning rate is </a:t>
             </a:r>
@@ -24111,7 +23802,11 @@
             </a:pPr>
             <a:r>
               <a:rPr b="0" lang="en-US" sz="1800" spc="-1" strike="noStrike">
+                <a:solidFill>
+                  <a:srgbClr val="000000"/>
+                </a:solidFill>
                 <a:latin typeface="Arial"/>
+                <a:ea typeface="DejaVu Sans"/>
               </a:rPr>
               <a:t>Lower. This is important as it affects the security of the system.</a:t>
             </a:r>
@@ -24139,7 +23834,11 @@
             </a:pPr>
             <a:r>
               <a:rPr b="0" lang="en-US" sz="1800" spc="-1" strike="noStrike">
+                <a:solidFill>
+                  <a:srgbClr val="000000"/>
+                </a:solidFill>
                 <a:latin typeface="Arial"/>
+                <a:ea typeface="DejaVu Sans"/>
               </a:rPr>
               <a:t>In both CNN’s the False negatives were a non factor.</a:t>
             </a:r>
@@ -24167,7 +23866,11 @@
             </a:pPr>
             <a:r>
               <a:rPr b="0" lang="en-US" sz="1800" spc="-1" strike="noStrike">
+                <a:solidFill>
+                  <a:srgbClr val="000000"/>
+                </a:solidFill>
                 <a:latin typeface="Arial"/>
+                <a:ea typeface="DejaVu Sans"/>
               </a:rPr>
               <a:t>IN the test set the behavior of our custom CNN is more unpredictable compared </a:t>
             </a:r>
@@ -24184,7 +23887,11 @@
             </a:pPr>
             <a:r>
               <a:rPr b="0" lang="en-US" sz="1800" spc="-1" strike="noStrike">
+                <a:solidFill>
+                  <a:srgbClr val="000000"/>
+                </a:solidFill>
                 <a:latin typeface="Arial"/>
+                <a:ea typeface="DejaVu Sans"/>
               </a:rPr>
               <a:t>to transfer learning</a:t>
             </a:r>
@@ -24201,7 +23908,11 @@
             </a:pPr>
             <a:r>
               <a:rPr b="0" lang="en-US" sz="1800" spc="-1" strike="noStrike">
+                <a:solidFill>
+                  <a:srgbClr val="000000"/>
+                </a:solidFill>
                 <a:latin typeface="Arial"/>
+                <a:ea typeface="DejaVu Sans"/>
               </a:rPr>
               <a:t> </a:t>
             </a:r>
@@ -24229,7 +23940,11 @@
             </a:pPr>
             <a:r>
               <a:rPr b="0" lang="en-US" sz="1800" spc="-1" strike="noStrike">
+                <a:solidFill>
+                  <a:srgbClr val="000000"/>
+                </a:solidFill>
                 <a:latin typeface="Arial"/>
+                <a:ea typeface="DejaVu Sans"/>
               </a:rPr>
               <a:t> </a:t>
             </a:r>
@@ -24257,7 +23972,11 @@
             </a:pPr>
             <a:r>
               <a:rPr b="0" lang="en-US" sz="1800" spc="-1" strike="noStrike">
+                <a:solidFill>
+                  <a:srgbClr val="000000"/>
+                </a:solidFill>
                 <a:latin typeface="Arial"/>
+                <a:ea typeface="DejaVu Sans"/>
               </a:rPr>
               <a:t> </a:t>
             </a:r>
@@ -24306,7 +24025,7 @@
         <p:spPr>
           <a:xfrm>
             <a:off x="383040" y="178200"/>
-            <a:ext cx="11423520" cy="887040"/>
+            <a:ext cx="11422440" cy="885960"/>
           </a:xfrm>
           <a:prstGeom prst="rect">
             <a:avLst/>
@@ -24332,7 +24051,7 @@
         <p:spPr>
           <a:xfrm>
             <a:off x="383040" y="1067040"/>
-            <a:ext cx="11205720" cy="5144760"/>
+            <a:ext cx="11204640" cy="5143680"/>
           </a:xfrm>
           <a:prstGeom prst="rect">
             <a:avLst/>
@@ -24411,7 +24130,7 @@
         <p:spPr>
           <a:xfrm>
             <a:off x="492120" y="3438720"/>
-            <a:ext cx="4435560" cy="2663640"/>
+            <a:ext cx="4434480" cy="2662560"/>
           </a:xfrm>
           <a:prstGeom prst="rect">
             <a:avLst/>
@@ -24437,7 +24156,7 @@
         <p:spPr>
           <a:xfrm>
             <a:off x="4220280" y="6458400"/>
-            <a:ext cx="3749400" cy="363960"/>
+            <a:ext cx="3748320" cy="363960"/>
           </a:xfrm>
           <a:prstGeom prst="rect">
             <a:avLst/>
@@ -24493,7 +24212,7 @@
         <p:spPr>
           <a:xfrm>
             <a:off x="618120" y="273600"/>
-            <a:ext cx="10970640" cy="1143000"/>
+            <a:ext cx="10969560" cy="1141920"/>
           </a:xfrm>
           <a:prstGeom prst="rect">
             <a:avLst/>
@@ -24521,7 +24240,25 @@
                 </a:solidFill>
                 <a:latin typeface="Calibri"/>
               </a:rPr>
-              <a:t>Triplet loss models :FaceNet Approach </a:t>
+              <a:t>Triplet loss </a:t>
+            </a:r>
+            <a:r>
+              <a:rPr b="1" lang="en-US" sz="2400" spc="-1" strike="noStrike">
+                <a:solidFill>
+                  <a:srgbClr val="000000"/>
+                </a:solidFill>
+                <a:latin typeface="Calibri"/>
+              </a:rPr>
+              <a:t>models :FaceNet </a:t>
+            </a:r>
+            <a:r>
+              <a:rPr b="1" lang="en-US" sz="2400" spc="-1" strike="noStrike">
+                <a:solidFill>
+                  <a:srgbClr val="000000"/>
+                </a:solidFill>
+                <a:latin typeface="Calibri"/>
+              </a:rPr>
+              <a:t>Approach </a:t>
             </a:r>
             <a:endParaRPr b="0" lang="en-US" sz="2400" spc="-1" strike="noStrike">
               <a:latin typeface="Arial"/>
@@ -24542,7 +24279,7 @@
         <p:spPr>
           <a:xfrm>
             <a:off x="7772400" y="2057400"/>
-            <a:ext cx="3414600" cy="1533600"/>
+            <a:ext cx="3413520" cy="1532520"/>
           </a:xfrm>
           <a:prstGeom prst="rect">
             <a:avLst/>
@@ -24565,7 +24302,7 @@
         <p:spPr>
           <a:xfrm>
             <a:off x="590760" y="2743560"/>
-            <a:ext cx="4665600" cy="226800"/>
+            <a:ext cx="4664520" cy="225720"/>
           </a:xfrm>
           <a:prstGeom prst="rect">
             <a:avLst/>
@@ -24588,7 +24325,7 @@
         <p:spPr>
           <a:xfrm>
             <a:off x="8182440" y="5696280"/>
-            <a:ext cx="3931920" cy="474480"/>
+            <a:ext cx="3930840" cy="473400"/>
           </a:xfrm>
           <a:prstGeom prst="rect">
             <a:avLst/>
@@ -24607,7 +24344,7 @@
         <p:spPr>
           <a:xfrm>
             <a:off x="457200" y="2286000"/>
-            <a:ext cx="6856560" cy="344880"/>
+            <a:ext cx="6855480" cy="343800"/>
           </a:xfrm>
           <a:prstGeom prst="rect">
             <a:avLst/>
@@ -24659,7 +24396,7 @@
         <p:spPr>
           <a:xfrm>
             <a:off x="383040" y="3200400"/>
-            <a:ext cx="6311880" cy="2346120"/>
+            <a:ext cx="6310800" cy="2345040"/>
           </a:xfrm>
           <a:prstGeom prst="rect">
             <a:avLst/>
@@ -24874,7 +24611,7 @@
                 <a:latin typeface="Arial"/>
                 <a:ea typeface="DejaVu Sans"/>
               </a:rPr>
-              <a:t>The idea is to minimize the distance betwenn anchors and positives </a:t>
+              <a:t>The idea is to minimize the distance between anchors and positives </a:t>
             </a:r>
             <a:endParaRPr b="0" lang="en-US" sz="1600" spc="-1" strike="noStrike">
               <a:latin typeface="Arial"/>
@@ -24895,7 +24632,7 @@
                 <a:latin typeface="Arial"/>
                 <a:ea typeface="DejaVu Sans"/>
               </a:rPr>
-              <a:t>And maximize the distance betwenn anchors and negatives </a:t>
+              <a:t>And maximize the distance between anchors and negatives </a:t>
             </a:r>
             <a:endParaRPr b="0" lang="en-US" sz="1600" spc="-1" strike="noStrike">
               <a:latin typeface="Arial"/>
@@ -24912,7 +24649,7 @@
         <p:spPr>
           <a:xfrm>
             <a:off x="6849360" y="3741120"/>
-            <a:ext cx="5265000" cy="600840"/>
+            <a:ext cx="5263920" cy="599760"/>
           </a:xfrm>
           <a:prstGeom prst="rect">
             <a:avLst/>
@@ -24947,38 +24684,7 @@
                 <a:latin typeface="Arial"/>
                 <a:ea typeface="DejaVu Sans"/>
               </a:rPr>
-              <a:t>FaceNet triplet selection: select hard positives and</a:t>
-            </a:r>
-            <a:endParaRPr b="0" lang="en-US" sz="1800" spc="-1" strike="noStrike">
-              <a:latin typeface="Arial"/>
-            </a:endParaRPr>
-          </a:p>
-          <a:p>
-            <a:pPr>
-              <a:lnSpc>
-                <a:spcPct val="100000"/>
-              </a:lnSpc>
-              <a:buNone/>
-            </a:pPr>
-            <a:r>
-              <a:rPr b="0" lang="en-US" sz="1800" spc="-1" strike="noStrike">
-                <a:solidFill>
-                  <a:srgbClr val="000000"/>
-                </a:solidFill>
-                <a:latin typeface="Arial"/>
-                <a:ea typeface="DejaVu Sans"/>
-              </a:rPr>
-              <a:t> </a:t>
-            </a:r>
-            <a:r>
-              <a:rPr b="0" lang="en-US" sz="1800" spc="-1" strike="noStrike">
-                <a:solidFill>
-                  <a:srgbClr val="000000"/>
-                </a:solidFill>
-                <a:latin typeface="Arial"/>
-                <a:ea typeface="DejaVu Sans"/>
-              </a:rPr>
-              <a:t>hard/semi-hard negatives for each anchor </a:t>
+              <a:t>FaceNet triplet selection: select hard positives and hard/semi-hard negatives for each anchor </a:t>
             </a:r>
             <a:endParaRPr b="0" lang="en-US" sz="1800" spc="-1" strike="noStrike">
               <a:latin typeface="Arial"/>
@@ -24998,8 +24704,8 @@
         </p:blipFill>
         <p:spPr>
           <a:xfrm>
-            <a:off x="8458200" y="4384800"/>
-            <a:ext cx="3024000" cy="414360"/>
+            <a:off x="8634960" y="4386600"/>
+            <a:ext cx="3022920" cy="413280"/>
           </a:xfrm>
           <a:prstGeom prst="rect">
             <a:avLst/>
@@ -25022,7 +24728,7 @@
         <p:spPr>
           <a:xfrm>
             <a:off x="8686800" y="5029200"/>
-            <a:ext cx="2817720" cy="385920"/>
+            <a:ext cx="2816640" cy="384840"/>
           </a:xfrm>
           <a:prstGeom prst="rect">
             <a:avLst/>
@@ -25041,7 +24747,7 @@
         <p:spPr>
           <a:xfrm>
             <a:off x="6629400" y="4454280"/>
-            <a:ext cx="1827360" cy="344880"/>
+            <a:ext cx="1826280" cy="343800"/>
           </a:xfrm>
           <a:prstGeom prst="rect">
             <a:avLst/>
@@ -25093,7 +24799,7 @@
         <p:spPr>
           <a:xfrm>
             <a:off x="6696360" y="5029200"/>
-            <a:ext cx="1827360" cy="455760"/>
+            <a:ext cx="1826280" cy="454680"/>
           </a:xfrm>
           <a:prstGeom prst="rect">
             <a:avLst/>
@@ -25145,7 +24851,7 @@
         <p:spPr>
           <a:xfrm>
             <a:off x="6858000" y="5610960"/>
-            <a:ext cx="1827360" cy="600840"/>
+            <a:ext cx="1826280" cy="599760"/>
           </a:xfrm>
           <a:prstGeom prst="rect">
             <a:avLst/>
@@ -25227,7 +24933,7 @@
         <p:spPr>
           <a:xfrm>
             <a:off x="383040" y="178200"/>
-            <a:ext cx="11423520" cy="887040"/>
+            <a:ext cx="11422440" cy="885960"/>
           </a:xfrm>
           <a:prstGeom prst="rect">
             <a:avLst/>
@@ -25253,7 +24959,7 @@
         <p:spPr>
           <a:xfrm>
             <a:off x="383040" y="1067040"/>
-            <a:ext cx="11205720" cy="5144760"/>
+            <a:ext cx="11204640" cy="5143680"/>
           </a:xfrm>
           <a:prstGeom prst="rect">
             <a:avLst/>
@@ -25332,7 +25038,7 @@
         <p:spPr>
           <a:xfrm>
             <a:off x="492120" y="3438720"/>
-            <a:ext cx="4435560" cy="2663640"/>
+            <a:ext cx="4434480" cy="2662560"/>
           </a:xfrm>
           <a:prstGeom prst="rect">
             <a:avLst/>
@@ -25358,7 +25064,7 @@
         <p:spPr>
           <a:xfrm>
             <a:off x="4220280" y="6458400"/>
-            <a:ext cx="3749400" cy="363960"/>
+            <a:ext cx="3748320" cy="363960"/>
           </a:xfrm>
           <a:prstGeom prst="rect">
             <a:avLst/>
@@ -25414,7 +25120,7 @@
         <p:spPr>
           <a:xfrm>
             <a:off x="618120" y="273600"/>
-            <a:ext cx="10970640" cy="1143000"/>
+            <a:ext cx="10969560" cy="1141920"/>
           </a:xfrm>
           <a:prstGeom prst="rect">
             <a:avLst/>
@@ -25474,8 +25180,8 @@
         </p:blipFill>
         <p:spPr>
           <a:xfrm>
-            <a:off x="6709680" y="1828800"/>
-            <a:ext cx="4055760" cy="712440"/>
+            <a:off x="6858000" y="1828800"/>
+            <a:ext cx="4054680" cy="711360"/>
           </a:xfrm>
           <a:prstGeom prst="rect">
             <a:avLst/>
@@ -25485,62 +25191,16 @@
           </a:ln>
         </p:spPr>
       </p:pic>
-      <p:pic>
-        <p:nvPicPr>
-          <p:cNvPr id="473" name="" descr=""/>
-          <p:cNvPicPr/>
-          <p:nvPr/>
-        </p:nvPicPr>
-        <p:blipFill>
-          <a:blip r:embed="rId2"/>
-          <a:stretch/>
-        </p:blipFill>
-        <p:spPr>
-          <a:xfrm>
-            <a:off x="5603400" y="2820240"/>
-            <a:ext cx="5170320" cy="1075320"/>
-          </a:xfrm>
-          <a:prstGeom prst="rect">
-            <a:avLst/>
-          </a:prstGeom>
-          <a:ln w="0">
-            <a:noFill/>
-          </a:ln>
-        </p:spPr>
-      </p:pic>
-      <p:pic>
-        <p:nvPicPr>
-          <p:cNvPr id="474" name="" descr=""/>
-          <p:cNvPicPr/>
-          <p:nvPr/>
-        </p:nvPicPr>
-        <p:blipFill>
-          <a:blip r:embed="rId3"/>
-          <a:stretch/>
-        </p:blipFill>
-        <p:spPr>
-          <a:xfrm>
-            <a:off x="5486400" y="4800600"/>
-            <a:ext cx="5942160" cy="1044000"/>
-          </a:xfrm>
-          <a:prstGeom prst="rect">
-            <a:avLst/>
-          </a:prstGeom>
-          <a:ln w="0">
-            <a:noFill/>
-          </a:ln>
-        </p:spPr>
-      </p:pic>
-      <p:sp>
-        <p:nvSpPr>
-          <p:cNvPr id="475" name=""/>
+      <p:sp>
+        <p:nvSpPr>
+          <p:cNvPr id="473" name=""/>
           <p:cNvSpPr/>
           <p:nvPr/>
         </p:nvSpPr>
         <p:spPr>
           <a:xfrm>
-            <a:off x="914400" y="2516760"/>
-            <a:ext cx="3199320" cy="1369080"/>
+            <a:off x="458640" y="1831680"/>
+            <a:ext cx="3198240" cy="1368000"/>
           </a:xfrm>
           <a:prstGeom prst="rect">
             <a:avLst/>
@@ -25585,14 +25245,14 @@
       </p:sp>
       <p:sp>
         <p:nvSpPr>
-          <p:cNvPr id="476" name=""/>
+          <p:cNvPr id="474" name=""/>
           <p:cNvSpPr/>
           <p:nvPr/>
         </p:nvSpPr>
         <p:spPr>
           <a:xfrm>
-            <a:off x="6401520" y="2057400"/>
-            <a:ext cx="307800" cy="345240"/>
+            <a:off x="6409800" y="1941120"/>
+            <a:ext cx="455760" cy="344160"/>
           </a:xfrm>
           <a:prstGeom prst="rect">
             <a:avLst/>
@@ -25637,89 +25297,14 @@
       </p:sp>
       <p:sp>
         <p:nvSpPr>
-          <p:cNvPr id="477" name=""/>
+          <p:cNvPr id="475" name=""/>
           <p:cNvSpPr/>
           <p:nvPr/>
         </p:nvSpPr>
         <p:spPr>
           <a:xfrm>
-            <a:off x="5486400" y="2514600"/>
-            <a:ext cx="6102360" cy="345240"/>
-          </a:xfrm>
-          <a:prstGeom prst="rect">
-            <a:avLst/>
-          </a:prstGeom>
-          <a:noFill/>
-          <a:ln w="0">
-            <a:noFill/>
-          </a:ln>
-        </p:spPr>
-        <p:style>
-          <a:lnRef idx="0"/>
-          <a:fillRef idx="0"/>
-          <a:effectRef idx="0"/>
-          <a:fontRef idx="minor"/>
-        </p:style>
-        <p:txBody>
-          <a:bodyPr lIns="90000" rIns="90000" tIns="45000" bIns="45000" anchor="t">
-            <a:noAutofit/>
-          </a:bodyPr>
-          <a:p>
-            <a:pPr>
-              <a:lnSpc>
-                <a:spcPct val="100000"/>
-              </a:lnSpc>
-              <a:buNone/>
-            </a:pPr>
-            <a:r>
-              <a:rPr b="0" lang="en-US" sz="1600" spc="-1" strike="noStrike">
-                <a:solidFill>
-                  <a:srgbClr val="000000"/>
-                </a:solidFill>
-                <a:latin typeface="Arial"/>
-                <a:ea typeface="DejaVu Sans"/>
-              </a:rPr>
-              <a:t>Then the triplet is considered as bad and is penalized as </a:t>
-            </a:r>
-            <a:endParaRPr b="0" lang="en-US" sz="1600" spc="-1" strike="noStrike">
-              <a:latin typeface="Arial"/>
-            </a:endParaRPr>
-          </a:p>
-        </p:txBody>
-      </p:sp>
-      <p:pic>
-        <p:nvPicPr>
-          <p:cNvPr id="478" name="" descr=""/>
-          <p:cNvPicPr/>
-          <p:nvPr/>
-        </p:nvPicPr>
-        <p:blipFill>
-          <a:blip r:embed="rId4"/>
-          <a:stretch/>
-        </p:blipFill>
-        <p:spPr>
-          <a:xfrm>
-            <a:off x="6629400" y="3668040"/>
-            <a:ext cx="4144320" cy="675000"/>
-          </a:xfrm>
-          <a:prstGeom prst="rect">
-            <a:avLst/>
-          </a:prstGeom>
-          <a:ln w="0">
-            <a:noFill/>
-          </a:ln>
-        </p:spPr>
-      </p:pic>
-      <p:sp>
-        <p:nvSpPr>
-          <p:cNvPr id="479" name=""/>
-          <p:cNvSpPr/>
-          <p:nvPr/>
-        </p:nvSpPr>
-        <p:spPr>
-          <a:xfrm>
-            <a:off x="6091920" y="3658320"/>
-            <a:ext cx="307800" cy="456120"/>
+            <a:off x="6549120" y="4116240"/>
+            <a:ext cx="536760" cy="455040"/>
           </a:xfrm>
           <a:prstGeom prst="rect">
             <a:avLst/>
@@ -25764,66 +25349,14 @@
       </p:sp>
       <p:sp>
         <p:nvSpPr>
-          <p:cNvPr id="480" name=""/>
+          <p:cNvPr id="476" name=""/>
           <p:cNvSpPr/>
           <p:nvPr/>
         </p:nvSpPr>
         <p:spPr>
           <a:xfrm>
-            <a:off x="5715000" y="4455000"/>
-            <a:ext cx="6102360" cy="345240"/>
-          </a:xfrm>
-          <a:prstGeom prst="rect">
-            <a:avLst/>
-          </a:prstGeom>
-          <a:noFill/>
-          <a:ln w="0">
-            <a:noFill/>
-          </a:ln>
-        </p:spPr>
-        <p:style>
-          <a:lnRef idx="0"/>
-          <a:fillRef idx="0"/>
-          <a:effectRef idx="0"/>
-          <a:fontRef idx="minor"/>
-        </p:style>
-        <p:txBody>
-          <a:bodyPr lIns="90000" rIns="90000" tIns="45000" bIns="45000" anchor="t">
-            <a:noAutofit/>
-          </a:bodyPr>
-          <a:p>
-            <a:pPr>
-              <a:lnSpc>
-                <a:spcPct val="100000"/>
-              </a:lnSpc>
-              <a:buNone/>
-            </a:pPr>
-            <a:r>
-              <a:rPr b="0" lang="en-US" sz="1600" spc="-1" strike="noStrike">
-                <a:solidFill>
-                  <a:srgbClr val="000000"/>
-                </a:solidFill>
-                <a:latin typeface="Arial"/>
-                <a:ea typeface="DejaVu Sans"/>
-              </a:rPr>
-              <a:t>Then the triplet is considered as good and is rewarded as </a:t>
-            </a:r>
-            <a:endParaRPr b="0" lang="en-US" sz="1600" spc="-1" strike="noStrike">
-              <a:latin typeface="Arial"/>
-            </a:endParaRPr>
-          </a:p>
-        </p:txBody>
-      </p:sp>
-      <p:sp>
-        <p:nvSpPr>
-          <p:cNvPr id="481" name=""/>
-          <p:cNvSpPr/>
-          <p:nvPr/>
-        </p:nvSpPr>
-        <p:spPr>
-          <a:xfrm>
             <a:off x="228600" y="5354640"/>
-            <a:ext cx="4570920" cy="857160"/>
+            <a:ext cx="4569840" cy="856080"/>
           </a:xfrm>
           <a:prstGeom prst="rect">
             <a:avLst/>
@@ -25899,7 +25432,7 @@
                 <a:latin typeface="Arial"/>
                 <a:ea typeface="DejaVu Sans"/>
               </a:rPr>
-              <a:t>k: real number between one and zero </a:t>
+              <a:t>a: constant we choose   </a:t>
             </a:r>
             <a:endParaRPr b="0" lang="en-US" sz="1600" spc="-1" strike="noStrike">
               <a:latin typeface="Arial"/>
@@ -25907,23 +25440,72 @@
           </a:p>
         </p:txBody>
       </p:sp>
-      <p:sp>
-        <p:nvSpPr>
-          <p:cNvPr id="482" name=""/>
+      <p:pic>
+        <p:nvPicPr>
+          <p:cNvPr id="477" name="" descr=""/>
+          <p:cNvPicPr/>
+          <p:nvPr/>
+        </p:nvPicPr>
+        <p:blipFill>
+          <a:blip r:embed="rId2"/>
+          <a:stretch/>
+        </p:blipFill>
+        <p:spPr>
+          <a:xfrm>
+            <a:off x="181440" y="3347640"/>
+            <a:ext cx="5761440" cy="1223640"/>
+          </a:xfrm>
+          <a:prstGeom prst="rect">
+            <a:avLst/>
+          </a:prstGeom>
+          <a:ln w="0">
+            <a:noFill/>
+          </a:ln>
+        </p:spPr>
+      </p:pic>
+      <p:pic>
+        <p:nvPicPr>
+          <p:cNvPr id="478" name="" descr=""/>
+          <p:cNvPicPr/>
+          <p:nvPr/>
+        </p:nvPicPr>
+        <p:blipFill>
+          <a:blip r:embed="rId3"/>
+          <a:stretch/>
+        </p:blipFill>
+        <p:spPr>
+          <a:xfrm>
+            <a:off x="6972840" y="2514600"/>
+            <a:ext cx="3025440" cy="1573200"/>
+          </a:xfrm>
+          <a:prstGeom prst="rect">
+            <a:avLst/>
+          </a:prstGeom>
+          <a:ln w="0">
+            <a:noFill/>
+          </a:ln>
+        </p:spPr>
+      </p:pic>
+      <p:sp>
+        <p:nvSpPr>
+          <p:cNvPr id="479" name=""/>
           <p:cNvSpPr/>
           <p:nvPr/>
         </p:nvSpPr>
         <p:spPr>
-          <a:xfrm>
-            <a:off x="4928040" y="5757120"/>
-            <a:ext cx="7086240" cy="345240"/>
-          </a:xfrm>
-          <a:prstGeom prst="rect">
-            <a:avLst/>
-          </a:prstGeom>
-          <a:noFill/>
-          <a:ln w="0">
-            <a:noFill/>
+          <a:xfrm flipV="1">
+            <a:off x="5943600" y="3200400"/>
+            <a:ext cx="914400" cy="228600"/>
+          </a:xfrm>
+          <a:prstGeom prst="line">
+            <a:avLst/>
+          </a:prstGeom>
+          <a:ln w="0">
+            <a:solidFill>
+              <a:srgbClr val="3465a4"/>
+            </a:solidFill>
+            <a:headEnd len="med" type="diamond" w="med"/>
+            <a:tailEnd len="med" type="triangle" w="med"/>
           </a:ln>
         </p:spPr>
         <p:style>
@@ -25932,33 +25514,105 @@
           <a:effectRef idx="0"/>
           <a:fontRef idx="minor"/>
         </p:style>
-        <p:txBody>
-          <a:bodyPr lIns="90000" rIns="90000" tIns="45000" bIns="45000" anchor="t">
-            <a:noAutofit/>
-          </a:bodyPr>
-          <a:p>
-            <a:pPr>
-              <a:lnSpc>
-                <a:spcPct val="100000"/>
-              </a:lnSpc>
-              <a:buNone/>
-            </a:pPr>
-            <a:r>
-              <a:rPr b="0" lang="en-US" sz="1600" spc="-1" strike="noStrike">
-                <a:solidFill>
-                  <a:srgbClr val="000000"/>
-                </a:solidFill>
-                <a:latin typeface="Arial"/>
-                <a:ea typeface="DejaVu Sans"/>
-              </a:rPr>
-              <a:t>For the triplets that do not meet the above the original loss function is used</a:t>
-            </a:r>
-            <a:endParaRPr b="0" lang="en-US" sz="1600" spc="-1" strike="noStrike">
-              <a:latin typeface="Arial"/>
-            </a:endParaRPr>
-          </a:p>
-        </p:txBody>
-      </p:sp>
+      </p:sp>
+      <p:sp>
+        <p:nvSpPr>
+          <p:cNvPr id="480" name=""/>
+          <p:cNvSpPr/>
+          <p:nvPr/>
+        </p:nvSpPr>
+        <p:spPr>
+          <a:xfrm>
+            <a:off x="5715000" y="3886200"/>
+            <a:ext cx="914400" cy="914400"/>
+          </a:xfrm>
+          <a:prstGeom prst="line">
+            <a:avLst/>
+          </a:prstGeom>
+          <a:ln w="0">
+            <a:solidFill>
+              <a:srgbClr val="3465a4"/>
+            </a:solidFill>
+            <a:headEnd len="med" type="diamond" w="med"/>
+            <a:tailEnd len="med" type="triangle" w="med"/>
+          </a:ln>
+        </p:spPr>
+        <p:style>
+          <a:lnRef idx="0"/>
+          <a:fillRef idx="0"/>
+          <a:effectRef idx="0"/>
+          <a:fontRef idx="minor"/>
+        </p:style>
+      </p:sp>
+      <p:pic>
+        <p:nvPicPr>
+          <p:cNvPr id="481" name="" descr=""/>
+          <p:cNvPicPr/>
+          <p:nvPr/>
+        </p:nvPicPr>
+        <p:blipFill>
+          <a:blip r:embed="rId4"/>
+          <a:stretch/>
+        </p:blipFill>
+        <p:spPr>
+          <a:xfrm>
+            <a:off x="7086600" y="4114800"/>
+            <a:ext cx="2927880" cy="456480"/>
+          </a:xfrm>
+          <a:prstGeom prst="rect">
+            <a:avLst/>
+          </a:prstGeom>
+          <a:ln w="0">
+            <a:noFill/>
+          </a:ln>
+        </p:spPr>
+      </p:pic>
+      <p:pic>
+        <p:nvPicPr>
+          <p:cNvPr id="482" name="" descr=""/>
+          <p:cNvPicPr/>
+          <p:nvPr/>
+        </p:nvPicPr>
+        <p:blipFill>
+          <a:blip r:embed="rId5"/>
+          <a:stretch/>
+        </p:blipFill>
+        <p:spPr>
+          <a:xfrm>
+            <a:off x="10058400" y="4114800"/>
+            <a:ext cx="1940040" cy="456480"/>
+          </a:xfrm>
+          <a:prstGeom prst="rect">
+            <a:avLst/>
+          </a:prstGeom>
+          <a:ln w="0">
+            <a:noFill/>
+          </a:ln>
+        </p:spPr>
+      </p:pic>
+      <p:pic>
+        <p:nvPicPr>
+          <p:cNvPr id="483" name="" descr=""/>
+          <p:cNvPicPr/>
+          <p:nvPr/>
+        </p:nvPicPr>
+        <p:blipFill>
+          <a:blip r:embed="rId6"/>
+          <a:stretch/>
+        </p:blipFill>
+        <p:spPr>
+          <a:xfrm>
+            <a:off x="7086600" y="4572000"/>
+            <a:ext cx="2971080" cy="1769040"/>
+          </a:xfrm>
+          <a:prstGeom prst="rect">
+            <a:avLst/>
+          </a:prstGeom>
+          <a:ln w="0">
+            <a:noFill/>
+          </a:ln>
+        </p:spPr>
+      </p:pic>
     </p:spTree>
   </p:cSld>
   <mc:AlternateContent>
@@ -25991,14 +25645,14 @@
       </p:grpSpPr>
       <p:sp>
         <p:nvSpPr>
-          <p:cNvPr id="483" name="Title 11"/>
+          <p:cNvPr id="484" name="Title 11"/>
           <p:cNvSpPr/>
           <p:nvPr/>
         </p:nvSpPr>
         <p:spPr>
           <a:xfrm>
             <a:off x="383040" y="178200"/>
-            <a:ext cx="11423520" cy="887040"/>
+            <a:ext cx="11422440" cy="885960"/>
           </a:xfrm>
           <a:prstGeom prst="rect">
             <a:avLst/>
@@ -26017,14 +25671,14 @@
       </p:sp>
       <p:sp>
         <p:nvSpPr>
-          <p:cNvPr id="484" name="Content Placeholder 21"/>
+          <p:cNvPr id="485" name="Content Placeholder 21"/>
           <p:cNvSpPr/>
           <p:nvPr/>
         </p:nvSpPr>
         <p:spPr>
           <a:xfrm>
             <a:off x="383040" y="1067040"/>
-            <a:ext cx="11205720" cy="5144760"/>
+            <a:ext cx="11204640" cy="5143680"/>
           </a:xfrm>
           <a:prstGeom prst="rect">
             <a:avLst/>
@@ -26096,14 +25750,14 @@
       </p:sp>
       <p:sp>
         <p:nvSpPr>
-          <p:cNvPr id="485" name="Content Placeholder 22"/>
+          <p:cNvPr id="486" name="Content Placeholder 22"/>
           <p:cNvSpPr/>
           <p:nvPr/>
         </p:nvSpPr>
         <p:spPr>
           <a:xfrm>
             <a:off x="492120" y="3438720"/>
-            <a:ext cx="4435560" cy="2663640"/>
+            <a:ext cx="4434480" cy="2662560"/>
           </a:xfrm>
           <a:prstGeom prst="rect">
             <a:avLst/>
@@ -26122,14 +25776,14 @@
       </p:sp>
       <p:sp>
         <p:nvSpPr>
-          <p:cNvPr id="486" name="TextBox 12"/>
+          <p:cNvPr id="487" name="TextBox 12"/>
           <p:cNvSpPr/>
           <p:nvPr/>
         </p:nvSpPr>
         <p:spPr>
           <a:xfrm>
             <a:off x="4220280" y="6458400"/>
-            <a:ext cx="3749400" cy="363960"/>
+            <a:ext cx="3748320" cy="363960"/>
           </a:xfrm>
           <a:prstGeom prst="rect">
             <a:avLst/>
@@ -26174,7 +25828,7 @@
       </p:sp>
       <p:sp>
         <p:nvSpPr>
-          <p:cNvPr id="487" name="PlaceHolder 1"/>
+          <p:cNvPr id="488" name="PlaceHolder 1"/>
           <p:cNvSpPr>
             <a:spLocks noGrp="1"/>
           </p:cNvSpPr>
@@ -26185,7 +25839,7 @@
         <p:spPr>
           <a:xfrm>
             <a:off x="618120" y="273600"/>
-            <a:ext cx="10970640" cy="1143000"/>
+            <a:ext cx="10969560" cy="1141920"/>
           </a:xfrm>
           <a:prstGeom prst="rect">
             <a:avLst/>
@@ -26223,7 +25877,7 @@
       </p:sp>
       <p:pic>
         <p:nvPicPr>
-          <p:cNvPr id="488" name="" descr=""/>
+          <p:cNvPr id="489" name="" descr=""/>
           <p:cNvPicPr/>
           <p:nvPr/>
         </p:nvPicPr>
@@ -26233,8 +25887,8 @@
         </p:blipFill>
         <p:spPr>
           <a:xfrm>
-            <a:off x="410040" y="2353680"/>
-            <a:ext cx="4847040" cy="3858120"/>
+            <a:off x="383040" y="2353680"/>
+            <a:ext cx="4845960" cy="3857040"/>
           </a:xfrm>
           <a:prstGeom prst="rect">
             <a:avLst/>
@@ -26246,14 +25900,14 @@
       </p:pic>
       <p:sp>
         <p:nvSpPr>
-          <p:cNvPr id="489" name=""/>
+          <p:cNvPr id="490" name=""/>
           <p:cNvSpPr/>
           <p:nvPr/>
         </p:nvSpPr>
         <p:spPr>
           <a:xfrm>
             <a:off x="559800" y="1828800"/>
-            <a:ext cx="4697280" cy="345600"/>
+            <a:ext cx="4696200" cy="344520"/>
           </a:xfrm>
           <a:prstGeom prst="rect">
             <a:avLst/>
@@ -26296,29 +25950,6 @@
           </a:p>
         </p:txBody>
       </p:sp>
-      <p:pic>
-        <p:nvPicPr>
-          <p:cNvPr id="490" name="" descr=""/>
-          <p:cNvPicPr/>
-          <p:nvPr/>
-        </p:nvPicPr>
-        <p:blipFill>
-          <a:blip r:embed="rId2"/>
-          <a:stretch/>
-        </p:blipFill>
-        <p:spPr>
-          <a:xfrm>
-            <a:off x="6172200" y="3231360"/>
-            <a:ext cx="5256720" cy="2940120"/>
-          </a:xfrm>
-          <a:prstGeom prst="rect">
-            <a:avLst/>
-          </a:prstGeom>
-          <a:ln w="0">
-            <a:noFill/>
-          </a:ln>
-        </p:spPr>
-      </p:pic>
       <p:sp>
         <p:nvSpPr>
           <p:cNvPr id="491" name=""/>
@@ -26327,8 +25958,8 @@
         </p:nvSpPr>
         <p:spPr>
           <a:xfrm>
-            <a:off x="6373800" y="2915280"/>
-            <a:ext cx="5055120" cy="315360"/>
+            <a:off x="6375960" y="2942640"/>
+            <a:ext cx="5054040" cy="257760"/>
           </a:xfrm>
           <a:prstGeom prst="rect">
             <a:avLst/>
@@ -26379,8 +26010,8 @@
         </p:nvSpPr>
         <p:spPr>
           <a:xfrm>
-            <a:off x="6377400" y="1696680"/>
-            <a:ext cx="4595040" cy="1218240"/>
+            <a:off x="6836040" y="1143000"/>
+            <a:ext cx="4593960" cy="1217160"/>
           </a:xfrm>
           <a:prstGeom prst="rect">
             <a:avLst/>
@@ -26457,6 +26088,27 @@
                 <a:latin typeface="Arial"/>
                 <a:ea typeface="DejaVu Sans"/>
               </a:rPr>
+              <a:t>In each batch we generated random triplets that wer 6 times the size of the original dataset </a:t>
+            </a:r>
+            <a:endParaRPr b="0" lang="en-US" sz="1600" spc="-1" strike="noStrike">
+              <a:latin typeface="Arial"/>
+            </a:endParaRPr>
+          </a:p>
+          <a:p>
+            <a:pPr>
+              <a:lnSpc>
+                <a:spcPct val="100000"/>
+              </a:lnSpc>
+              <a:buNone/>
+            </a:pPr>
+            <a:r>
+              <a:rPr b="0" lang="en-US" sz="1600" spc="-1" strike="noStrike">
+                <a:solidFill>
+                  <a:srgbClr val="000000"/>
+                </a:solidFill>
+                <a:latin typeface="Arial"/>
+                <a:ea typeface="DejaVu Sans"/>
+              </a:rPr>
               <a:t>Learning rate was 0.005</a:t>
             </a:r>
             <a:endParaRPr b="0" lang="en-US" sz="1600" spc="-1" strike="noStrike">
@@ -26528,6 +26180,29 @@
           </a:p>
         </p:txBody>
       </p:sp>
+      <p:pic>
+        <p:nvPicPr>
+          <p:cNvPr id="493" name="" descr=""/>
+          <p:cNvPicPr/>
+          <p:nvPr/>
+        </p:nvPicPr>
+        <p:blipFill>
+          <a:blip r:embed="rId2"/>
+          <a:stretch/>
+        </p:blipFill>
+        <p:spPr>
+          <a:xfrm>
+            <a:off x="6154560" y="3468240"/>
+            <a:ext cx="5732640" cy="2742480"/>
+          </a:xfrm>
+          <a:prstGeom prst="rect">
+            <a:avLst/>
+          </a:prstGeom>
+          <a:ln w="0">
+            <a:noFill/>
+          </a:ln>
+        </p:spPr>
+      </p:pic>
     </p:spTree>
   </p:cSld>
   <mc:AlternateContent>
@@ -26560,14 +26235,14 @@
       </p:grpSpPr>
       <p:sp>
         <p:nvSpPr>
-          <p:cNvPr id="493" name="Title 20"/>
+          <p:cNvPr id="494" name="Title 20"/>
           <p:cNvSpPr/>
           <p:nvPr/>
         </p:nvSpPr>
         <p:spPr>
           <a:xfrm>
             <a:off x="383040" y="178200"/>
-            <a:ext cx="11423520" cy="887040"/>
+            <a:ext cx="11422440" cy="885960"/>
           </a:xfrm>
           <a:prstGeom prst="rect">
             <a:avLst/>
@@ -26586,14 +26261,14 @@
       </p:sp>
       <p:sp>
         <p:nvSpPr>
-          <p:cNvPr id="494" name="Content Placeholder 39"/>
+          <p:cNvPr id="495" name="Content Placeholder 39"/>
           <p:cNvSpPr/>
           <p:nvPr/>
         </p:nvSpPr>
         <p:spPr>
           <a:xfrm>
             <a:off x="383040" y="1067040"/>
-            <a:ext cx="11205720" cy="5144760"/>
+            <a:ext cx="11204640" cy="5143680"/>
           </a:xfrm>
           <a:prstGeom prst="rect">
             <a:avLst/>
@@ -26665,14 +26340,14 @@
       </p:sp>
       <p:sp>
         <p:nvSpPr>
-          <p:cNvPr id="495" name="Content Placeholder 40"/>
+          <p:cNvPr id="496" name="Content Placeholder 40"/>
           <p:cNvSpPr/>
           <p:nvPr/>
         </p:nvSpPr>
         <p:spPr>
           <a:xfrm>
             <a:off x="492120" y="3438720"/>
-            <a:ext cx="4435560" cy="2663640"/>
+            <a:ext cx="4434480" cy="2662560"/>
           </a:xfrm>
           <a:prstGeom prst="rect">
             <a:avLst/>
@@ -26691,14 +26366,14 @@
       </p:sp>
       <p:sp>
         <p:nvSpPr>
-          <p:cNvPr id="496" name="TextBox 23"/>
+          <p:cNvPr id="497" name="TextBox 23"/>
           <p:cNvSpPr/>
           <p:nvPr/>
         </p:nvSpPr>
         <p:spPr>
           <a:xfrm>
             <a:off x="4220280" y="6458400"/>
-            <a:ext cx="3749400" cy="363960"/>
+            <a:ext cx="3748320" cy="363960"/>
           </a:xfrm>
           <a:prstGeom prst="rect">
             <a:avLst/>
@@ -26743,7 +26418,7 @@
       </p:sp>
       <p:sp>
         <p:nvSpPr>
-          <p:cNvPr id="497" name="PlaceHolder 1"/>
+          <p:cNvPr id="498" name="PlaceHolder 1"/>
           <p:cNvSpPr>
             <a:spLocks noGrp="1"/>
           </p:cNvSpPr>
@@ -26754,7 +26429,7 @@
         <p:spPr>
           <a:xfrm>
             <a:off x="618120" y="273600"/>
-            <a:ext cx="10970640" cy="1143000"/>
+            <a:ext cx="10969560" cy="1141920"/>
           </a:xfrm>
           <a:prstGeom prst="rect">
             <a:avLst/>
@@ -26792,14 +26467,14 @@
       </p:sp>
       <p:sp>
         <p:nvSpPr>
-          <p:cNvPr id="498" name=""/>
+          <p:cNvPr id="499" name=""/>
           <p:cNvSpPr/>
           <p:nvPr/>
         </p:nvSpPr>
         <p:spPr>
           <a:xfrm>
             <a:off x="2514600" y="2057400"/>
-            <a:ext cx="6400440" cy="3885840"/>
+            <a:ext cx="6399360" cy="3884760"/>
           </a:xfrm>
           <a:prstGeom prst="rect">
             <a:avLst/>
@@ -26828,7 +26503,11 @@
             </a:pPr>
             <a:r>
               <a:rPr b="0" lang="en-US" sz="1800" spc="-1" strike="noStrike">
+                <a:solidFill>
+                  <a:srgbClr val="000000"/>
+                </a:solidFill>
                 <a:latin typeface="Arial"/>
+                <a:ea typeface="DejaVu Sans"/>
               </a:rPr>
               <a:t>The points that were correctly classified are :</a:t>
             </a:r>
@@ -26856,7 +26535,11 @@
             </a:pPr>
             <a:r>
               <a:rPr b="0" lang="en-US" sz="1800" spc="-1" strike="noStrike">
+                <a:solidFill>
+                  <a:srgbClr val="000000"/>
+                </a:solidFill>
                 <a:latin typeface="Arial"/>
+                <a:ea typeface="DejaVu Sans"/>
               </a:rPr>
               <a:t> </a:t>
             </a:r>
@@ -26884,9 +26567,13 @@
             </a:pPr>
             <a:r>
               <a:rPr b="0" lang="en-US" sz="1800" spc="-1" strike="noStrike">
+                <a:solidFill>
+                  <a:srgbClr val="000000"/>
+                </a:solidFill>
                 <a:latin typeface="Arial"/>
+                <a:ea typeface="DejaVu Sans"/>
               </a:rPr>
-              <a:t>The points that were incorectly classified are:</a:t>
+              <a:t>The points that were incorrectly classified are:</a:t>
             </a:r>
             <a:endParaRPr b="0" lang="en-US" sz="1800" spc="-1" strike="noStrike">
               <a:latin typeface="Arial"/>
@@ -26934,7 +26621,11 @@
             </a:pPr>
             <a:r>
               <a:rPr b="0" lang="en-US" sz="1800" spc="-1" strike="noStrike">
+                <a:solidFill>
+                  <a:srgbClr val="000000"/>
+                </a:solidFill>
                 <a:latin typeface="Arial"/>
+                <a:ea typeface="DejaVu Sans"/>
               </a:rPr>
               <a:t>The paper defined the validation rate VAL(d) and the false accept rate</a:t>
             </a:r>
@@ -26951,9 +26642,13 @@
             </a:pPr>
             <a:r>
               <a:rPr b="0" lang="en-US" sz="1800" spc="-1" strike="noStrike">
+                <a:solidFill>
+                  <a:srgbClr val="000000"/>
+                </a:solidFill>
                 <a:latin typeface="Arial"/>
+                <a:ea typeface="DejaVu Sans"/>
               </a:rPr>
-              <a:t>FAR(d) for a given face distance d are then defined as</a:t>
+              <a:t>FAR(d) for a given distance d are then defined as</a:t>
             </a:r>
             <a:endParaRPr b="0" lang="en-US" sz="1800" spc="-1" strike="noStrike">
               <a:latin typeface="Arial"/>
@@ -26974,7 +26669,7 @@
       </p:sp>
       <p:pic>
         <p:nvPicPr>
-          <p:cNvPr id="499" name="" descr=""/>
+          <p:cNvPr id="500" name="" descr=""/>
           <p:cNvPicPr/>
           <p:nvPr/>
         </p:nvPicPr>
@@ -26985,30 +26680,7 @@
         <p:spPr>
           <a:xfrm>
             <a:off x="4038840" y="2553120"/>
-            <a:ext cx="3276000" cy="418320"/>
-          </a:xfrm>
-          <a:prstGeom prst="rect">
-            <a:avLst/>
-          </a:prstGeom>
-          <a:ln w="0">
-            <a:noFill/>
-          </a:ln>
-        </p:spPr>
-      </p:pic>
-      <p:pic>
-        <p:nvPicPr>
-          <p:cNvPr id="500" name="" descr=""/>
-          <p:cNvPicPr/>
-          <p:nvPr/>
-        </p:nvPicPr>
-        <p:blipFill>
-          <a:blip r:embed="rId2"/>
-          <a:stretch/>
-        </p:blipFill>
-        <p:spPr>
-          <a:xfrm>
-            <a:off x="3886200" y="3467520"/>
-            <a:ext cx="3276000" cy="418320"/>
+            <a:ext cx="3274920" cy="417240"/>
           </a:xfrm>
           <a:prstGeom prst="rect">
             <a:avLst/>
@@ -27025,13 +26697,36 @@
           <p:nvPr/>
         </p:nvPicPr>
         <p:blipFill>
+          <a:blip r:embed="rId2"/>
+          <a:stretch/>
+        </p:blipFill>
+        <p:spPr>
+          <a:xfrm>
+            <a:off x="3886200" y="3467520"/>
+            <a:ext cx="3274920" cy="417240"/>
+          </a:xfrm>
+          <a:prstGeom prst="rect">
+            <a:avLst/>
+          </a:prstGeom>
+          <a:ln w="0">
+            <a:noFill/>
+          </a:ln>
+        </p:spPr>
+      </p:pic>
+      <p:pic>
+        <p:nvPicPr>
+          <p:cNvPr id="502" name="" descr=""/>
+          <p:cNvPicPr/>
+          <p:nvPr/>
+        </p:nvPicPr>
+        <p:blipFill>
           <a:blip r:embed="rId3"/>
           <a:stretch/>
         </p:blipFill>
         <p:spPr>
           <a:xfrm>
             <a:off x="4229280" y="5257800"/>
-            <a:ext cx="3085560" cy="570960"/>
+            <a:ext cx="3084480" cy="569880"/>
           </a:xfrm>
           <a:prstGeom prst="rect">
             <a:avLst/>
@@ -27073,14 +26768,14 @@
       </p:grpSpPr>
       <p:sp>
         <p:nvSpPr>
-          <p:cNvPr id="502" name="Title 12"/>
+          <p:cNvPr id="503" name="Title 12"/>
           <p:cNvSpPr/>
           <p:nvPr/>
         </p:nvSpPr>
         <p:spPr>
           <a:xfrm>
             <a:off x="383040" y="178200"/>
-            <a:ext cx="11423520" cy="887040"/>
+            <a:ext cx="11422440" cy="885960"/>
           </a:xfrm>
           <a:prstGeom prst="rect">
             <a:avLst/>
@@ -27099,14 +26794,14 @@
       </p:sp>
       <p:sp>
         <p:nvSpPr>
-          <p:cNvPr id="503" name="Content Placeholder 23"/>
+          <p:cNvPr id="504" name="Content Placeholder 23"/>
           <p:cNvSpPr/>
           <p:nvPr/>
         </p:nvSpPr>
         <p:spPr>
           <a:xfrm>
             <a:off x="383040" y="1067040"/>
-            <a:ext cx="11205720" cy="5144760"/>
+            <a:ext cx="11204640" cy="5143680"/>
           </a:xfrm>
           <a:prstGeom prst="rect">
             <a:avLst/>
@@ -27178,14 +26873,14 @@
       </p:sp>
       <p:sp>
         <p:nvSpPr>
-          <p:cNvPr id="504" name="Content Placeholder 24"/>
+          <p:cNvPr id="505" name="Content Placeholder 24"/>
           <p:cNvSpPr/>
           <p:nvPr/>
         </p:nvSpPr>
         <p:spPr>
           <a:xfrm>
             <a:off x="492120" y="3438720"/>
-            <a:ext cx="4435560" cy="2663640"/>
+            <a:ext cx="4434480" cy="2662560"/>
           </a:xfrm>
           <a:prstGeom prst="rect">
             <a:avLst/>
@@ -27204,14 +26899,14 @@
       </p:sp>
       <p:sp>
         <p:nvSpPr>
-          <p:cNvPr id="505" name="TextBox 13"/>
+          <p:cNvPr id="506" name="TextBox 13"/>
           <p:cNvSpPr/>
           <p:nvPr/>
         </p:nvSpPr>
         <p:spPr>
           <a:xfrm>
             <a:off x="4220280" y="6458400"/>
-            <a:ext cx="3749400" cy="363960"/>
+            <a:ext cx="3748320" cy="363960"/>
           </a:xfrm>
           <a:prstGeom prst="rect">
             <a:avLst/>
@@ -27256,7 +26951,7 @@
       </p:sp>
       <p:sp>
         <p:nvSpPr>
-          <p:cNvPr id="506" name="PlaceHolder 1"/>
+          <p:cNvPr id="507" name="PlaceHolder 1"/>
           <p:cNvSpPr>
             <a:spLocks noGrp="1"/>
           </p:cNvSpPr>
@@ -27267,7 +26962,7 @@
         <p:spPr>
           <a:xfrm>
             <a:off x="618120" y="273600"/>
-            <a:ext cx="10970640" cy="1143000"/>
+            <a:ext cx="10969560" cy="1141920"/>
           </a:xfrm>
           <a:prstGeom prst="rect">
             <a:avLst/>
@@ -27317,14 +27012,14 @@
       </p:sp>
       <p:sp>
         <p:nvSpPr>
-          <p:cNvPr id="507" name=""/>
+          <p:cNvPr id="508" name=""/>
           <p:cNvSpPr/>
           <p:nvPr/>
         </p:nvSpPr>
         <p:spPr>
           <a:xfrm>
             <a:off x="2971800" y="1828800"/>
-            <a:ext cx="1142640" cy="344520"/>
+            <a:ext cx="1141560" cy="343440"/>
           </a:xfrm>
           <a:prstGeom prst="rect">
             <a:avLst/>
@@ -27369,14 +27064,14 @@
       </p:sp>
       <p:sp>
         <p:nvSpPr>
-          <p:cNvPr id="508" name=""/>
+          <p:cNvPr id="509" name=""/>
           <p:cNvSpPr/>
           <p:nvPr/>
         </p:nvSpPr>
         <p:spPr>
           <a:xfrm>
             <a:off x="8315640" y="1828800"/>
-            <a:ext cx="1056600" cy="600480"/>
+            <a:ext cx="1055520" cy="599400"/>
           </a:xfrm>
           <a:prstGeom prst="rect">
             <a:avLst/>
@@ -27432,7 +27127,7 @@
       </p:sp>
       <p:pic>
         <p:nvPicPr>
-          <p:cNvPr id="509" name="" descr=""/>
+          <p:cNvPr id="510" name="" descr=""/>
           <p:cNvPicPr/>
           <p:nvPr/>
         </p:nvPicPr>
@@ -27443,7 +27138,7 @@
         <p:spPr>
           <a:xfrm>
             <a:off x="1371600" y="2286000"/>
-            <a:ext cx="3930480" cy="3672720"/>
+            <a:ext cx="3929400" cy="3671640"/>
           </a:xfrm>
           <a:prstGeom prst="rect">
             <a:avLst/>
@@ -27455,7 +27150,7 @@
       </p:pic>
       <p:pic>
         <p:nvPicPr>
-          <p:cNvPr id="510" name="" descr=""/>
+          <p:cNvPr id="511" name="" descr=""/>
           <p:cNvPicPr/>
           <p:nvPr/>
         </p:nvPicPr>
@@ -27466,7 +27161,7 @@
         <p:spPr>
           <a:xfrm>
             <a:off x="6629400" y="2286000"/>
-            <a:ext cx="4114080" cy="3855600"/>
+            <a:ext cx="3902760" cy="3657600"/>
           </a:xfrm>
           <a:prstGeom prst="rect">
             <a:avLst/>
@@ -27508,14 +27203,14 @@
       </p:grpSpPr>
       <p:sp>
         <p:nvSpPr>
-          <p:cNvPr id="511" name="Title 15"/>
+          <p:cNvPr id="512" name="Title 15"/>
           <p:cNvSpPr/>
           <p:nvPr/>
         </p:nvSpPr>
         <p:spPr>
           <a:xfrm>
             <a:off x="383040" y="178200"/>
-            <a:ext cx="11423520" cy="887040"/>
+            <a:ext cx="11422440" cy="885960"/>
           </a:xfrm>
           <a:prstGeom prst="rect">
             <a:avLst/>
@@ -27534,14 +27229,14 @@
       </p:sp>
       <p:sp>
         <p:nvSpPr>
-          <p:cNvPr id="512" name="Content Placeholder 29"/>
+          <p:cNvPr id="513" name="Content Placeholder 29"/>
           <p:cNvSpPr/>
           <p:nvPr/>
         </p:nvSpPr>
         <p:spPr>
           <a:xfrm>
             <a:off x="383040" y="1067040"/>
-            <a:ext cx="11205720" cy="5144760"/>
+            <a:ext cx="11204640" cy="5143680"/>
           </a:xfrm>
           <a:prstGeom prst="rect">
             <a:avLst/>
@@ -27613,14 +27308,14 @@
       </p:sp>
       <p:sp>
         <p:nvSpPr>
-          <p:cNvPr id="513" name="Content Placeholder 30"/>
+          <p:cNvPr id="514" name="Content Placeholder 30"/>
           <p:cNvSpPr/>
           <p:nvPr/>
         </p:nvSpPr>
         <p:spPr>
           <a:xfrm>
             <a:off x="492120" y="3438720"/>
-            <a:ext cx="4435560" cy="2663640"/>
+            <a:ext cx="4434480" cy="2662560"/>
           </a:xfrm>
           <a:prstGeom prst="rect">
             <a:avLst/>
@@ -27639,14 +27334,14 @@
       </p:sp>
       <p:sp>
         <p:nvSpPr>
-          <p:cNvPr id="514" name="TextBox 18"/>
+          <p:cNvPr id="515" name="TextBox 18"/>
           <p:cNvSpPr/>
           <p:nvPr/>
         </p:nvSpPr>
         <p:spPr>
           <a:xfrm>
             <a:off x="4220280" y="6458400"/>
-            <a:ext cx="3749400" cy="363960"/>
+            <a:ext cx="3748320" cy="363960"/>
           </a:xfrm>
           <a:prstGeom prst="rect">
             <a:avLst/>
@@ -27691,7 +27386,7 @@
       </p:sp>
       <p:sp>
         <p:nvSpPr>
-          <p:cNvPr id="515" name="PlaceHolder 1"/>
+          <p:cNvPr id="516" name="PlaceHolder 1"/>
           <p:cNvSpPr>
             <a:spLocks noGrp="1"/>
           </p:cNvSpPr>
@@ -27702,7 +27397,7 @@
         <p:spPr>
           <a:xfrm>
             <a:off x="618120" y="273600"/>
-            <a:ext cx="10970640" cy="1143000"/>
+            <a:ext cx="10969560" cy="1141920"/>
           </a:xfrm>
           <a:prstGeom prst="rect">
             <a:avLst/>
@@ -27752,14 +27447,14 @@
       </p:sp>
       <p:sp>
         <p:nvSpPr>
-          <p:cNvPr id="516" name=""/>
+          <p:cNvPr id="517" name=""/>
           <p:cNvSpPr/>
           <p:nvPr/>
         </p:nvSpPr>
         <p:spPr>
           <a:xfrm>
             <a:off x="2971800" y="1828800"/>
-            <a:ext cx="1371240" cy="344520"/>
+            <a:ext cx="1370160" cy="343440"/>
           </a:xfrm>
           <a:prstGeom prst="rect">
             <a:avLst/>
@@ -27804,14 +27499,14 @@
       </p:sp>
       <p:sp>
         <p:nvSpPr>
-          <p:cNvPr id="517" name=""/>
+          <p:cNvPr id="518" name=""/>
           <p:cNvSpPr/>
           <p:nvPr/>
         </p:nvSpPr>
         <p:spPr>
           <a:xfrm>
             <a:off x="8315640" y="1828800"/>
-            <a:ext cx="828000" cy="600480"/>
+            <a:ext cx="826920" cy="599400"/>
           </a:xfrm>
           <a:prstGeom prst="rect">
             <a:avLst/>
@@ -27867,7 +27562,7 @@
       </p:sp>
       <p:pic>
         <p:nvPicPr>
-          <p:cNvPr id="518" name="" descr=""/>
+          <p:cNvPr id="519" name="" descr=""/>
           <p:cNvPicPr/>
           <p:nvPr/>
         </p:nvPicPr>
@@ -27878,7 +27573,7 @@
         <p:spPr>
           <a:xfrm>
             <a:off x="1143000" y="2288160"/>
-            <a:ext cx="4094280" cy="3923640"/>
+            <a:ext cx="4093200" cy="3922560"/>
           </a:xfrm>
           <a:prstGeom prst="rect">
             <a:avLst/>
@@ -27890,7 +27585,7 @@
       </p:pic>
       <p:pic>
         <p:nvPicPr>
-          <p:cNvPr id="519" name="" descr=""/>
+          <p:cNvPr id="520" name="" descr=""/>
           <p:cNvPicPr/>
           <p:nvPr/>
         </p:nvPicPr>
@@ -27901,7 +27596,7 @@
         <p:spPr>
           <a:xfrm>
             <a:off x="6858000" y="2286000"/>
-            <a:ext cx="4104720" cy="3925800"/>
+            <a:ext cx="4103640" cy="3924720"/>
           </a:xfrm>
           <a:prstGeom prst="rect">
             <a:avLst/>
@@ -27943,14 +27638,14 @@
       </p:grpSpPr>
       <p:sp>
         <p:nvSpPr>
-          <p:cNvPr id="520" name="Title 14"/>
+          <p:cNvPr id="521" name="Title 14"/>
           <p:cNvSpPr/>
           <p:nvPr/>
         </p:nvSpPr>
         <p:spPr>
           <a:xfrm>
             <a:off x="383040" y="178200"/>
-            <a:ext cx="11423520" cy="887040"/>
+            <a:ext cx="11422440" cy="885960"/>
           </a:xfrm>
           <a:prstGeom prst="rect">
             <a:avLst/>
@@ -27969,14 +27664,14 @@
       </p:sp>
       <p:sp>
         <p:nvSpPr>
-          <p:cNvPr id="521" name="Content Placeholder 27"/>
+          <p:cNvPr id="522" name="Content Placeholder 27"/>
           <p:cNvSpPr/>
           <p:nvPr/>
         </p:nvSpPr>
         <p:spPr>
           <a:xfrm>
             <a:off x="383040" y="1067040"/>
-            <a:ext cx="11205720" cy="5144760"/>
+            <a:ext cx="11204640" cy="5143680"/>
           </a:xfrm>
           <a:prstGeom prst="rect">
             <a:avLst/>
@@ -28048,14 +27743,14 @@
       </p:sp>
       <p:sp>
         <p:nvSpPr>
-          <p:cNvPr id="522" name="Content Placeholder 28"/>
+          <p:cNvPr id="523" name="Content Placeholder 28"/>
           <p:cNvSpPr/>
           <p:nvPr/>
         </p:nvSpPr>
         <p:spPr>
           <a:xfrm>
             <a:off x="492120" y="3438720"/>
-            <a:ext cx="4435560" cy="2663640"/>
+            <a:ext cx="4434480" cy="2662560"/>
           </a:xfrm>
           <a:prstGeom prst="rect">
             <a:avLst/>
@@ -28074,14 +27769,14 @@
       </p:sp>
       <p:sp>
         <p:nvSpPr>
-          <p:cNvPr id="523" name="TextBox 17"/>
+          <p:cNvPr id="524" name="TextBox 17"/>
           <p:cNvSpPr/>
           <p:nvPr/>
         </p:nvSpPr>
         <p:spPr>
           <a:xfrm>
             <a:off x="4220280" y="6458400"/>
-            <a:ext cx="3749400" cy="363960"/>
+            <a:ext cx="3748320" cy="363960"/>
           </a:xfrm>
           <a:prstGeom prst="rect">
             <a:avLst/>
@@ -28126,7 +27821,7 @@
       </p:sp>
       <p:sp>
         <p:nvSpPr>
-          <p:cNvPr id="524" name="PlaceHolder 1"/>
+          <p:cNvPr id="525" name="PlaceHolder 1"/>
           <p:cNvSpPr>
             <a:spLocks noGrp="1"/>
           </p:cNvSpPr>
@@ -28137,7 +27832,7 @@
         <p:spPr>
           <a:xfrm>
             <a:off x="618120" y="273600"/>
-            <a:ext cx="10970640" cy="1143000"/>
+            <a:ext cx="10969560" cy="1141920"/>
           </a:xfrm>
           <a:prstGeom prst="rect">
             <a:avLst/>
@@ -28189,14 +27884,14 @@
       </p:sp>
       <p:sp>
         <p:nvSpPr>
-          <p:cNvPr id="525" name=""/>
+          <p:cNvPr id="526" name=""/>
           <p:cNvSpPr/>
           <p:nvPr/>
         </p:nvSpPr>
         <p:spPr>
           <a:xfrm>
             <a:off x="2971800" y="1828800"/>
-            <a:ext cx="1142640" cy="344520"/>
+            <a:ext cx="1141560" cy="343440"/>
           </a:xfrm>
           <a:prstGeom prst="rect">
             <a:avLst/>
@@ -28241,14 +27936,14 @@
       </p:sp>
       <p:sp>
         <p:nvSpPr>
-          <p:cNvPr id="526" name=""/>
+          <p:cNvPr id="527" name=""/>
           <p:cNvSpPr/>
           <p:nvPr/>
         </p:nvSpPr>
         <p:spPr>
           <a:xfrm>
             <a:off x="8315640" y="1828800"/>
-            <a:ext cx="1056600" cy="600480"/>
+            <a:ext cx="1055520" cy="599400"/>
           </a:xfrm>
           <a:prstGeom prst="rect">
             <a:avLst/>
@@ -28304,7 +27999,7 @@
       </p:sp>
       <p:pic>
         <p:nvPicPr>
-          <p:cNvPr id="527" name="" descr=""/>
+          <p:cNvPr id="528" name="" descr=""/>
           <p:cNvPicPr/>
           <p:nvPr/>
         </p:nvPicPr>
@@ -28314,8 +28009,8 @@
         </p:blipFill>
         <p:spPr>
           <a:xfrm>
-            <a:off x="1600200" y="2397960"/>
-            <a:ext cx="4066560" cy="3704400"/>
+            <a:off x="1245600" y="2286000"/>
+            <a:ext cx="3783600" cy="3705120"/>
           </a:xfrm>
           <a:prstGeom prst="rect">
             <a:avLst/>
@@ -28327,7 +28022,7 @@
       </p:pic>
       <p:pic>
         <p:nvPicPr>
-          <p:cNvPr id="528" name="" descr=""/>
+          <p:cNvPr id="529" name="" descr=""/>
           <p:cNvPicPr/>
           <p:nvPr/>
         </p:nvPicPr>
@@ -28337,8 +28032,8 @@
         </p:blipFill>
         <p:spPr>
           <a:xfrm>
-            <a:off x="6647040" y="2251800"/>
-            <a:ext cx="4096440" cy="3960000"/>
+            <a:off x="6629400" y="2286000"/>
+            <a:ext cx="4114800" cy="3731760"/>
           </a:xfrm>
           <a:prstGeom prst="rect">
             <a:avLst/>
@@ -28380,14 +28075,14 @@
       </p:grpSpPr>
       <p:sp>
         <p:nvSpPr>
-          <p:cNvPr id="529" name="Title 16"/>
+          <p:cNvPr id="530" name="Title 16"/>
           <p:cNvSpPr/>
           <p:nvPr/>
         </p:nvSpPr>
         <p:spPr>
           <a:xfrm>
             <a:off x="383040" y="178200"/>
-            <a:ext cx="11423520" cy="887040"/>
+            <a:ext cx="11422440" cy="885960"/>
           </a:xfrm>
           <a:prstGeom prst="rect">
             <a:avLst/>
@@ -28406,14 +28101,14 @@
       </p:sp>
       <p:sp>
         <p:nvSpPr>
-          <p:cNvPr id="530" name="Content Placeholder 31"/>
+          <p:cNvPr id="531" name="Content Placeholder 31"/>
           <p:cNvSpPr/>
           <p:nvPr/>
         </p:nvSpPr>
         <p:spPr>
           <a:xfrm>
             <a:off x="383040" y="1067040"/>
-            <a:ext cx="11205720" cy="5144760"/>
+            <a:ext cx="11204640" cy="5143680"/>
           </a:xfrm>
           <a:prstGeom prst="rect">
             <a:avLst/>
@@ -28485,14 +28180,14 @@
       </p:sp>
       <p:sp>
         <p:nvSpPr>
-          <p:cNvPr id="531" name="Content Placeholder 32"/>
+          <p:cNvPr id="532" name="Content Placeholder 32"/>
           <p:cNvSpPr/>
           <p:nvPr/>
         </p:nvSpPr>
         <p:spPr>
           <a:xfrm>
             <a:off x="492120" y="3438720"/>
-            <a:ext cx="4435560" cy="2663640"/>
+            <a:ext cx="4434480" cy="2662560"/>
           </a:xfrm>
           <a:prstGeom prst="rect">
             <a:avLst/>
@@ -28511,14 +28206,14 @@
       </p:sp>
       <p:sp>
         <p:nvSpPr>
-          <p:cNvPr id="532" name="TextBox 19"/>
+          <p:cNvPr id="533" name="TextBox 19"/>
           <p:cNvSpPr/>
           <p:nvPr/>
         </p:nvSpPr>
         <p:spPr>
           <a:xfrm>
             <a:off x="4220280" y="6458400"/>
-            <a:ext cx="3749400" cy="363960"/>
+            <a:ext cx="3748320" cy="363960"/>
           </a:xfrm>
           <a:prstGeom prst="rect">
             <a:avLst/>
@@ -28563,7 +28258,7 @@
       </p:sp>
       <p:sp>
         <p:nvSpPr>
-          <p:cNvPr id="533" name="PlaceHolder 1"/>
+          <p:cNvPr id="534" name="PlaceHolder 1"/>
           <p:cNvSpPr>
             <a:spLocks noGrp="1"/>
           </p:cNvSpPr>
@@ -28574,7 +28269,7 @@
         <p:spPr>
           <a:xfrm>
             <a:off x="618120" y="273600"/>
-            <a:ext cx="10970640" cy="1143000"/>
+            <a:ext cx="10969560" cy="1141920"/>
           </a:xfrm>
           <a:prstGeom prst="rect">
             <a:avLst/>
@@ -28633,14 +28328,14 @@
       </p:sp>
       <p:sp>
         <p:nvSpPr>
-          <p:cNvPr id="534" name=""/>
+          <p:cNvPr id="535" name=""/>
           <p:cNvSpPr/>
           <p:nvPr/>
         </p:nvSpPr>
         <p:spPr>
           <a:xfrm>
             <a:off x="2971800" y="1828800"/>
-            <a:ext cx="1142640" cy="344520"/>
+            <a:ext cx="1141560" cy="343440"/>
           </a:xfrm>
           <a:prstGeom prst="rect">
             <a:avLst/>
@@ -28685,14 +28380,14 @@
       </p:sp>
       <p:sp>
         <p:nvSpPr>
-          <p:cNvPr id="535" name=""/>
+          <p:cNvPr id="536" name=""/>
           <p:cNvSpPr/>
           <p:nvPr/>
         </p:nvSpPr>
         <p:spPr>
           <a:xfrm>
             <a:off x="8315640" y="1828800"/>
-            <a:ext cx="1056600" cy="600480"/>
+            <a:ext cx="1055520" cy="599400"/>
           </a:xfrm>
           <a:prstGeom prst="rect">
             <a:avLst/>
@@ -28748,7 +28443,7 @@
       </p:sp>
       <p:pic>
         <p:nvPicPr>
-          <p:cNvPr id="536" name="" descr=""/>
+          <p:cNvPr id="537" name="" descr=""/>
           <p:cNvPicPr/>
           <p:nvPr/>
         </p:nvPicPr>
@@ -28758,8 +28453,8 @@
         </p:blipFill>
         <p:spPr>
           <a:xfrm>
-            <a:off x="1371600" y="2514600"/>
-            <a:ext cx="3637440" cy="3403080"/>
+            <a:off x="1384560" y="2286000"/>
+            <a:ext cx="3873240" cy="3657600"/>
           </a:xfrm>
           <a:prstGeom prst="rect">
             <a:avLst/>
@@ -28771,7 +28466,7 @@
       </p:pic>
       <p:pic>
         <p:nvPicPr>
-          <p:cNvPr id="537" name="" descr=""/>
+          <p:cNvPr id="538" name="" descr=""/>
           <p:cNvPicPr/>
           <p:nvPr/>
         </p:nvPicPr>
@@ -28781,8 +28476,8 @@
         </p:blipFill>
         <p:spPr>
           <a:xfrm>
-            <a:off x="6597000" y="2388600"/>
-            <a:ext cx="3918240" cy="3783240"/>
+            <a:off x="6942960" y="2286000"/>
+            <a:ext cx="4054680" cy="3657600"/>
           </a:xfrm>
           <a:prstGeom prst="rect">
             <a:avLst/>
@@ -28831,7 +28526,7 @@
         <p:spPr>
           <a:xfrm>
             <a:off x="383040" y="1067040"/>
-            <a:ext cx="11205720" cy="5144760"/>
+            <a:ext cx="11204640" cy="5143680"/>
           </a:xfrm>
           <a:prstGeom prst="rect">
             <a:avLst/>
@@ -28910,7 +28605,7 @@
         <p:spPr>
           <a:xfrm>
             <a:off x="492120" y="3438720"/>
-            <a:ext cx="4435560" cy="2663640"/>
+            <a:ext cx="4434480" cy="2662560"/>
           </a:xfrm>
           <a:prstGeom prst="rect">
             <a:avLst/>
@@ -28936,7 +28631,7 @@
         <p:spPr>
           <a:xfrm>
             <a:off x="4220280" y="6458400"/>
-            <a:ext cx="3749400" cy="363960"/>
+            <a:ext cx="3748320" cy="363960"/>
           </a:xfrm>
           <a:prstGeom prst="rect">
             <a:avLst/>
@@ -28988,7 +28683,7 @@
         <p:spPr>
           <a:xfrm>
             <a:off x="2286000" y="485640"/>
-            <a:ext cx="7999200" cy="428400"/>
+            <a:ext cx="7998120" cy="427320"/>
           </a:xfrm>
           <a:prstGeom prst="rect">
             <a:avLst/>
@@ -29040,7 +28735,7 @@
         <p:spPr>
           <a:xfrm>
             <a:off x="0" y="1371600"/>
-            <a:ext cx="8456760" cy="3656160"/>
+            <a:ext cx="8455680" cy="3655080"/>
           </a:xfrm>
           <a:prstGeom prst="rect">
             <a:avLst/>
@@ -29319,7 +29014,7 @@
         <p:spPr>
           <a:xfrm>
             <a:off x="8497080" y="1981440"/>
-            <a:ext cx="3160080" cy="1445760"/>
+            <a:ext cx="3159000" cy="1444680"/>
           </a:xfrm>
           <a:prstGeom prst="rect">
             <a:avLst/>
@@ -29342,7 +29037,7 @@
         <p:spPr>
           <a:xfrm>
             <a:off x="8458200" y="3886200"/>
-            <a:ext cx="3559680" cy="1598760"/>
+            <a:ext cx="3558600" cy="1597680"/>
           </a:xfrm>
           <a:prstGeom prst="rect">
             <a:avLst/>
@@ -29384,14 +29079,14 @@
       </p:grpSpPr>
       <p:sp>
         <p:nvSpPr>
-          <p:cNvPr id="538" name="Title 18"/>
+          <p:cNvPr id="539" name="Title 18"/>
           <p:cNvSpPr/>
           <p:nvPr/>
         </p:nvSpPr>
         <p:spPr>
           <a:xfrm>
             <a:off x="383040" y="178200"/>
-            <a:ext cx="11423520" cy="887040"/>
+            <a:ext cx="11422440" cy="885960"/>
           </a:xfrm>
           <a:prstGeom prst="rect">
             <a:avLst/>
@@ -29410,14 +29105,14 @@
       </p:sp>
       <p:sp>
         <p:nvSpPr>
-          <p:cNvPr id="539" name="Content Placeholder 35"/>
+          <p:cNvPr id="540" name="Content Placeholder 35"/>
           <p:cNvSpPr/>
           <p:nvPr/>
         </p:nvSpPr>
         <p:spPr>
           <a:xfrm>
             <a:off x="383040" y="1067040"/>
-            <a:ext cx="11205720" cy="5144760"/>
+            <a:ext cx="11204640" cy="5143680"/>
           </a:xfrm>
           <a:prstGeom prst="rect">
             <a:avLst/>
@@ -29489,14 +29184,14 @@
       </p:sp>
       <p:sp>
         <p:nvSpPr>
-          <p:cNvPr id="540" name="Content Placeholder 36"/>
+          <p:cNvPr id="541" name="Content Placeholder 36"/>
           <p:cNvSpPr/>
           <p:nvPr/>
         </p:nvSpPr>
         <p:spPr>
           <a:xfrm>
             <a:off x="492120" y="3438720"/>
-            <a:ext cx="4435560" cy="2663640"/>
+            <a:ext cx="4434480" cy="2662560"/>
           </a:xfrm>
           <a:prstGeom prst="rect">
             <a:avLst/>
@@ -29515,14 +29210,14 @@
       </p:sp>
       <p:sp>
         <p:nvSpPr>
-          <p:cNvPr id="541" name="TextBox 21"/>
+          <p:cNvPr id="542" name="TextBox 21"/>
           <p:cNvSpPr/>
           <p:nvPr/>
         </p:nvSpPr>
         <p:spPr>
           <a:xfrm>
             <a:off x="4220280" y="6458400"/>
-            <a:ext cx="3749400" cy="363960"/>
+            <a:ext cx="3748320" cy="363960"/>
           </a:xfrm>
           <a:prstGeom prst="rect">
             <a:avLst/>
@@ -29567,7 +29262,7 @@
       </p:sp>
       <p:sp>
         <p:nvSpPr>
-          <p:cNvPr id="542" name="PlaceHolder 1"/>
+          <p:cNvPr id="543" name="PlaceHolder 1"/>
           <p:cNvSpPr>
             <a:spLocks noGrp="1"/>
           </p:cNvSpPr>
@@ -29578,7 +29273,7 @@
         <p:spPr>
           <a:xfrm>
             <a:off x="618120" y="273600"/>
-            <a:ext cx="10970640" cy="1143000"/>
+            <a:ext cx="10969560" cy="1141920"/>
           </a:xfrm>
           <a:prstGeom prst="rect">
             <a:avLst/>
@@ -29616,14 +29311,14 @@
       </p:sp>
       <p:sp>
         <p:nvSpPr>
-          <p:cNvPr id="543" name=""/>
+          <p:cNvPr id="544" name=""/>
           <p:cNvSpPr/>
           <p:nvPr/>
         </p:nvSpPr>
         <p:spPr>
           <a:xfrm>
-            <a:off x="1821960" y="2286000"/>
-            <a:ext cx="10033200" cy="5465160"/>
+            <a:off x="1855080" y="2079720"/>
+            <a:ext cx="10032120" cy="5464080"/>
           </a:xfrm>
           <a:prstGeom prst="rect">
             <a:avLst/>
@@ -29652,9 +29347,13 @@
             </a:pPr>
             <a:r>
               <a:rPr b="0" lang="en-US" sz="1800" spc="-1" strike="noStrike">
+                <a:solidFill>
+                  <a:srgbClr val="000000"/>
+                </a:solidFill>
                 <a:latin typeface="Arial"/>
+                <a:ea typeface="DejaVu Sans"/>
               </a:rPr>
-              <a:t>We see that in the first 25 epochs almost nothing happens.</a:t>
+              <a:t>We see that in the first 25 epochs almost nothing happens for the FaceNet approach.</a:t>
             </a:r>
             <a:endParaRPr b="0" lang="en-US" sz="1800" spc="-1" strike="noStrike">
               <a:latin typeface="Arial"/>
@@ -29669,7 +29368,11 @@
             </a:pPr>
             <a:r>
               <a:rPr b="0" lang="en-US" sz="1800" spc="-1" strike="noStrike">
+                <a:solidFill>
+                  <a:srgbClr val="000000"/>
+                </a:solidFill>
                 <a:latin typeface="Arial"/>
+                <a:ea typeface="DejaVu Sans"/>
               </a:rPr>
               <a:t>This is probably because at the start the models converges all the embeddings into one point.</a:t>
             </a:r>
@@ -29697,9 +29400,13 @@
             </a:pPr>
             <a:r>
               <a:rPr b="0" lang="en-US" sz="1800" spc="-1" strike="noStrike">
+                <a:solidFill>
+                  <a:srgbClr val="000000"/>
+                </a:solidFill>
                 <a:latin typeface="Arial"/>
+                <a:ea typeface="DejaVu Sans"/>
               </a:rPr>
-              <a:t>After running it for 75 epochs the model seems to be able to differentiate between the two classes</a:t>
+              <a:t>The other approach in the train set learns very fast but it is not well generalizable in the test set.</a:t>
             </a:r>
             <a:endParaRPr b="0" lang="en-US" sz="1800" spc="-1" strike="noStrike">
               <a:latin typeface="Arial"/>
@@ -29725,9 +29432,13 @@
             </a:pPr>
             <a:r>
               <a:rPr b="0" lang="en-US" sz="1800" spc="-1" strike="noStrike">
+                <a:solidFill>
+                  <a:srgbClr val="000000"/>
+                </a:solidFill>
                 <a:latin typeface="Arial"/>
+                <a:ea typeface="DejaVu Sans"/>
               </a:rPr>
-              <a:t>We observe that the conditional triplet loss converges faster and has better FAR. </a:t>
+              <a:t>After running it for 75 epochs the model seems to be able to differentiate between the two classes well.</a:t>
             </a:r>
             <a:endParaRPr b="0" lang="en-US" sz="1800" spc="-1" strike="noStrike">
               <a:latin typeface="Arial"/>
@@ -29753,7 +29464,11 @@
             </a:pPr>
             <a:r>
               <a:rPr b="0" lang="en-US" sz="1800" spc="-1" strike="noStrike">
+                <a:solidFill>
+                  <a:srgbClr val="000000"/>
+                </a:solidFill>
                 <a:latin typeface="Arial"/>
+                <a:ea typeface="DejaVu Sans"/>
               </a:rPr>
               <a:t>Maybe if we let the FaceNet approach for more epochs its results could improve.</a:t>
             </a:r>
@@ -29781,9 +29496,13 @@
             </a:pPr>
             <a:r>
               <a:rPr b="0" lang="en-US" sz="1800" spc="-1" strike="noStrike">
+                <a:solidFill>
+                  <a:srgbClr val="000000"/>
+                </a:solidFill>
                 <a:latin typeface="Arial"/>
+                <a:ea typeface="DejaVu Sans"/>
               </a:rPr>
-              <a:t>Another reason is that the selection of triplets in the facenet approach a lot of times fell to the hard negative selection which leads to local minima and can affect learning performance.</a:t>
+              <a:t>The training time for both networks were higher compared to CNN’s but that can be due </a:t>
             </a:r>
             <a:endParaRPr b="0" lang="en-US" sz="1800" spc="-1" strike="noStrike">
               <a:latin typeface="Arial"/>
@@ -29796,6 +29515,16 @@
               </a:lnSpc>
               <a:buNone/>
             </a:pPr>
+            <a:r>
+              <a:rPr b="0" lang="en-US" sz="1800" spc="-1" strike="noStrike">
+                <a:solidFill>
+                  <a:srgbClr val="000000"/>
+                </a:solidFill>
+                <a:latin typeface="Arial"/>
+                <a:ea typeface="DejaVu Sans"/>
+              </a:rPr>
+              <a:t>To our code.  </a:t>
+            </a:r>
             <a:endParaRPr b="0" lang="en-US" sz="1800" spc="-1" strike="noStrike">
               <a:latin typeface="Arial"/>
             </a:endParaRPr>
@@ -29807,12 +29536,6 @@
               </a:lnSpc>
               <a:buNone/>
             </a:pPr>
-            <a:r>
-              <a:rPr b="0" lang="en-US" sz="1800" spc="-1" strike="noStrike">
-                <a:latin typeface="Arial"/>
-              </a:rPr>
-              <a:t>The training time for both networks were higher compared to CNN’s but that can be due </a:t>
-            </a:r>
             <a:endParaRPr b="0" lang="en-US" sz="1800" spc="-1" strike="noStrike">
               <a:latin typeface="Arial"/>
             </a:endParaRPr>
@@ -29824,12 +29547,6 @@
               </a:lnSpc>
               <a:buNone/>
             </a:pPr>
-            <a:r>
-              <a:rPr b="0" lang="en-US" sz="1800" spc="-1" strike="noStrike">
-                <a:latin typeface="Arial"/>
-              </a:rPr>
-              <a:t>To our code.  </a:t>
-            </a:r>
             <a:endParaRPr b="0" lang="en-US" sz="1800" spc="-1" strike="noStrike">
               <a:latin typeface="Arial"/>
             </a:endParaRPr>
@@ -29841,6 +29558,16 @@
               </a:lnSpc>
               <a:buNone/>
             </a:pPr>
+            <a:r>
+              <a:rPr b="0" lang="en-US" sz="1800" spc="-1" strike="noStrike">
+                <a:solidFill>
+                  <a:srgbClr val="000000"/>
+                </a:solidFill>
+                <a:latin typeface="Arial"/>
+                <a:ea typeface="DejaVu Sans"/>
+              </a:rPr>
+              <a:t> </a:t>
+            </a:r>
             <a:endParaRPr b="0" lang="en-US" sz="1800" spc="-1" strike="noStrike">
               <a:latin typeface="Arial"/>
             </a:endParaRPr>
@@ -29865,7 +29592,11 @@
             </a:pPr>
             <a:r>
               <a:rPr b="0" lang="en-US" sz="1800" spc="-1" strike="noStrike">
+                <a:solidFill>
+                  <a:srgbClr val="000000"/>
+                </a:solidFill>
                 <a:latin typeface="Arial"/>
+                <a:ea typeface="DejaVu Sans"/>
               </a:rPr>
               <a:t> </a:t>
             </a:r>
@@ -29893,35 +29624,11 @@
             </a:pPr>
             <a:r>
               <a:rPr b="0" lang="en-US" sz="1800" spc="-1" strike="noStrike">
+                <a:solidFill>
+                  <a:srgbClr val="000000"/>
+                </a:solidFill>
                 <a:latin typeface="Arial"/>
-              </a:rPr>
-              <a:t> </a:t>
-            </a:r>
-            <a:endParaRPr b="0" lang="en-US" sz="1800" spc="-1" strike="noStrike">
-              <a:latin typeface="Arial"/>
-            </a:endParaRPr>
-          </a:p>
-          <a:p>
-            <a:pPr>
-              <a:lnSpc>
-                <a:spcPct val="100000"/>
-              </a:lnSpc>
-              <a:buNone/>
-            </a:pPr>
-            <a:endParaRPr b="0" lang="en-US" sz="1800" spc="-1" strike="noStrike">
-              <a:latin typeface="Arial"/>
-            </a:endParaRPr>
-          </a:p>
-          <a:p>
-            <a:pPr>
-              <a:lnSpc>
-                <a:spcPct val="100000"/>
-              </a:lnSpc>
-              <a:buNone/>
-            </a:pPr>
-            <a:r>
-              <a:rPr b="0" lang="en-US" sz="1800" spc="-1" strike="noStrike">
-                <a:latin typeface="Arial"/>
+                <a:ea typeface="DejaVu Sans"/>
               </a:rPr>
               <a:t> </a:t>
             </a:r>
@@ -29963,14 +29670,14 @@
       </p:grpSpPr>
       <p:sp>
         <p:nvSpPr>
-          <p:cNvPr id="544" name="Title 21"/>
+          <p:cNvPr id="545" name="Title 21"/>
           <p:cNvSpPr/>
           <p:nvPr/>
         </p:nvSpPr>
         <p:spPr>
           <a:xfrm>
             <a:off x="383040" y="178200"/>
-            <a:ext cx="11423520" cy="887040"/>
+            <a:ext cx="11422440" cy="885960"/>
           </a:xfrm>
           <a:prstGeom prst="rect">
             <a:avLst/>
@@ -29989,14 +29696,14 @@
       </p:sp>
       <p:sp>
         <p:nvSpPr>
-          <p:cNvPr id="545" name="Content Placeholder 41"/>
+          <p:cNvPr id="546" name="Content Placeholder 41"/>
           <p:cNvSpPr/>
           <p:nvPr/>
         </p:nvSpPr>
         <p:spPr>
           <a:xfrm>
             <a:off x="383040" y="1067040"/>
-            <a:ext cx="11205720" cy="5144760"/>
+            <a:ext cx="11204640" cy="5143680"/>
           </a:xfrm>
           <a:prstGeom prst="rect">
             <a:avLst/>
@@ -30068,14 +29775,14 @@
       </p:sp>
       <p:sp>
         <p:nvSpPr>
-          <p:cNvPr id="546" name="Content Placeholder 42"/>
+          <p:cNvPr id="547" name="Content Placeholder 42"/>
           <p:cNvSpPr/>
           <p:nvPr/>
         </p:nvSpPr>
         <p:spPr>
           <a:xfrm>
             <a:off x="492120" y="3438720"/>
-            <a:ext cx="4435560" cy="2663640"/>
+            <a:ext cx="4434480" cy="2662560"/>
           </a:xfrm>
           <a:prstGeom prst="rect">
             <a:avLst/>
@@ -30094,14 +29801,14 @@
       </p:sp>
       <p:sp>
         <p:nvSpPr>
-          <p:cNvPr id="547" name="TextBox 24"/>
+          <p:cNvPr id="548" name="TextBox 24"/>
           <p:cNvSpPr/>
           <p:nvPr/>
         </p:nvSpPr>
         <p:spPr>
           <a:xfrm>
             <a:off x="4220280" y="6458400"/>
-            <a:ext cx="3749400" cy="363960"/>
+            <a:ext cx="3748320" cy="363960"/>
           </a:xfrm>
           <a:prstGeom prst="rect">
             <a:avLst/>
@@ -30146,7 +29853,7 @@
       </p:sp>
       <p:sp>
         <p:nvSpPr>
-          <p:cNvPr id="548" name="PlaceHolder 1"/>
+          <p:cNvPr id="549" name="PlaceHolder 1"/>
           <p:cNvSpPr>
             <a:spLocks noGrp="1"/>
           </p:cNvSpPr>
@@ -30157,7 +29864,7 @@
         <p:spPr>
           <a:xfrm>
             <a:off x="618120" y="273600"/>
-            <a:ext cx="10970640" cy="1143000"/>
+            <a:ext cx="10969560" cy="1141920"/>
           </a:xfrm>
           <a:prstGeom prst="rect">
             <a:avLst/>
@@ -30204,14 +29911,14 @@
       </p:sp>
       <p:sp>
         <p:nvSpPr>
-          <p:cNvPr id="549" name=""/>
+          <p:cNvPr id="550" name=""/>
           <p:cNvSpPr/>
           <p:nvPr/>
         </p:nvSpPr>
         <p:spPr>
           <a:xfrm>
-            <a:off x="2743200" y="2286000"/>
-            <a:ext cx="6629040" cy="3161520"/>
+            <a:off x="2743200" y="2057400"/>
+            <a:ext cx="6627960" cy="3160440"/>
           </a:xfrm>
           <a:prstGeom prst="rect">
             <a:avLst/>
@@ -30240,9 +29947,13 @@
             </a:pPr>
             <a:r>
               <a:rPr b="0" lang="en-US" sz="1800" spc="-1" strike="noStrike">
+                <a:solidFill>
+                  <a:srgbClr val="000000"/>
+                </a:solidFill>
                 <a:latin typeface="Arial"/>
+                <a:ea typeface="DejaVu Sans"/>
               </a:rPr>
-              <a:t>Out of the three methods when applied the most reliable is the CNN. Due to the low input data the triplet models have trouble with multicolored backgrounds.</a:t>
+              <a:t>Out of the three methods when applied the most reliable is the CNN. Due to the low input data the triplet models have trouble with  backgrounds that are the same color as the person they try to verify</a:t>
             </a:r>
             <a:endParaRPr b="0" lang="en-US" sz="1800" spc="-1" strike="noStrike">
               <a:latin typeface="Arial"/>
@@ -30268,7 +29979,11 @@
             </a:pPr>
             <a:r>
               <a:rPr b="0" lang="en-US" sz="1800" spc="-1" strike="noStrike">
+                <a:solidFill>
+                  <a:srgbClr val="000000"/>
+                </a:solidFill>
                 <a:latin typeface="Arial"/>
+                <a:ea typeface="DejaVu Sans"/>
               </a:rPr>
               <a:t>There are problems with lighting and distance from the camera. The distance must be not too far or too close and the lighting not too bright.</a:t>
             </a:r>
@@ -30296,7 +30011,11 @@
             </a:pPr>
             <a:r>
               <a:rPr b="0" lang="en-US" sz="1800" spc="-1" strike="noStrike">
+                <a:solidFill>
+                  <a:srgbClr val="000000"/>
+                </a:solidFill>
                 <a:latin typeface="Arial"/>
+                <a:ea typeface="DejaVu Sans"/>
               </a:rPr>
               <a:t>While the two methods are not directly comparable comparisons can be made about the time they need.</a:t>
             </a:r>
@@ -30324,7 +30043,11 @@
             </a:pPr>
             <a:r>
               <a:rPr b="0" lang="en-US" sz="1800" spc="-1" strike="noStrike">
+                <a:solidFill>
+                  <a:srgbClr val="000000"/>
+                </a:solidFill>
                 <a:latin typeface="Arial"/>
+                <a:ea typeface="DejaVu Sans"/>
               </a:rPr>
               <a:t>The CNN’s were in the range of a 1 to two minutes while the triplet loss took from half an hour to an hour to train.</a:t>
             </a:r>
@@ -30363,7 +30086,11 @@
             </a:pPr>
             <a:r>
               <a:rPr b="0" lang="en-US" sz="1800" spc="-1" strike="noStrike">
+                <a:solidFill>
+                  <a:srgbClr val="000000"/>
+                </a:solidFill>
                 <a:latin typeface="Arial"/>
+                <a:ea typeface="DejaVu Sans"/>
               </a:rPr>
               <a:t>  </a:t>
             </a:r>
@@ -30405,14 +30132,14 @@
       </p:grpSpPr>
       <p:sp>
         <p:nvSpPr>
-          <p:cNvPr id="550" name="Title 1"/>
+          <p:cNvPr id="551" name="Title 1"/>
           <p:cNvSpPr/>
           <p:nvPr/>
         </p:nvSpPr>
         <p:spPr>
           <a:xfrm>
             <a:off x="383040" y="3152160"/>
-            <a:ext cx="11423520" cy="887040"/>
+            <a:ext cx="11422440" cy="885960"/>
           </a:xfrm>
           <a:prstGeom prst="rect">
             <a:avLst/>
@@ -30457,14 +30184,14 @@
       </p:sp>
       <p:sp>
         <p:nvSpPr>
-          <p:cNvPr id="551" name="TextBox 1"/>
+          <p:cNvPr id="552" name="TextBox 1"/>
           <p:cNvSpPr/>
           <p:nvPr/>
         </p:nvSpPr>
         <p:spPr>
           <a:xfrm>
             <a:off x="4220280" y="6455160"/>
-            <a:ext cx="3749400" cy="363960"/>
+            <a:ext cx="3748320" cy="363960"/>
           </a:xfrm>
           <a:prstGeom prst="rect">
             <a:avLst/>
@@ -30546,7 +30273,7 @@
         <p:spPr>
           <a:xfrm>
             <a:off x="383040" y="178200"/>
-            <a:ext cx="11423520" cy="887040"/>
+            <a:ext cx="11422440" cy="885960"/>
           </a:xfrm>
           <a:prstGeom prst="rect">
             <a:avLst/>
@@ -30572,7 +30299,7 @@
         <p:spPr>
           <a:xfrm>
             <a:off x="383040" y="1067040"/>
-            <a:ext cx="11205720" cy="5144760"/>
+            <a:ext cx="11204640" cy="5143680"/>
           </a:xfrm>
           <a:prstGeom prst="rect">
             <a:avLst/>
@@ -30651,7 +30378,7 @@
         <p:spPr>
           <a:xfrm>
             <a:off x="492120" y="3438720"/>
-            <a:ext cx="4435560" cy="2663640"/>
+            <a:ext cx="4434480" cy="2662560"/>
           </a:xfrm>
           <a:prstGeom prst="rect">
             <a:avLst/>
@@ -30677,7 +30404,7 @@
         <p:spPr>
           <a:xfrm>
             <a:off x="4220280" y="6458400"/>
-            <a:ext cx="3749400" cy="363960"/>
+            <a:ext cx="3748320" cy="363960"/>
           </a:xfrm>
           <a:prstGeom prst="rect">
             <a:avLst/>
@@ -30729,7 +30456,7 @@
         <p:spPr>
           <a:xfrm>
             <a:off x="2971800" y="914400"/>
-            <a:ext cx="6856200" cy="428400"/>
+            <a:ext cx="6855120" cy="427320"/>
           </a:xfrm>
           <a:prstGeom prst="rect">
             <a:avLst/>
@@ -30781,7 +30508,7 @@
         <p:spPr>
           <a:xfrm>
             <a:off x="2057400" y="2041560"/>
-            <a:ext cx="9370800" cy="3672000"/>
+            <a:ext cx="9369720" cy="3670920"/>
           </a:xfrm>
           <a:prstGeom prst="rect">
             <a:avLst/>
@@ -31045,7 +30772,7 @@
         <p:spPr>
           <a:xfrm>
             <a:off x="383040" y="178200"/>
-            <a:ext cx="11423520" cy="887040"/>
+            <a:ext cx="11422440" cy="885960"/>
           </a:xfrm>
           <a:prstGeom prst="rect">
             <a:avLst/>
@@ -31071,7 +30798,7 @@
         <p:spPr>
           <a:xfrm>
             <a:off x="383040" y="1067040"/>
-            <a:ext cx="11205720" cy="5144760"/>
+            <a:ext cx="11204640" cy="5143680"/>
           </a:xfrm>
           <a:prstGeom prst="rect">
             <a:avLst/>
@@ -31150,7 +30877,7 @@
         <p:spPr>
           <a:xfrm>
             <a:off x="492120" y="3438720"/>
-            <a:ext cx="4435560" cy="2663640"/>
+            <a:ext cx="4434480" cy="2662560"/>
           </a:xfrm>
           <a:prstGeom prst="rect">
             <a:avLst/>
@@ -31176,7 +30903,7 @@
         <p:spPr>
           <a:xfrm>
             <a:off x="4220280" y="6458400"/>
-            <a:ext cx="3749400" cy="363960"/>
+            <a:ext cx="3748320" cy="363960"/>
           </a:xfrm>
           <a:prstGeom prst="rect">
             <a:avLst/>
@@ -31228,7 +30955,7 @@
         <p:spPr>
           <a:xfrm>
             <a:off x="2743200" y="1922400"/>
-            <a:ext cx="7542000" cy="2648160"/>
+            <a:ext cx="7540920" cy="2647080"/>
           </a:xfrm>
           <a:prstGeom prst="rect">
             <a:avLst/>
@@ -31359,7 +31086,7 @@
                 <a:latin typeface="Arial"/>
                 <a:ea typeface="Noto Sans CJK SC"/>
               </a:rPr>
-              <a:t>8) Finally we normalized the images before passing them to our model to help the model converge. </a:t>
+              <a:t>4) Finally we normalized the images before passing them to our model to help the model converge. </a:t>
             </a:r>
             <a:endParaRPr b="0" lang="en-US" sz="1800" spc="-1" strike="noStrike">
               <a:latin typeface="Arial"/>
@@ -31376,7 +31103,7 @@
         <p:spPr>
           <a:xfrm>
             <a:off x="2971800" y="914400"/>
-            <a:ext cx="6856200" cy="428400"/>
+            <a:ext cx="6855120" cy="427320"/>
           </a:xfrm>
           <a:prstGeom prst="rect">
             <a:avLst/>
@@ -31458,7 +31185,7 @@
         <p:spPr>
           <a:xfrm>
             <a:off x="383040" y="178200"/>
-            <a:ext cx="11423520" cy="887040"/>
+            <a:ext cx="11422440" cy="885960"/>
           </a:xfrm>
           <a:prstGeom prst="rect">
             <a:avLst/>
@@ -31484,7 +31211,7 @@
         <p:spPr>
           <a:xfrm>
             <a:off x="383040" y="1067040"/>
-            <a:ext cx="11205720" cy="5144760"/>
+            <a:ext cx="11204640" cy="5143680"/>
           </a:xfrm>
           <a:prstGeom prst="rect">
             <a:avLst/>
@@ -31563,7 +31290,7 @@
         <p:spPr>
           <a:xfrm>
             <a:off x="492120" y="3438720"/>
-            <a:ext cx="4435560" cy="2663640"/>
+            <a:ext cx="4434480" cy="2662560"/>
           </a:xfrm>
           <a:prstGeom prst="rect">
             <a:avLst/>
@@ -31589,7 +31316,7 @@
         <p:spPr>
           <a:xfrm>
             <a:off x="4220280" y="6458400"/>
-            <a:ext cx="3749400" cy="363960"/>
+            <a:ext cx="3748320" cy="363960"/>
           </a:xfrm>
           <a:prstGeom prst="rect">
             <a:avLst/>
@@ -31645,7 +31372,7 @@
         <p:spPr>
           <a:xfrm>
             <a:off x="609480" y="273600"/>
-            <a:ext cx="10970640" cy="1143000"/>
+            <a:ext cx="10969560" cy="1141920"/>
           </a:xfrm>
           <a:prstGeom prst="rect">
             <a:avLst/>
@@ -31694,7 +31421,7 @@
         <p:spPr>
           <a:xfrm>
             <a:off x="7086600" y="2057400"/>
-            <a:ext cx="4493520" cy="1369800"/>
+            <a:ext cx="4492440" cy="1368720"/>
           </a:xfrm>
           <a:prstGeom prst="rect">
             <a:avLst/>
@@ -31772,7 +31499,7 @@
               <a:rPr b="0" lang="en-US" sz="1800" spc="-1" strike="noStrike">
                 <a:latin typeface="Arial"/>
               </a:rPr>
-              <a:t>  pooling layer </a:t>
+              <a:t>  pooling  </a:t>
             </a:r>
             <a:endParaRPr b="0" lang="en-US" sz="1800" spc="-1" strike="noStrike">
               <a:latin typeface="Arial"/>
@@ -31842,7 +31569,7 @@
               <a:rPr b="0" lang="en-US" sz="1800" spc="-1" strike="noStrike">
                 <a:latin typeface="Arial"/>
               </a:rPr>
-              <a:t> pooling layer </a:t>
+              <a:t> pooling  </a:t>
             </a:r>
             <a:endParaRPr b="0" lang="en-US" sz="1800" spc="-1" strike="noStrike">
               <a:latin typeface="Arial"/>
@@ -31886,7 +31613,7 @@
         <p:spPr>
           <a:xfrm>
             <a:off x="733680" y="2057400"/>
-            <a:ext cx="4979520" cy="3709080"/>
+            <a:ext cx="4978440" cy="3708000"/>
           </a:xfrm>
           <a:prstGeom prst="rect">
             <a:avLst/>
@@ -31905,7 +31632,7 @@
         <p:spPr>
           <a:xfrm>
             <a:off x="7095240" y="3585240"/>
-            <a:ext cx="4493520" cy="2814120"/>
+            <a:ext cx="4492440" cy="2813040"/>
           </a:xfrm>
           <a:prstGeom prst="rect">
             <a:avLst/>
@@ -32157,7 +31884,7 @@
         <p:spPr>
           <a:xfrm>
             <a:off x="383040" y="178200"/>
-            <a:ext cx="11423520" cy="887040"/>
+            <a:ext cx="11422440" cy="885960"/>
           </a:xfrm>
           <a:prstGeom prst="rect">
             <a:avLst/>
@@ -32183,7 +31910,7 @@
         <p:spPr>
           <a:xfrm>
             <a:off x="383040" y="1067040"/>
-            <a:ext cx="11205720" cy="5144760"/>
+            <a:ext cx="11204640" cy="5143680"/>
           </a:xfrm>
           <a:prstGeom prst="rect">
             <a:avLst/>
@@ -32262,7 +31989,7 @@
         <p:spPr>
           <a:xfrm>
             <a:off x="492120" y="3438720"/>
-            <a:ext cx="4435560" cy="2663640"/>
+            <a:ext cx="4434480" cy="2662560"/>
           </a:xfrm>
           <a:prstGeom prst="rect">
             <a:avLst/>
@@ -32288,7 +32015,7 @@
         <p:spPr>
           <a:xfrm>
             <a:off x="4220280" y="6458400"/>
-            <a:ext cx="3749400" cy="363960"/>
+            <a:ext cx="3748320" cy="363960"/>
           </a:xfrm>
           <a:prstGeom prst="rect">
             <a:avLst/>
@@ -32344,7 +32071,7 @@
         <p:spPr>
           <a:xfrm>
             <a:off x="609480" y="273600"/>
-            <a:ext cx="10970640" cy="1143000"/>
+            <a:ext cx="10969560" cy="1141920"/>
           </a:xfrm>
           <a:prstGeom prst="rect">
             <a:avLst/>
@@ -32393,7 +32120,7 @@
         <p:spPr>
           <a:xfrm>
             <a:off x="685800" y="1972080"/>
-            <a:ext cx="5550840" cy="2598120"/>
+            <a:ext cx="5549760" cy="2597040"/>
           </a:xfrm>
           <a:prstGeom prst="rect">
             <a:avLst/>
@@ -32412,7 +32139,7 @@
         <p:spPr>
           <a:xfrm>
             <a:off x="7095240" y="2057400"/>
-            <a:ext cx="4493520" cy="1369800"/>
+            <a:ext cx="4492440" cy="1368720"/>
           </a:xfrm>
           <a:prstGeom prst="rect">
             <a:avLst/>
@@ -32464,7 +32191,7 @@
         <p:spPr>
           <a:xfrm>
             <a:off x="7095240" y="3657600"/>
-            <a:ext cx="4493520" cy="2814120"/>
+            <a:ext cx="4492440" cy="2813040"/>
           </a:xfrm>
           <a:prstGeom prst="rect">
             <a:avLst/>
@@ -32716,7 +32443,7 @@
         <p:spPr>
           <a:xfrm>
             <a:off x="383040" y="178200"/>
-            <a:ext cx="11423520" cy="887040"/>
+            <a:ext cx="11422440" cy="885960"/>
           </a:xfrm>
           <a:prstGeom prst="rect">
             <a:avLst/>
@@ -32742,7 +32469,7 @@
         <p:spPr>
           <a:xfrm>
             <a:off x="383040" y="1067040"/>
-            <a:ext cx="11205720" cy="5144760"/>
+            <a:ext cx="11204640" cy="5143680"/>
           </a:xfrm>
           <a:prstGeom prst="rect">
             <a:avLst/>
@@ -32821,7 +32548,7 @@
         <p:spPr>
           <a:xfrm>
             <a:off x="492120" y="3438720"/>
-            <a:ext cx="4435560" cy="2663640"/>
+            <a:ext cx="4434480" cy="2662560"/>
           </a:xfrm>
           <a:prstGeom prst="rect">
             <a:avLst/>
@@ -32847,7 +32574,7 @@
         <p:spPr>
           <a:xfrm>
             <a:off x="4220280" y="6458400"/>
-            <a:ext cx="3749400" cy="363960"/>
+            <a:ext cx="3748320" cy="363960"/>
           </a:xfrm>
           <a:prstGeom prst="rect">
             <a:avLst/>
@@ -32903,7 +32630,7 @@
         <p:spPr>
           <a:xfrm>
             <a:off x="618120" y="273600"/>
-            <a:ext cx="10970640" cy="1143000"/>
+            <a:ext cx="10969560" cy="1141920"/>
           </a:xfrm>
           <a:prstGeom prst="rect">
             <a:avLst/>
@@ -32948,7 +32675,7 @@
         <p:spPr>
           <a:xfrm>
             <a:off x="685800" y="2068560"/>
-            <a:ext cx="5943240" cy="3673440"/>
+            <a:ext cx="5942160" cy="3672360"/>
           </a:xfrm>
           <a:prstGeom prst="rect">
             <a:avLst/>
@@ -32977,7 +32704,11 @@
             </a:pPr>
             <a:r>
               <a:rPr b="0" lang="en-US" sz="1800" spc="-1" strike="noStrike">
+                <a:solidFill>
+                  <a:srgbClr val="000000"/>
+                </a:solidFill>
                 <a:latin typeface="Arial"/>
+                <a:ea typeface="DejaVu Sans"/>
               </a:rPr>
               <a:t>False Match Rate (FMR) or known as False positive rate(FPR):</a:t>
             </a:r>
@@ -33005,7 +32736,11 @@
             </a:pPr>
             <a:r>
               <a:rPr b="0" lang="en-US" sz="1800" spc="-1" strike="noStrike">
+                <a:solidFill>
+                  <a:srgbClr val="000000"/>
+                </a:solidFill>
                 <a:latin typeface="Arial"/>
+                <a:ea typeface="DejaVu Sans"/>
               </a:rPr>
               <a:t>FMR = F P/N = F P/(F P + T N )</a:t>
             </a:r>
@@ -33044,9 +32779,13 @@
             </a:pPr>
             <a:r>
               <a:rPr b="0" lang="en-US" sz="1800" spc="-1" strike="noStrike">
+                <a:solidFill>
+                  <a:srgbClr val="000000"/>
+                </a:solidFill>
                 <a:latin typeface="Arial"/>
+                <a:ea typeface="DejaVu Sans"/>
               </a:rPr>
-              <a:t>False Non-Match Rate (FNMR) we use in our graphs below False negative rate (FNR):</a:t>
+              <a:t>False Non-Match Rate (FNMR) we use in our graphs below FNR:</a:t>
             </a:r>
             <a:endParaRPr b="0" lang="en-US" sz="1800" spc="-1" strike="noStrike">
               <a:latin typeface="Arial"/>
@@ -33072,7 +32811,11 @@
             </a:pPr>
             <a:r>
               <a:rPr b="0" lang="en-US" sz="1800" spc="-1" strike="noStrike">
+                <a:solidFill>
+                  <a:srgbClr val="000000"/>
+                </a:solidFill>
                 <a:latin typeface="Arial"/>
+                <a:ea typeface="DejaVu Sans"/>
               </a:rPr>
               <a:t>FNMR = F N/(F N + T P )</a:t>
             </a:r>
@@ -33100,7 +32843,11 @@
             </a:pPr>
             <a:r>
               <a:rPr b="0" lang="en-US" sz="1800" spc="-1" strike="noStrike">
+                <a:solidFill>
+                  <a:srgbClr val="000000"/>
+                </a:solidFill>
                 <a:latin typeface="Arial"/>
+                <a:ea typeface="DejaVu Sans"/>
               </a:rPr>
               <a:t>and the accuracy:</a:t>
             </a:r>
@@ -33128,9 +32875,13 @@
             </a:pPr>
             <a:r>
               <a:rPr b="0" lang="en-US" sz="1800" spc="-1" strike="noStrike">
+                <a:solidFill>
+                  <a:srgbClr val="000000"/>
+                </a:solidFill>
                 <a:latin typeface="Arial"/>
+                <a:ea typeface="DejaVu Sans"/>
               </a:rPr>
-              <a:t>Acc = (T P + T N )/(T P + T N + F P + F N</a:t>
+              <a:t>Acc = (T P + T N )/(T P + T N + F P + F N)</a:t>
             </a:r>
             <a:endParaRPr b="0" lang="en-US" sz="1800" spc="-1" strike="noStrike">
               <a:latin typeface="Arial"/>
@@ -33151,7 +32902,7 @@
         <p:spPr>
           <a:xfrm>
             <a:off x="7040520" y="1828800"/>
-            <a:ext cx="4846320" cy="4114440"/>
+            <a:ext cx="4845240" cy="4113360"/>
           </a:xfrm>
           <a:prstGeom prst="rect">
             <a:avLst/>
@@ -33200,7 +32951,7 @@
         <p:spPr>
           <a:xfrm>
             <a:off x="383040" y="178200"/>
-            <a:ext cx="11423520" cy="887040"/>
+            <a:ext cx="11422440" cy="885960"/>
           </a:xfrm>
           <a:prstGeom prst="rect">
             <a:avLst/>
@@ -33226,7 +32977,7 @@
         <p:spPr>
           <a:xfrm>
             <a:off x="383040" y="1067040"/>
-            <a:ext cx="11205720" cy="5144760"/>
+            <a:ext cx="11204640" cy="5143680"/>
           </a:xfrm>
           <a:prstGeom prst="rect">
             <a:avLst/>
@@ -33305,7 +33056,7 @@
         <p:spPr>
           <a:xfrm>
             <a:off x="492120" y="3438720"/>
-            <a:ext cx="4435560" cy="2663640"/>
+            <a:ext cx="4434480" cy="2662560"/>
           </a:xfrm>
           <a:prstGeom prst="rect">
             <a:avLst/>
@@ -33331,7 +33082,7 @@
         <p:spPr>
           <a:xfrm>
             <a:off x="4220280" y="6458400"/>
-            <a:ext cx="3749400" cy="363960"/>
+            <a:ext cx="3748320" cy="363960"/>
           </a:xfrm>
           <a:prstGeom prst="rect">
             <a:avLst/>
@@ -33387,7 +33138,7 @@
         <p:spPr>
           <a:xfrm>
             <a:off x="618120" y="273600"/>
-            <a:ext cx="10970640" cy="1143000"/>
+            <a:ext cx="10969560" cy="1141920"/>
           </a:xfrm>
           <a:prstGeom prst="rect">
             <a:avLst/>
@@ -33436,7 +33187,7 @@
         <p:spPr>
           <a:xfrm>
             <a:off x="6629400" y="2465280"/>
-            <a:ext cx="4341600" cy="3247920"/>
+            <a:ext cx="4340520" cy="3246840"/>
           </a:xfrm>
           <a:prstGeom prst="rect">
             <a:avLst/>
@@ -33459,7 +33210,7 @@
         <p:spPr>
           <a:xfrm>
             <a:off x="1371600" y="2465280"/>
-            <a:ext cx="4341600" cy="3247920"/>
+            <a:ext cx="4340520" cy="3246840"/>
           </a:xfrm>
           <a:prstGeom prst="rect">
             <a:avLst/>
@@ -33478,7 +33229,7 @@
         <p:spPr>
           <a:xfrm>
             <a:off x="2971800" y="1828800"/>
-            <a:ext cx="1142640" cy="344520"/>
+            <a:ext cx="1141560" cy="343440"/>
           </a:xfrm>
           <a:prstGeom prst="rect">
             <a:avLst/>
@@ -33530,7 +33281,7 @@
         <p:spPr>
           <a:xfrm>
             <a:off x="8315640" y="1828800"/>
-            <a:ext cx="828000" cy="600480"/>
+            <a:ext cx="826920" cy="599400"/>
           </a:xfrm>
           <a:prstGeom prst="rect">
             <a:avLst/>
@@ -33623,7 +33374,7 @@
         <p:spPr>
           <a:xfrm>
             <a:off x="383040" y="178200"/>
-            <a:ext cx="11423520" cy="887040"/>
+            <a:ext cx="11422440" cy="885960"/>
           </a:xfrm>
           <a:prstGeom prst="rect">
             <a:avLst/>
@@ -33649,7 +33400,7 @@
         <p:spPr>
           <a:xfrm>
             <a:off x="383040" y="1067040"/>
-            <a:ext cx="11205720" cy="5144760"/>
+            <a:ext cx="11204640" cy="5143680"/>
           </a:xfrm>
           <a:prstGeom prst="rect">
             <a:avLst/>
@@ -33728,7 +33479,7 @@
         <p:spPr>
           <a:xfrm>
             <a:off x="492120" y="3438720"/>
-            <a:ext cx="4435560" cy="2663640"/>
+            <a:ext cx="4434480" cy="2662560"/>
           </a:xfrm>
           <a:prstGeom prst="rect">
             <a:avLst/>
@@ -33754,7 +33505,7 @@
         <p:spPr>
           <a:xfrm>
             <a:off x="4220280" y="6458400"/>
-            <a:ext cx="3749400" cy="363960"/>
+            <a:ext cx="3748320" cy="363960"/>
           </a:xfrm>
           <a:prstGeom prst="rect">
             <a:avLst/>
@@ -33810,7 +33561,7 @@
         <p:spPr>
           <a:xfrm>
             <a:off x="618120" y="273600"/>
-            <a:ext cx="10970640" cy="1143000"/>
+            <a:ext cx="10969560" cy="1141920"/>
           </a:xfrm>
           <a:prstGeom prst="rect">
             <a:avLst/>
@@ -33855,7 +33606,7 @@
         <p:spPr>
           <a:xfrm>
             <a:off x="2971800" y="1828800"/>
-            <a:ext cx="1142640" cy="344520"/>
+            <a:ext cx="1141560" cy="343440"/>
           </a:xfrm>
           <a:prstGeom prst="rect">
             <a:avLst/>
@@ -33907,7 +33658,7 @@
         <p:spPr>
           <a:xfrm>
             <a:off x="8315640" y="1828800"/>
-            <a:ext cx="828000" cy="600480"/>
+            <a:ext cx="826920" cy="599400"/>
           </a:xfrm>
           <a:prstGeom prst="rect">
             <a:avLst/>
@@ -33974,7 +33725,7 @@
         <p:spPr>
           <a:xfrm>
             <a:off x="668160" y="2286000"/>
-            <a:ext cx="5045040" cy="3774240"/>
+            <a:ext cx="5043960" cy="3773160"/>
           </a:xfrm>
           <a:prstGeom prst="rect">
             <a:avLst/>
@@ -33997,7 +33748,7 @@
         <p:spPr>
           <a:xfrm>
             <a:off x="6300720" y="2286000"/>
-            <a:ext cx="5127480" cy="3774240"/>
+            <a:ext cx="5126400" cy="3773160"/>
           </a:xfrm>
           <a:prstGeom prst="rect">
             <a:avLst/>
@@ -34031,34 +33782,34 @@
         <a:sysClr val="window" lastClr="FFFFFF"/>
       </a:lt1>
       <a:dk2>
-        <a:srgbClr val="344068"/>
+        <a:srgbClr val="1f497d"/>
       </a:dk2>
       <a:lt2>
-        <a:srgbClr val="d9e0e6"/>
+        <a:srgbClr val="eeece1"/>
       </a:lt2>
       <a:accent1>
-        <a:srgbClr val="1cade4"/>
+        <a:srgbClr val="4f81bd"/>
       </a:accent1>
       <a:accent2>
-        <a:srgbClr val="2683c6"/>
+        <a:srgbClr val="c0504d"/>
       </a:accent2>
       <a:accent3>
-        <a:srgbClr val="28c4cc"/>
+        <a:srgbClr val="9bbb59"/>
       </a:accent3>
       <a:accent4>
-        <a:srgbClr val="42ba97"/>
+        <a:srgbClr val="8064a2"/>
       </a:accent4>
       <a:accent5>
-        <a:srgbClr val="3e8853"/>
+        <a:srgbClr val="4bacc6"/>
       </a:accent5>
       <a:accent6>
-        <a:srgbClr val="62a39f"/>
+        <a:srgbClr val="f79646"/>
       </a:accent6>
       <a:hlink>
-        <a:srgbClr val="6eac1c"/>
+        <a:srgbClr val="0000ff"/>
       </a:hlink>
       <a:folHlink>
-        <a:srgbClr val="b26b02"/>
+        <a:srgbClr val="800080"/>
       </a:folHlink>
     </a:clrScheme>
     <a:fontScheme name="Office">
@@ -34257,34 +34008,34 @@
         <a:sysClr val="window" lastClr="FFFFFF"/>
       </a:lt1>
       <a:dk2>
-        <a:srgbClr val="344068"/>
+        <a:srgbClr val="1f497d"/>
       </a:dk2>
       <a:lt2>
-        <a:srgbClr val="d9e0e6"/>
+        <a:srgbClr val="eeece1"/>
       </a:lt2>
       <a:accent1>
-        <a:srgbClr val="1cade4"/>
+        <a:srgbClr val="4f81bd"/>
       </a:accent1>
       <a:accent2>
-        <a:srgbClr val="2683c6"/>
+        <a:srgbClr val="c0504d"/>
       </a:accent2>
       <a:accent3>
-        <a:srgbClr val="28c4cc"/>
+        <a:srgbClr val="9bbb59"/>
       </a:accent3>
       <a:accent4>
-        <a:srgbClr val="42ba97"/>
+        <a:srgbClr val="8064a2"/>
       </a:accent4>
       <a:accent5>
-        <a:srgbClr val="3e8853"/>
+        <a:srgbClr val="4bacc6"/>
       </a:accent5>
       <a:accent6>
-        <a:srgbClr val="62a39f"/>
+        <a:srgbClr val="f79646"/>
       </a:accent6>
       <a:hlink>
-        <a:srgbClr val="6eac1c"/>
+        <a:srgbClr val="0000ff"/>
       </a:hlink>
       <a:folHlink>
-        <a:srgbClr val="b26b02"/>
+        <a:srgbClr val="800080"/>
       </a:folHlink>
     </a:clrScheme>
     <a:fontScheme name="Office">
@@ -34483,34 +34234,34 @@
         <a:sysClr val="window" lastClr="FFFFFF"/>
       </a:lt1>
       <a:dk2>
-        <a:srgbClr val="344068"/>
+        <a:srgbClr val="1f497d"/>
       </a:dk2>
       <a:lt2>
-        <a:srgbClr val="d9e0e6"/>
+        <a:srgbClr val="eeece1"/>
       </a:lt2>
       <a:accent1>
-        <a:srgbClr val="1cade4"/>
+        <a:srgbClr val="4f81bd"/>
       </a:accent1>
       <a:accent2>
-        <a:srgbClr val="2683c6"/>
+        <a:srgbClr val="c0504d"/>
       </a:accent2>
       <a:accent3>
-        <a:srgbClr val="28c4cc"/>
+        <a:srgbClr val="9bbb59"/>
       </a:accent3>
       <a:accent4>
-        <a:srgbClr val="42ba97"/>
+        <a:srgbClr val="8064a2"/>
       </a:accent4>
       <a:accent5>
-        <a:srgbClr val="3e8853"/>
+        <a:srgbClr val="4bacc6"/>
       </a:accent5>
       <a:accent6>
-        <a:srgbClr val="62a39f"/>
+        <a:srgbClr val="f79646"/>
       </a:accent6>
       <a:hlink>
-        <a:srgbClr val="6eac1c"/>
+        <a:srgbClr val="0000ff"/>
       </a:hlink>
       <a:folHlink>
-        <a:srgbClr val="b26b02"/>
+        <a:srgbClr val="800080"/>
       </a:folHlink>
     </a:clrScheme>
     <a:fontScheme name="Office">
@@ -34709,34 +34460,34 @@
         <a:sysClr val="window" lastClr="FFFFFF"/>
       </a:lt1>
       <a:dk2>
-        <a:srgbClr val="344068"/>
+        <a:srgbClr val="1f497d"/>
       </a:dk2>
       <a:lt2>
-        <a:srgbClr val="d9e0e6"/>
+        <a:srgbClr val="eeece1"/>
       </a:lt2>
       <a:accent1>
-        <a:srgbClr val="1cade4"/>
+        <a:srgbClr val="4f81bd"/>
       </a:accent1>
       <a:accent2>
-        <a:srgbClr val="2683c6"/>
+        <a:srgbClr val="c0504d"/>
       </a:accent2>
       <a:accent3>
-        <a:srgbClr val="28c4cc"/>
+        <a:srgbClr val="9bbb59"/>
       </a:accent3>
       <a:accent4>
-        <a:srgbClr val="42ba97"/>
+        <a:srgbClr val="8064a2"/>
       </a:accent4>
       <a:accent5>
-        <a:srgbClr val="3e8853"/>
+        <a:srgbClr val="4bacc6"/>
       </a:accent5>
       <a:accent6>
-        <a:srgbClr val="62a39f"/>
+        <a:srgbClr val="f79646"/>
       </a:accent6>
       <a:hlink>
-        <a:srgbClr val="6eac1c"/>
+        <a:srgbClr val="0000ff"/>
       </a:hlink>
       <a:folHlink>
-        <a:srgbClr val="b26b02"/>
+        <a:srgbClr val="800080"/>
       </a:folHlink>
     </a:clrScheme>
     <a:fontScheme name="Office">
@@ -34935,34 +34686,34 @@
         <a:sysClr val="window" lastClr="FFFFFF"/>
       </a:lt1>
       <a:dk2>
-        <a:srgbClr val="344068"/>
+        <a:srgbClr val="1f497d"/>
       </a:dk2>
       <a:lt2>
-        <a:srgbClr val="d9e0e6"/>
+        <a:srgbClr val="eeece1"/>
       </a:lt2>
       <a:accent1>
-        <a:srgbClr val="1cade4"/>
+        <a:srgbClr val="4f81bd"/>
       </a:accent1>
       <a:accent2>
-        <a:srgbClr val="2683c6"/>
+        <a:srgbClr val="c0504d"/>
       </a:accent2>
       <a:accent3>
-        <a:srgbClr val="28c4cc"/>
+        <a:srgbClr val="9bbb59"/>
       </a:accent3>
       <a:accent4>
-        <a:srgbClr val="42ba97"/>
+        <a:srgbClr val="8064a2"/>
       </a:accent4>
       <a:accent5>
-        <a:srgbClr val="3e8853"/>
+        <a:srgbClr val="4bacc6"/>
       </a:accent5>
       <a:accent6>
-        <a:srgbClr val="62a39f"/>
+        <a:srgbClr val="f79646"/>
       </a:accent6>
       <a:hlink>
-        <a:srgbClr val="6eac1c"/>
+        <a:srgbClr val="0000ff"/>
       </a:hlink>
       <a:folHlink>
-        <a:srgbClr val="b26b02"/>
+        <a:srgbClr val="800080"/>
       </a:folHlink>
     </a:clrScheme>
     <a:fontScheme name="Office">
@@ -35161,34 +34912,34 @@
         <a:sysClr val="window" lastClr="FFFFFF"/>
       </a:lt1>
       <a:dk2>
-        <a:srgbClr val="344068"/>
+        <a:srgbClr val="1f497d"/>
       </a:dk2>
       <a:lt2>
-        <a:srgbClr val="d9e0e6"/>
+        <a:srgbClr val="eeece1"/>
       </a:lt2>
       <a:accent1>
-        <a:srgbClr val="1cade4"/>
+        <a:srgbClr val="4f81bd"/>
       </a:accent1>
       <a:accent2>
-        <a:srgbClr val="2683c6"/>
+        <a:srgbClr val="c0504d"/>
       </a:accent2>
       <a:accent3>
-        <a:srgbClr val="28c4cc"/>
+        <a:srgbClr val="9bbb59"/>
       </a:accent3>
       <a:accent4>
-        <a:srgbClr val="42ba97"/>
+        <a:srgbClr val="8064a2"/>
       </a:accent4>
       <a:accent5>
-        <a:srgbClr val="3e8853"/>
+        <a:srgbClr val="4bacc6"/>
       </a:accent5>
       <a:accent6>
-        <a:srgbClr val="62a39f"/>
+        <a:srgbClr val="f79646"/>
       </a:accent6>
       <a:hlink>
-        <a:srgbClr val="6eac1c"/>
+        <a:srgbClr val="0000ff"/>
       </a:hlink>
       <a:folHlink>
-        <a:srgbClr val="b26b02"/>
+        <a:srgbClr val="800080"/>
       </a:folHlink>
     </a:clrScheme>
     <a:fontScheme name="Office">
@@ -35387,34 +35138,34 @@
         <a:sysClr val="window" lastClr="FFFFFF"/>
       </a:lt1>
       <a:dk2>
-        <a:srgbClr val="344068"/>
+        <a:srgbClr val="1f497d"/>
       </a:dk2>
       <a:lt2>
-        <a:srgbClr val="d9e0e6"/>
+        <a:srgbClr val="eeece1"/>
       </a:lt2>
       <a:accent1>
-        <a:srgbClr val="1cade4"/>
+        <a:srgbClr val="4f81bd"/>
       </a:accent1>
       <a:accent2>
-        <a:srgbClr val="2683c6"/>
+        <a:srgbClr val="c0504d"/>
       </a:accent2>
       <a:accent3>
-        <a:srgbClr val="28c4cc"/>
+        <a:srgbClr val="9bbb59"/>
       </a:accent3>
       <a:accent4>
-        <a:srgbClr val="42ba97"/>
+        <a:srgbClr val="8064a2"/>
       </a:accent4>
       <a:accent5>
-        <a:srgbClr val="3e8853"/>
+        <a:srgbClr val="4bacc6"/>
       </a:accent5>
       <a:accent6>
-        <a:srgbClr val="62a39f"/>
+        <a:srgbClr val="f79646"/>
       </a:accent6>
       <a:hlink>
-        <a:srgbClr val="6eac1c"/>
+        <a:srgbClr val="0000ff"/>
       </a:hlink>
       <a:folHlink>
-        <a:srgbClr val="b26b02"/>
+        <a:srgbClr val="800080"/>
       </a:folHlink>
     </a:clrScheme>
     <a:fontScheme name="Office">
@@ -35613,34 +35364,34 @@
         <a:sysClr val="window" lastClr="FFFFFF"/>
       </a:lt1>
       <a:dk2>
-        <a:srgbClr val="344068"/>
+        <a:srgbClr val="1f497d"/>
       </a:dk2>
       <a:lt2>
-        <a:srgbClr val="d9e0e6"/>
+        <a:srgbClr val="eeece1"/>
       </a:lt2>
       <a:accent1>
-        <a:srgbClr val="1cade4"/>
+        <a:srgbClr val="4f81bd"/>
       </a:accent1>
       <a:accent2>
-        <a:srgbClr val="2683c6"/>
+        <a:srgbClr val="c0504d"/>
       </a:accent2>
       <a:accent3>
-        <a:srgbClr val="28c4cc"/>
+        <a:srgbClr val="9bbb59"/>
       </a:accent3>
       <a:accent4>
-        <a:srgbClr val="42ba97"/>
+        <a:srgbClr val="8064a2"/>
       </a:accent4>
       <a:accent5>
-        <a:srgbClr val="3e8853"/>
+        <a:srgbClr val="4bacc6"/>
       </a:accent5>
       <a:accent6>
-        <a:srgbClr val="62a39f"/>
+        <a:srgbClr val="f79646"/>
       </a:accent6>
       <a:hlink>
-        <a:srgbClr val="6eac1c"/>
+        <a:srgbClr val="0000ff"/>
       </a:hlink>
       <a:folHlink>
-        <a:srgbClr val="b26b02"/>
+        <a:srgbClr val="800080"/>
       </a:folHlink>
     </a:clrScheme>
     <a:fontScheme name="Office">

--- a/deeep_learning/DL-Face_Verification.pptx
+++ b/deeep_learning/DL-Face_Verification.pptx
@@ -91,7 +91,7 @@
         <p:txBody>
           <a:bodyPr/>
           <a:p>
-            <a:fld id="{8FB97641-844B-4164-BB50-10939CA01E6F}" type="slidenum">
+            <a:fld id="{E32C802B-0AB3-4852-875B-BE76FE8340B0}" type="slidenum">
               <a:t>&lt;#&gt;</a:t>
             </a:fld>
           </a:p>
@@ -279,7 +279,7 @@
         <p:txBody>
           <a:bodyPr/>
           <a:p>
-            <a:fld id="{95765202-24A7-4929-8652-6647FFC1CDF0}" type="slidenum">
+            <a:fld id="{BB29E74C-A961-4A9F-91C2-7C3A32D75D42}" type="slidenum">
               <a:t>&lt;#&gt;</a:t>
             </a:fld>
           </a:p>
@@ -535,7 +535,7 @@
         <p:txBody>
           <a:bodyPr/>
           <a:p>
-            <a:fld id="{036AD473-3E51-41AE-B2C4-D3608F93E592}" type="slidenum">
+            <a:fld id="{86B55777-328F-4D6C-97AE-C02BBE0E070A}" type="slidenum">
               <a:t>&lt;#&gt;</a:t>
             </a:fld>
           </a:p>
@@ -859,7 +859,7 @@
         <p:txBody>
           <a:bodyPr/>
           <a:p>
-            <a:fld id="{75F0E523-E34C-432A-B6F3-126BD6C9BF74}" type="slidenum">
+            <a:fld id="{9EA4BD39-514E-4F59-A2A6-DD46274D5E61}" type="slidenum">
               <a:t>&lt;#&gt;</a:t>
             </a:fld>
           </a:p>
@@ -942,7 +942,7 @@
         <p:txBody>
           <a:bodyPr/>
           <a:p>
-            <a:fld id="{D9AE17BA-294D-4612-8A4E-4CDC5C01FD0B}" type="slidenum">
+            <a:fld id="{EA659EF8-18DC-4C6E-972F-CD3EBB863434}" type="slidenum">
               <a:t>&lt;#&gt;</a:t>
             </a:fld>
           </a:p>
@@ -1099,7 +1099,7 @@
         <p:txBody>
           <a:bodyPr/>
           <a:p>
-            <a:fld id="{5BB82982-4E35-4DED-BB45-FB8480E76982}" type="slidenum">
+            <a:fld id="{1ACA24B5-6910-4942-A807-435DE31B3B15}" type="slidenum">
               <a:t>&lt;#&gt;</a:t>
             </a:fld>
           </a:p>
@@ -1253,7 +1253,7 @@
         <p:txBody>
           <a:bodyPr/>
           <a:p>
-            <a:fld id="{A8B78198-EEDE-40D0-9290-72C3DD46C385}" type="slidenum">
+            <a:fld id="{EF59BE6E-1178-4619-887D-39A370618CE8}" type="slidenum">
               <a:t>&lt;#&gt;</a:t>
             </a:fld>
           </a:p>
@@ -1441,7 +1441,7 @@
         <p:txBody>
           <a:bodyPr/>
           <a:p>
-            <a:fld id="{541B3F4D-1223-4A7A-BFD9-FE0474BC5E0F}" type="slidenum">
+            <a:fld id="{30245072-589B-485C-BFA8-41653FDD69B8}" type="slidenum">
               <a:t>&lt;#&gt;</a:t>
             </a:fld>
           </a:p>
@@ -1561,7 +1561,7 @@
         <p:txBody>
           <a:bodyPr/>
           <a:p>
-            <a:fld id="{9E616F30-C70F-4AFB-9A5A-20D859D455E5}" type="slidenum">
+            <a:fld id="{5FD80D7E-7DC5-4044-AE33-3429479060D0}" type="slidenum">
               <a:t>&lt;#&gt;</a:t>
             </a:fld>
           </a:p>
@@ -1681,7 +1681,7 @@
         <p:txBody>
           <a:bodyPr/>
           <a:p>
-            <a:fld id="{A742C736-1477-4F7C-A58D-B188F1F52725}" type="slidenum">
+            <a:fld id="{6BA723CC-68A7-479D-8CE1-42C3EE48D393}" type="slidenum">
               <a:t>&lt;#&gt;</a:t>
             </a:fld>
           </a:p>
@@ -1903,7 +1903,7 @@
         <p:txBody>
           <a:bodyPr/>
           <a:p>
-            <a:fld id="{6A637C44-BBAB-47C0-9485-2A5F85448FC0}" type="slidenum">
+            <a:fld id="{CAD13113-A89C-4658-AB56-17E736D1CD15}" type="slidenum">
               <a:t>&lt;#&gt;</a:t>
             </a:fld>
           </a:p>
@@ -2060,7 +2060,7 @@
         <p:txBody>
           <a:bodyPr/>
           <a:p>
-            <a:fld id="{5F5400EC-5E6F-4633-AA12-06469E4B09F4}" type="slidenum">
+            <a:fld id="{30E364F3-B2CB-42FF-8D54-C62833E42AAA}" type="slidenum">
               <a:t>&lt;#&gt;</a:t>
             </a:fld>
           </a:p>
@@ -2282,7 +2282,7 @@
         <p:txBody>
           <a:bodyPr/>
           <a:p>
-            <a:fld id="{DBC03B31-962A-4D19-8DD1-18C9B43388F2}" type="slidenum">
+            <a:fld id="{3C8A7FDA-A78C-438A-B0AD-4CCA377509DD}" type="slidenum">
               <a:t>&lt;#&gt;</a:t>
             </a:fld>
           </a:p>
@@ -2504,7 +2504,7 @@
         <p:txBody>
           <a:bodyPr/>
           <a:p>
-            <a:fld id="{3DC5EFCF-65E7-45AE-8B90-6545C8769390}" type="slidenum">
+            <a:fld id="{5D3DA286-2ED3-4E46-B107-5E7AF9525496}" type="slidenum">
               <a:t>&lt;#&gt;</a:t>
             </a:fld>
           </a:p>
@@ -2692,7 +2692,7 @@
         <p:txBody>
           <a:bodyPr/>
           <a:p>
-            <a:fld id="{6D5334E2-D1C4-4656-9EA2-1A50B4EEC212}" type="slidenum">
+            <a:fld id="{2C110809-75F0-4256-B6D2-A0E00C37855C}" type="slidenum">
               <a:t>&lt;#&gt;</a:t>
             </a:fld>
           </a:p>
@@ -2948,7 +2948,7 @@
         <p:txBody>
           <a:bodyPr/>
           <a:p>
-            <a:fld id="{7CB3070D-4A59-4B4F-B8A8-266A8952B99E}" type="slidenum">
+            <a:fld id="{044237CF-F38B-4C7C-979B-9DA143FAA0E1}" type="slidenum">
               <a:t>&lt;#&gt;</a:t>
             </a:fld>
           </a:p>
@@ -3272,7 +3272,7 @@
         <p:txBody>
           <a:bodyPr/>
           <a:p>
-            <a:fld id="{A503707C-4EB4-44DF-8368-B6BDB78EFDC6}" type="slidenum">
+            <a:fld id="{054BBA44-A7DA-42B6-B7F9-A747BE03A7C6}" type="slidenum">
               <a:t>&lt;#&gt;</a:t>
             </a:fld>
           </a:p>
@@ -3355,7 +3355,7 @@
         <p:txBody>
           <a:bodyPr/>
           <a:p>
-            <a:fld id="{A1A80797-7390-46C1-BEFF-817747BC86A4}" type="slidenum">
+            <a:fld id="{CB49C4F9-3491-4FA8-A72A-E4E3300C82CC}" type="slidenum">
               <a:t>&lt;#&gt;</a:t>
             </a:fld>
           </a:p>
@@ -3512,7 +3512,7 @@
         <p:txBody>
           <a:bodyPr/>
           <a:p>
-            <a:fld id="{092C0D17-AA4A-4D07-BDAC-293575DB0856}" type="slidenum">
+            <a:fld id="{CEC5343F-5209-4BB1-A431-AB30EDAAD448}" type="slidenum">
               <a:t>&lt;#&gt;</a:t>
             </a:fld>
           </a:p>
@@ -3666,7 +3666,7 @@
         <p:txBody>
           <a:bodyPr/>
           <a:p>
-            <a:fld id="{CF0FE107-D5CA-4AFC-8189-1D6376691034}" type="slidenum">
+            <a:fld id="{CA9224C1-D3D8-4FFF-B79C-1FC96AD34C49}" type="slidenum">
               <a:t>&lt;#&gt;</a:t>
             </a:fld>
           </a:p>
@@ -3854,7 +3854,7 @@
         <p:txBody>
           <a:bodyPr/>
           <a:p>
-            <a:fld id="{9B1552BA-62B2-41D5-ADD7-AC3EC51975EC}" type="slidenum">
+            <a:fld id="{F2567FE8-4F2B-4E70-9B14-CE8932D78054}" type="slidenum">
               <a:t>&lt;#&gt;</a:t>
             </a:fld>
           </a:p>
@@ -3974,7 +3974,7 @@
         <p:txBody>
           <a:bodyPr/>
           <a:p>
-            <a:fld id="{975A2961-0051-4298-BFF7-2BC7DABAE53C}" type="slidenum">
+            <a:fld id="{3D40F604-372E-4F2C-A767-6C4E97834723}" type="slidenum">
               <a:t>&lt;#&gt;</a:t>
             </a:fld>
           </a:p>
@@ -4128,7 +4128,7 @@
         <p:txBody>
           <a:bodyPr/>
           <a:p>
-            <a:fld id="{5402122D-4F72-4E67-9216-5FF37DDE51EA}" type="slidenum">
+            <a:fld id="{DFF4254E-CFB9-4409-9651-033B149134AC}" type="slidenum">
               <a:t>&lt;#&gt;</a:t>
             </a:fld>
           </a:p>
@@ -4248,7 +4248,7 @@
         <p:txBody>
           <a:bodyPr/>
           <a:p>
-            <a:fld id="{BA3C1095-4A05-49D9-9640-C947CC142AB3}" type="slidenum">
+            <a:fld id="{E8280A88-F145-4516-A3FD-4D0F1C661E79}" type="slidenum">
               <a:t>&lt;#&gt;</a:t>
             </a:fld>
           </a:p>
@@ -4470,7 +4470,7 @@
         <p:txBody>
           <a:bodyPr/>
           <a:p>
-            <a:fld id="{B794959C-9A8D-46CF-8236-AAEE80927189}" type="slidenum">
+            <a:fld id="{A3B6F321-1E4E-4F9D-B53D-B0704D6D67AC}" type="slidenum">
               <a:t>&lt;#&gt;</a:t>
             </a:fld>
           </a:p>
@@ -4692,7 +4692,7 @@
         <p:txBody>
           <a:bodyPr/>
           <a:p>
-            <a:fld id="{602F0BDC-6009-4408-A959-291212C7046B}" type="slidenum">
+            <a:fld id="{CAFB2210-CD36-4DFF-B196-7E296BF6BDF7}" type="slidenum">
               <a:t>&lt;#&gt;</a:t>
             </a:fld>
           </a:p>
@@ -4914,7 +4914,7 @@
         <p:txBody>
           <a:bodyPr/>
           <a:p>
-            <a:fld id="{02D562BC-0F87-4112-A962-A52B84BE8614}" type="slidenum">
+            <a:fld id="{8C2746CA-A413-4435-B210-8124F716A84E}" type="slidenum">
               <a:t>&lt;#&gt;</a:t>
             </a:fld>
           </a:p>
@@ -5102,7 +5102,7 @@
         <p:txBody>
           <a:bodyPr/>
           <a:p>
-            <a:fld id="{719447B8-3231-4E53-8C72-23E392497603}" type="slidenum">
+            <a:fld id="{FFC3E652-3493-4263-A9A1-17090D44FB30}" type="slidenum">
               <a:t>&lt;#&gt;</a:t>
             </a:fld>
           </a:p>
@@ -5358,7 +5358,7 @@
         <p:txBody>
           <a:bodyPr/>
           <a:p>
-            <a:fld id="{F6B3E3EB-D10B-4936-A3CB-BC694CB709D4}" type="slidenum">
+            <a:fld id="{24C443A8-A642-40C3-844A-800C64ACD164}" type="slidenum">
               <a:t>&lt;#&gt;</a:t>
             </a:fld>
           </a:p>
@@ -5682,7 +5682,7 @@
         <p:txBody>
           <a:bodyPr/>
           <a:p>
-            <a:fld id="{E323DEC6-FCA5-44BA-9197-721DB27770BD}" type="slidenum">
+            <a:fld id="{67DA4C2F-011E-4472-9F49-1C346232158E}" type="slidenum">
               <a:t>&lt;#&gt;</a:t>
             </a:fld>
           </a:p>
@@ -5765,7 +5765,7 @@
         <p:txBody>
           <a:bodyPr/>
           <a:p>
-            <a:fld id="{F096327F-3D9B-48D2-ADC6-0B6F873FFE8C}" type="slidenum">
+            <a:fld id="{50F05902-997C-440E-8B09-135774E87000}" type="slidenum">
               <a:t>&lt;#&gt;</a:t>
             </a:fld>
           </a:p>
@@ -5922,7 +5922,7 @@
         <p:txBody>
           <a:bodyPr/>
           <a:p>
-            <a:fld id="{95D3F8B5-81F5-4E27-9D58-C0AEDA891500}" type="slidenum">
+            <a:fld id="{46A34FE3-B239-4D0C-9674-EBE98AA9DE46}" type="slidenum">
               <a:t>&lt;#&gt;</a:t>
             </a:fld>
           </a:p>
@@ -6076,7 +6076,7 @@
         <p:txBody>
           <a:bodyPr/>
           <a:p>
-            <a:fld id="{47766A70-488B-4585-AFEB-5E6C6EB55E07}" type="slidenum">
+            <a:fld id="{C00EDC3C-C12E-42FE-BC74-F5B6C7D2D67A}" type="slidenum">
               <a:t>&lt;#&gt;</a:t>
             </a:fld>
           </a:p>
@@ -6264,7 +6264,7 @@
         <p:txBody>
           <a:bodyPr/>
           <a:p>
-            <a:fld id="{677CCA8B-C5D5-40BE-8BC9-5AF6EE12D485}" type="slidenum">
+            <a:fld id="{7761389F-4EBB-4060-82C1-8515582200E0}" type="slidenum">
               <a:t>&lt;#&gt;</a:t>
             </a:fld>
           </a:p>
@@ -6452,7 +6452,7 @@
         <p:txBody>
           <a:bodyPr/>
           <a:p>
-            <a:fld id="{71670082-8BB1-4E3B-A12E-4369E5762A7C}" type="slidenum">
+            <a:fld id="{255C804B-E271-4757-A7AA-40503F8F6B5C}" type="slidenum">
               <a:t>&lt;#&gt;</a:t>
             </a:fld>
           </a:p>
@@ -6572,7 +6572,7 @@
         <p:txBody>
           <a:bodyPr/>
           <a:p>
-            <a:fld id="{8BC5BF14-6CA9-457B-8D16-161611B75C7F}" type="slidenum">
+            <a:fld id="{0DA423EA-9DAE-4E4D-A432-0C62858971A7}" type="slidenum">
               <a:t>&lt;#&gt;</a:t>
             </a:fld>
           </a:p>
@@ -6692,7 +6692,7 @@
         <p:txBody>
           <a:bodyPr/>
           <a:p>
-            <a:fld id="{B65D3785-D5F1-4451-9C44-A7DCF40838A1}" type="slidenum">
+            <a:fld id="{3D58B553-7F74-4EA3-9AB2-C1615097D33A}" type="slidenum">
               <a:t>&lt;#&gt;</a:t>
             </a:fld>
           </a:p>
@@ -6914,7 +6914,7 @@
         <p:txBody>
           <a:bodyPr/>
           <a:p>
-            <a:fld id="{0437E786-B5DF-4CE8-8B5C-FEC564CBE2E3}" type="slidenum">
+            <a:fld id="{44BB3B72-C40B-409D-85CB-AA35B752569A}" type="slidenum">
               <a:t>&lt;#&gt;</a:t>
             </a:fld>
           </a:p>
@@ -7136,7 +7136,7 @@
         <p:txBody>
           <a:bodyPr/>
           <a:p>
-            <a:fld id="{4E5FEE55-2818-432C-BA95-147CBEB2233A}" type="slidenum">
+            <a:fld id="{412394A6-542D-4CB0-A476-5E5FBC42B91D}" type="slidenum">
               <a:t>&lt;#&gt;</a:t>
             </a:fld>
           </a:p>
@@ -7358,7 +7358,7 @@
         <p:txBody>
           <a:bodyPr/>
           <a:p>
-            <a:fld id="{DA46B952-FB8A-4048-9EF6-6BFE0CE9A18A}" type="slidenum">
+            <a:fld id="{7FEDB52A-6766-47AA-AB97-AAD75447E153}" type="slidenum">
               <a:t>&lt;#&gt;</a:t>
             </a:fld>
           </a:p>
@@ -7546,7 +7546,7 @@
         <p:txBody>
           <a:bodyPr/>
           <a:p>
-            <a:fld id="{8C04E9FC-76F6-41B6-B10A-B1E9EB1B2DD7}" type="slidenum">
+            <a:fld id="{0FEB0FED-A2B4-46F2-93E1-CD13B018D90C}" type="slidenum">
               <a:t>&lt;#&gt;</a:t>
             </a:fld>
           </a:p>
@@ -7802,7 +7802,7 @@
         <p:txBody>
           <a:bodyPr/>
           <a:p>
-            <a:fld id="{C92AD002-F694-4C80-ADEB-481CEA1F6A12}" type="slidenum">
+            <a:fld id="{E30A9639-8725-4797-BCA9-75500297B7F4}" type="slidenum">
               <a:t>&lt;#&gt;</a:t>
             </a:fld>
           </a:p>
@@ -8126,7 +8126,7 @@
         <p:txBody>
           <a:bodyPr/>
           <a:p>
-            <a:fld id="{173C98DA-4BCB-4CFA-9D04-51BFF6A56573}" type="slidenum">
+            <a:fld id="{6B003948-63E8-4B23-B87D-7F9A3A92E429}" type="slidenum">
               <a:t>&lt;#&gt;</a:t>
             </a:fld>
           </a:p>
@@ -8209,7 +8209,7 @@
         <p:txBody>
           <a:bodyPr/>
           <a:p>
-            <a:fld id="{C599178C-FD58-4DD5-9AF4-2D292E16E1BC}" type="slidenum">
+            <a:fld id="{59255D92-77C7-4E95-97EB-FC42540677C3}" type="slidenum">
               <a:t>&lt;#&gt;</a:t>
             </a:fld>
           </a:p>
@@ -8329,7 +8329,7 @@
         <p:txBody>
           <a:bodyPr/>
           <a:p>
-            <a:fld id="{2F3CBC65-1B40-4397-A05B-B3AF1ED74C9B}" type="slidenum">
+            <a:fld id="{26607707-B48F-440C-B3FA-03FA13AC5169}" type="slidenum">
               <a:t>&lt;#&gt;</a:t>
             </a:fld>
           </a:p>
@@ -8486,7 +8486,7 @@
         <p:txBody>
           <a:bodyPr/>
           <a:p>
-            <a:fld id="{AC3657A1-9F7A-4FD0-99D9-B539D3A2CDD9}" type="slidenum">
+            <a:fld id="{FB6E3EC5-36CF-466D-BE54-D74A3E25F285}" type="slidenum">
               <a:t>&lt;#&gt;</a:t>
             </a:fld>
           </a:p>
@@ -8640,7 +8640,7 @@
         <p:txBody>
           <a:bodyPr/>
           <a:p>
-            <a:fld id="{7A72249F-8379-430E-82A1-D48531CA9655}" type="slidenum">
+            <a:fld id="{DB24AD55-49DC-46FA-A85B-18A636549D67}" type="slidenum">
               <a:t>&lt;#&gt;</a:t>
             </a:fld>
           </a:p>
@@ -8828,7 +8828,7 @@
         <p:txBody>
           <a:bodyPr/>
           <a:p>
-            <a:fld id="{C319C3E4-0856-4B4C-B879-93055CE97DB4}" type="slidenum">
+            <a:fld id="{0A1943A8-251C-44C9-B4CA-CCA1EEA05BA3}" type="slidenum">
               <a:t>&lt;#&gt;</a:t>
             </a:fld>
           </a:p>
@@ -8948,7 +8948,7 @@
         <p:txBody>
           <a:bodyPr/>
           <a:p>
-            <a:fld id="{804F493D-69B9-4E97-AFF9-D3587AC6A04D}" type="slidenum">
+            <a:fld id="{46D18103-2198-4477-9484-8ECDCC006D86}" type="slidenum">
               <a:t>&lt;#&gt;</a:t>
             </a:fld>
           </a:p>
@@ -9068,7 +9068,7 @@
         <p:txBody>
           <a:bodyPr/>
           <a:p>
-            <a:fld id="{6CBAFB55-C1F6-469D-8B3A-E0CECC21F223}" type="slidenum">
+            <a:fld id="{63FEC571-66EA-4998-97F3-68BC806B54A5}" type="slidenum">
               <a:t>&lt;#&gt;</a:t>
             </a:fld>
           </a:p>
@@ -9290,7 +9290,7 @@
         <p:txBody>
           <a:bodyPr/>
           <a:p>
-            <a:fld id="{BC999160-0BE8-4762-A558-06DB8C1B1564}" type="slidenum">
+            <a:fld id="{07216469-C368-4EE7-BF72-E49845ADB9DF}" type="slidenum">
               <a:t>&lt;#&gt;</a:t>
             </a:fld>
           </a:p>
@@ -9512,7 +9512,7 @@
         <p:txBody>
           <a:bodyPr/>
           <a:p>
-            <a:fld id="{FBD09F79-01DB-482F-80DE-3BD2963FAD6F}" type="slidenum">
+            <a:fld id="{DDD04E9B-B48C-45EE-9DA8-A4408D5FD89D}" type="slidenum">
               <a:t>&lt;#&gt;</a:t>
             </a:fld>
           </a:p>
@@ -9734,7 +9734,7 @@
         <p:txBody>
           <a:bodyPr/>
           <a:p>
-            <a:fld id="{D6F0BF73-F0A1-4104-9965-B651DD818234}" type="slidenum">
+            <a:fld id="{0B68A0CD-F255-44AD-AF82-4C3A34C923FC}" type="slidenum">
               <a:t>&lt;#&gt;</a:t>
             </a:fld>
           </a:p>
@@ -9922,7 +9922,7 @@
         <p:txBody>
           <a:bodyPr/>
           <a:p>
-            <a:fld id="{288A0619-B2B5-4E02-B073-6B382CB936FE}" type="slidenum">
+            <a:fld id="{8476C3CC-9EE3-4298-9C5F-316E804A14C0}" type="slidenum">
               <a:t>&lt;#&gt;</a:t>
             </a:fld>
           </a:p>
@@ -10178,7 +10178,7 @@
         <p:txBody>
           <a:bodyPr/>
           <a:p>
-            <a:fld id="{6B6D76AC-355E-45E3-8237-CAF7C5DC5526}" type="slidenum">
+            <a:fld id="{DFDCAFE9-4438-40C5-9DDA-B7FE770DDF94}" type="slidenum">
               <a:t>&lt;#&gt;</a:t>
             </a:fld>
           </a:p>
@@ -10298,7 +10298,7 @@
         <p:txBody>
           <a:bodyPr/>
           <a:p>
-            <a:fld id="{1BBFDEA2-2071-4C1D-A31F-9008E19E91A8}" type="slidenum">
+            <a:fld id="{73D036E7-BFE6-444C-BEBE-DA3720D4CD2D}" type="slidenum">
               <a:t>&lt;#&gt;</a:t>
             </a:fld>
           </a:p>
@@ -10622,7 +10622,7 @@
         <p:txBody>
           <a:bodyPr/>
           <a:p>
-            <a:fld id="{5337651B-7CBE-4F8F-8414-6F83D01FC6B4}" type="slidenum">
+            <a:fld id="{97D2F775-30D5-4EC0-A851-81FE9EA37DD4}" type="slidenum">
               <a:t>&lt;#&gt;</a:t>
             </a:fld>
           </a:p>
@@ -10705,7 +10705,7 @@
         <p:txBody>
           <a:bodyPr/>
           <a:p>
-            <a:fld id="{BFEA0152-1255-4202-820E-65227C62BC8B}" type="slidenum">
+            <a:fld id="{B0763EE1-68E9-4D6E-9561-21975BF09132}" type="slidenum">
               <a:t>&lt;#&gt;</a:t>
             </a:fld>
           </a:p>
@@ -10862,7 +10862,7 @@
         <p:txBody>
           <a:bodyPr/>
           <a:p>
-            <a:fld id="{5306CFAE-8E7A-4253-879F-037E1539767F}" type="slidenum">
+            <a:fld id="{109B7482-0116-491C-A001-4F029B9BC012}" type="slidenum">
               <a:t>&lt;#&gt;</a:t>
             </a:fld>
           </a:p>
@@ -11016,7 +11016,7 @@
         <p:txBody>
           <a:bodyPr/>
           <a:p>
-            <a:fld id="{3986861B-54C1-41F1-991F-26F316FC3A64}" type="slidenum">
+            <a:fld id="{C3B44AD2-74CC-41C8-A3FC-775614B5BA55}" type="slidenum">
               <a:t>&lt;#&gt;</a:t>
             </a:fld>
           </a:p>
@@ -11204,7 +11204,7 @@
         <p:txBody>
           <a:bodyPr/>
           <a:p>
-            <a:fld id="{A803E376-BDB2-471C-B62F-D21DAD306140}" type="slidenum">
+            <a:fld id="{3D8C2E31-1D9D-42D7-9CDC-10F004814A8E}" type="slidenum">
               <a:t>&lt;#&gt;</a:t>
             </a:fld>
           </a:p>
@@ -11324,7 +11324,7 @@
         <p:txBody>
           <a:bodyPr/>
           <a:p>
-            <a:fld id="{BCB704B4-9222-4C2D-B115-F0ACE4B675A7}" type="slidenum">
+            <a:fld id="{3B6FE418-B14B-49CC-9BD5-10DB8DE426A6}" type="slidenum">
               <a:t>&lt;#&gt;</a:t>
             </a:fld>
           </a:p>
@@ -11444,7 +11444,7 @@
         <p:txBody>
           <a:bodyPr/>
           <a:p>
-            <a:fld id="{DFDA8EAA-D0A3-40ED-96E7-B9C644170FDD}" type="slidenum">
+            <a:fld id="{C1CAFA2A-66DE-4E36-8A90-22BEFD8F419B}" type="slidenum">
               <a:t>&lt;#&gt;</a:t>
             </a:fld>
           </a:p>
@@ -11666,7 +11666,7 @@
         <p:txBody>
           <a:bodyPr/>
           <a:p>
-            <a:fld id="{7DB32DF2-144F-457C-9420-EAC72EA3E1EC}" type="slidenum">
+            <a:fld id="{A9FA84F7-BB6E-4A64-BCF1-8FBCD10E8278}" type="slidenum">
               <a:t>&lt;#&gt;</a:t>
             </a:fld>
           </a:p>
@@ -11888,7 +11888,7 @@
         <p:txBody>
           <a:bodyPr/>
           <a:p>
-            <a:fld id="{A07FF021-B18B-47AA-8FE8-F8868E1146FD}" type="slidenum">
+            <a:fld id="{AFA75F49-3DA5-4D32-AF1C-C065FE8AD225}" type="slidenum">
               <a:t>&lt;#&gt;</a:t>
             </a:fld>
           </a:p>
@@ -12110,7 +12110,7 @@
         <p:txBody>
           <a:bodyPr/>
           <a:p>
-            <a:fld id="{275995E9-E194-4147-B150-E91F5330DE4E}" type="slidenum">
+            <a:fld id="{DCABE7F2-0FA6-4B9C-8707-B405F440F4F5}" type="slidenum">
               <a:t>&lt;#&gt;</a:t>
             </a:fld>
           </a:p>
@@ -12332,7 +12332,7 @@
         <p:txBody>
           <a:bodyPr/>
           <a:p>
-            <a:fld id="{F6E0FC0B-B58C-47C8-BD49-EACE5FA1FAA0}" type="slidenum">
+            <a:fld id="{C3EBDBC9-AEA8-4CB3-A52C-B2EDC6C120A2}" type="slidenum">
               <a:t>&lt;#&gt;</a:t>
             </a:fld>
           </a:p>
@@ -12520,7 +12520,7 @@
         <p:txBody>
           <a:bodyPr/>
           <a:p>
-            <a:fld id="{4421FA9B-6ECE-4EEA-A372-21836BACE293}" type="slidenum">
+            <a:fld id="{A3854204-34BC-4DEE-8E18-34B3B8641362}" type="slidenum">
               <a:t>&lt;#&gt;</a:t>
             </a:fld>
           </a:p>
@@ -12776,7 +12776,7 @@
         <p:txBody>
           <a:bodyPr/>
           <a:p>
-            <a:fld id="{7E01E30B-79A3-4684-8F69-D7933E426604}" type="slidenum">
+            <a:fld id="{3F3A6699-03F4-406D-9743-8F4F2761F323}" type="slidenum">
               <a:t>&lt;#&gt;</a:t>
             </a:fld>
           </a:p>
@@ -13100,7 +13100,7 @@
         <p:txBody>
           <a:bodyPr/>
           <a:p>
-            <a:fld id="{74FAB154-EF2E-4D1C-8713-796D7DCBE5C7}" type="slidenum">
+            <a:fld id="{56DF09B1-343C-4994-9BB7-BBACC6E07BD3}" type="slidenum">
               <a:t>&lt;#&gt;</a:t>
             </a:fld>
           </a:p>
@@ -13183,7 +13183,7 @@
         <p:txBody>
           <a:bodyPr/>
           <a:p>
-            <a:fld id="{34B27559-C43F-49E6-AD6E-DE147E1C1D92}" type="slidenum">
+            <a:fld id="{E46873B3-D3A5-4BE2-A07D-1E015CC192B4}" type="slidenum">
               <a:t>&lt;#&gt;</a:t>
             </a:fld>
           </a:p>
@@ -13340,7 +13340,7 @@
         <p:txBody>
           <a:bodyPr/>
           <a:p>
-            <a:fld id="{36EF0784-CC0A-4143-B443-5727A090068D}" type="slidenum">
+            <a:fld id="{39197E4C-EC7C-4E72-80AA-850AB0A8DBEA}" type="slidenum">
               <a:t>&lt;#&gt;</a:t>
             </a:fld>
           </a:p>
@@ -13494,7 +13494,7 @@
         <p:txBody>
           <a:bodyPr/>
           <a:p>
-            <a:fld id="{EF1504D8-9347-4962-AAED-98C2FA4ECF62}" type="slidenum">
+            <a:fld id="{D5EFE724-85F0-43E9-AD3E-663119D95032}" type="slidenum">
               <a:t>&lt;#&gt;</a:t>
             </a:fld>
           </a:p>
@@ -13682,7 +13682,7 @@
         <p:txBody>
           <a:bodyPr/>
           <a:p>
-            <a:fld id="{1794AC79-E5D6-4D4E-AFCE-D82CF0C292A8}" type="slidenum">
+            <a:fld id="{3AE1D6E7-2C57-4F2D-B4EB-01822282D981}" type="slidenum">
               <a:t>&lt;#&gt;</a:t>
             </a:fld>
           </a:p>
@@ -13802,7 +13802,7 @@
         <p:txBody>
           <a:bodyPr/>
           <a:p>
-            <a:fld id="{483C0AE3-A104-4F97-96DD-61D204F5E605}" type="slidenum">
+            <a:fld id="{2C77F84A-49A0-4C5D-9950-8228C7642880}" type="slidenum">
               <a:t>&lt;#&gt;</a:t>
             </a:fld>
           </a:p>
@@ -13922,7 +13922,7 @@
         <p:txBody>
           <a:bodyPr/>
           <a:p>
-            <a:fld id="{0685BECB-B542-4BD2-BD3A-F53D5016AED4}" type="slidenum">
+            <a:fld id="{D6BFFFEB-7D2D-4983-B782-1E35C592B4CF}" type="slidenum">
               <a:t>&lt;#&gt;</a:t>
             </a:fld>
           </a:p>
@@ -14144,7 +14144,7 @@
         <p:txBody>
           <a:bodyPr/>
           <a:p>
-            <a:fld id="{0BAA0FAA-0B0E-483B-A3B3-7D5D1DFA28C0}" type="slidenum">
+            <a:fld id="{D3A47168-D6CD-46BA-BCE6-D81CC40D094A}" type="slidenum">
               <a:t>&lt;#&gt;</a:t>
             </a:fld>
           </a:p>
@@ -14366,7 +14366,7 @@
         <p:txBody>
           <a:bodyPr/>
           <a:p>
-            <a:fld id="{16BE4289-DCA7-479F-BAFE-CFF3C5EC2FE6}" type="slidenum">
+            <a:fld id="{F3FAA583-8590-4432-B573-5F5306EB8AA0}" type="slidenum">
               <a:t>&lt;#&gt;</a:t>
             </a:fld>
           </a:p>
@@ -14588,7 +14588,7 @@
         <p:txBody>
           <a:bodyPr/>
           <a:p>
-            <a:fld id="{FCC310D1-AA6F-4A57-8B76-D755C19DC982}" type="slidenum">
+            <a:fld id="{76560672-3044-4B62-B2BC-7456CE5212B1}" type="slidenum">
               <a:t>&lt;#&gt;</a:t>
             </a:fld>
           </a:p>
@@ -14810,7 +14810,7 @@
         <p:txBody>
           <a:bodyPr/>
           <a:p>
-            <a:fld id="{8D56AA6E-398C-4279-81D2-A7BB153F6028}" type="slidenum">
+            <a:fld id="{6ED0534B-C69C-4811-980E-33C1BD0B3F19}" type="slidenum">
               <a:t>&lt;#&gt;</a:t>
             </a:fld>
           </a:p>
@@ -14998,7 +14998,7 @@
         <p:txBody>
           <a:bodyPr/>
           <a:p>
-            <a:fld id="{D680DFCD-0980-4EC5-A0FE-AF04D91AD6B6}" type="slidenum">
+            <a:fld id="{4526135A-0DA8-4378-8BAC-93F52847B592}" type="slidenum">
               <a:t>&lt;#&gt;</a:t>
             </a:fld>
           </a:p>
@@ -15254,7 +15254,7 @@
         <p:txBody>
           <a:bodyPr/>
           <a:p>
-            <a:fld id="{8EFD4D72-2B0A-46E0-A83E-045721B1D7FC}" type="slidenum">
+            <a:fld id="{9B6D45F2-BBC7-4FCB-9DF3-88461E34E335}" type="slidenum">
               <a:t>&lt;#&gt;</a:t>
             </a:fld>
           </a:p>
@@ -15578,7 +15578,7 @@
         <p:txBody>
           <a:bodyPr/>
           <a:p>
-            <a:fld id="{CCC0B308-8E0B-434A-9966-127DC515D326}" type="slidenum">
+            <a:fld id="{567FF31A-20E5-4DE1-A563-F5C4E5FCA9C5}" type="slidenum">
               <a:t>&lt;#&gt;</a:t>
             </a:fld>
           </a:p>
@@ -15661,7 +15661,7 @@
         <p:txBody>
           <a:bodyPr/>
           <a:p>
-            <a:fld id="{37A1653D-0E18-4C7D-90A5-7FCA29B1D474}" type="slidenum">
+            <a:fld id="{BBECBD04-E2D5-400B-AE23-ADBE2FFE3F83}" type="slidenum">
               <a:t>&lt;#&gt;</a:t>
             </a:fld>
           </a:p>
@@ -15818,7 +15818,7 @@
         <p:txBody>
           <a:bodyPr/>
           <a:p>
-            <a:fld id="{9299B675-1C4C-4DB5-951D-F947820BA47F}" type="slidenum">
+            <a:fld id="{93B8A1A8-6256-4C2D-B322-9A40DA482E6A}" type="slidenum">
               <a:t>&lt;#&gt;</a:t>
             </a:fld>
           </a:p>
@@ -15972,7 +15972,7 @@
         <p:txBody>
           <a:bodyPr/>
           <a:p>
-            <a:fld id="{7B08F548-E719-4466-8066-4C0C8FA027E0}" type="slidenum">
+            <a:fld id="{DC1F1229-6CBC-4016-9386-79C2B17B01AB}" type="slidenum">
               <a:t>&lt;#&gt;</a:t>
             </a:fld>
           </a:p>
@@ -16160,7 +16160,7 @@
         <p:txBody>
           <a:bodyPr/>
           <a:p>
-            <a:fld id="{B1176C2B-298D-41D5-B7AA-31E4C9C4773D}" type="slidenum">
+            <a:fld id="{9CA2584B-0239-4EFE-88E0-4DBB0A76101B}" type="slidenum">
               <a:t>&lt;#&gt;</a:t>
             </a:fld>
           </a:p>
@@ -16280,7 +16280,7 @@
         <p:txBody>
           <a:bodyPr/>
           <a:p>
-            <a:fld id="{4030BBBB-250B-4046-9BC5-E9F6020F0C64}" type="slidenum">
+            <a:fld id="{37D29A96-AF42-4452-92BC-BE5A3972D9B3}" type="slidenum">
               <a:t>&lt;#&gt;</a:t>
             </a:fld>
           </a:p>
@@ -16502,7 +16502,7 @@
         <p:txBody>
           <a:bodyPr/>
           <a:p>
-            <a:fld id="{C9DCA9C8-B174-4814-A4A9-D42DAB95FC19}" type="slidenum">
+            <a:fld id="{324C37F9-5BA8-453C-AF44-D40CF2560FF5}" type="slidenum">
               <a:t>&lt;#&gt;</a:t>
             </a:fld>
           </a:p>
@@ -16622,7 +16622,7 @@
         <p:txBody>
           <a:bodyPr/>
           <a:p>
-            <a:fld id="{FC8A5A7F-9244-43AC-80DD-3F3B0B99587F}" type="slidenum">
+            <a:fld id="{E742BC0F-2129-4F69-90BD-9EC63D3845F3}" type="slidenum">
               <a:t>&lt;#&gt;</a:t>
             </a:fld>
           </a:p>
@@ -16844,7 +16844,7 @@
         <p:txBody>
           <a:bodyPr/>
           <a:p>
-            <a:fld id="{4801512E-22BD-4AD3-AB86-4E18A5D4B1F4}" type="slidenum">
+            <a:fld id="{C56265F0-9F2B-45FF-9A1F-947C1430CE18}" type="slidenum">
               <a:t>&lt;#&gt;</a:t>
             </a:fld>
           </a:p>
@@ -17066,7 +17066,7 @@
         <p:txBody>
           <a:bodyPr/>
           <a:p>
-            <a:fld id="{BEEBBC8E-BBAE-49F4-A836-189A34677842}" type="slidenum">
+            <a:fld id="{D3BA5AF4-1AB0-4D2D-AAB4-DC152C53EF7D}" type="slidenum">
               <a:t>&lt;#&gt;</a:t>
             </a:fld>
           </a:p>
@@ -17288,7 +17288,7 @@
         <p:txBody>
           <a:bodyPr/>
           <a:p>
-            <a:fld id="{F323E621-FC39-403E-92FB-30FBEF4229DF}" type="slidenum">
+            <a:fld id="{1681F248-C938-43AD-9C59-986E6519358F}" type="slidenum">
               <a:t>&lt;#&gt;</a:t>
             </a:fld>
           </a:p>
@@ -17476,7 +17476,7 @@
         <p:txBody>
           <a:bodyPr/>
           <a:p>
-            <a:fld id="{3ED701CA-65F6-4C01-8445-81DF0D828022}" type="slidenum">
+            <a:fld id="{EDE47EB6-A963-48A8-AC1D-A6320F42868A}" type="slidenum">
               <a:t>&lt;#&gt;</a:t>
             </a:fld>
           </a:p>
@@ -17732,7 +17732,7 @@
         <p:txBody>
           <a:bodyPr/>
           <a:p>
-            <a:fld id="{8959E2A8-7E24-4726-A65A-A04A66D28645}" type="slidenum">
+            <a:fld id="{CB480625-3CCB-45FB-83C5-1E6B4B06665D}" type="slidenum">
               <a:t>&lt;#&gt;</a:t>
             </a:fld>
           </a:p>
@@ -18056,7 +18056,7 @@
         <p:txBody>
           <a:bodyPr/>
           <a:p>
-            <a:fld id="{92FEC275-605C-4CEC-BE30-37655C5A5154}" type="slidenum">
+            <a:fld id="{DA191037-FEAA-4143-B8E9-DD26886BD94C}" type="slidenum">
               <a:t>&lt;#&gt;</a:t>
             </a:fld>
           </a:p>
@@ -18121,7 +18121,7 @@
         <p:spPr>
           <a:xfrm>
             <a:off x="3240" y="6400800"/>
-            <a:ext cx="12185640" cy="453960"/>
+            <a:ext cx="12184200" cy="452520"/>
           </a:xfrm>
           <a:prstGeom prst="rect">
             <a:avLst/>
@@ -18149,7 +18149,7 @@
         <p:spPr>
           <a:xfrm>
             <a:off x="0" y="6334200"/>
-            <a:ext cx="12185640" cy="60840"/>
+            <a:ext cx="12184200" cy="59400"/>
           </a:xfrm>
           <a:prstGeom prst="rect">
             <a:avLst/>
@@ -18205,7 +18205,7 @@
         <p:spPr>
           <a:xfrm>
             <a:off x="0" y="6400800"/>
-            <a:ext cx="12188880" cy="453960"/>
+            <a:ext cx="12187440" cy="452520"/>
           </a:xfrm>
           <a:prstGeom prst="rect">
             <a:avLst/>
@@ -18233,7 +18233,7 @@
         <p:spPr>
           <a:xfrm>
             <a:off x="0" y="6334200"/>
-            <a:ext cx="12188880" cy="63360"/>
+            <a:ext cx="12187440" cy="61920"/>
           </a:xfrm>
           <a:prstGeom prst="rect">
             <a:avLst/>
@@ -18287,53 +18287,13 @@
             <a:spLocks noGrp="1"/>
           </p:cNvSpPr>
           <p:nvPr>
-            <p:ph type="title"/>
-          </p:nvPr>
-        </p:nvSpPr>
-        <p:spPr>
-          <a:xfrm>
-            <a:off x="609480" y="273600"/>
-            <a:ext cx="10972080" cy="1144440"/>
-          </a:xfrm>
-          <a:prstGeom prst="rect">
-            <a:avLst/>
-          </a:prstGeom>
-          <a:noFill/>
-          <a:ln w="0">
-            <a:noFill/>
-          </a:ln>
-        </p:spPr>
-        <p:txBody>
-          <a:bodyPr lIns="0" rIns="0" tIns="0" bIns="0" anchor="ctr">
-            <a:noAutofit/>
-          </a:bodyPr>
-          <a:p>
-            <a:r>
-              <a:rPr b="0" lang="en-US" sz="1800" spc="-1" strike="noStrike">
-                <a:latin typeface="Arial"/>
-              </a:rPr>
-              <a:t>Click to edit the title text format</a:t>
-            </a:r>
-            <a:endParaRPr b="0" lang="en-US" sz="1800" spc="-1" strike="noStrike">
-              <a:latin typeface="Arial"/>
-            </a:endParaRPr>
-          </a:p>
-        </p:txBody>
-      </p:sp>
-      <p:sp>
-        <p:nvSpPr>
-          <p:cNvPr id="7" name="PlaceHolder 2"/>
-          <p:cNvSpPr>
-            <a:spLocks noGrp="1"/>
-          </p:cNvSpPr>
-          <p:nvPr>
             <p:ph type="ftr" idx="1"/>
           </p:nvPr>
         </p:nvSpPr>
         <p:spPr>
           <a:xfrm>
             <a:off x="3686040" y="6459840"/>
-            <a:ext cx="4819680" cy="361800"/>
+            <a:ext cx="4818240" cy="360360"/>
           </a:xfrm>
           <a:prstGeom prst="rect">
             <a:avLst/>
@@ -18369,7 +18329,7 @@
               <a:rPr b="0" lang="en-US" sz="1400" spc="-1" strike="noStrike">
                 <a:latin typeface="Times New Roman"/>
               </a:rPr>
-              <a:t> </a:t>
+              <a:t>&lt;footer&gt;</a:t>
             </a:r>
             <a:endParaRPr b="0" lang="en-US" sz="1400" spc="-1" strike="noStrike">
               <a:latin typeface="Times New Roman"/>
@@ -18379,7 +18339,7 @@
       </p:sp>
       <p:sp>
         <p:nvSpPr>
-          <p:cNvPr id="8" name="PlaceHolder 3"/>
+          <p:cNvPr id="7" name="PlaceHolder 2"/>
           <p:cNvSpPr>
             <a:spLocks noGrp="1"/>
           </p:cNvSpPr>
@@ -18390,7 +18350,7 @@
         <p:spPr>
           <a:xfrm>
             <a:off x="9900360" y="6459840"/>
-            <a:ext cx="1308960" cy="361800"/>
+            <a:ext cx="1307520" cy="360360"/>
           </a:xfrm>
           <a:prstGeom prst="rect">
             <a:avLst/>
@@ -18425,14 +18385,14 @@
               </a:lnSpc>
               <a:buNone/>
             </a:pPr>
-            <a:fld id="{62D62275-C5DC-42E8-9708-5BE03C379472}" type="slidenum">
+            <a:fld id="{C068FDA0-52B9-4B1C-B0A9-92FD5C5E4F7E}" type="slidenum">
               <a:rPr b="0" lang="en-US" sz="1050" spc="-1" strike="noStrike">
                 <a:solidFill>
                   <a:srgbClr val="ffffff"/>
                 </a:solidFill>
                 <a:latin typeface="Calibri"/>
               </a:rPr>
-              <a:t>21</a:t>
+              <a:t>&lt;number&gt;</a:t>
             </a:fld>
             <a:endParaRPr b="0" lang="en-US" sz="1050" spc="-1" strike="noStrike">
               <a:latin typeface="Times New Roman"/>
@@ -18442,7 +18402,7 @@
       </p:sp>
       <p:sp>
         <p:nvSpPr>
-          <p:cNvPr id="9" name="PlaceHolder 4"/>
+          <p:cNvPr id="8" name="PlaceHolder 3"/>
           <p:cNvSpPr>
             <a:spLocks noGrp="1"/>
           </p:cNvSpPr>
@@ -18453,7 +18413,7 @@
         <p:spPr>
           <a:xfrm>
             <a:off x="1097280" y="6459840"/>
-            <a:ext cx="2468880" cy="361800"/>
+            <a:ext cx="2467440" cy="360360"/>
           </a:xfrm>
           <a:prstGeom prst="rect">
             <a:avLst/>
@@ -18479,10 +18439,53 @@
               <a:rPr b="0" lang="en-US" sz="1400" spc="-1" strike="noStrike">
                 <a:latin typeface="Times New Roman"/>
               </a:rPr>
-              <a:t> </a:t>
+              <a:t>&lt;date/time&gt;</a:t>
             </a:r>
             <a:endParaRPr b="0" lang="en-US" sz="1400" spc="-1" strike="noStrike">
               <a:latin typeface="Times New Roman"/>
+            </a:endParaRPr>
+          </a:p>
+        </p:txBody>
+      </p:sp>
+      <p:sp>
+        <p:nvSpPr>
+          <p:cNvPr id="9" name="PlaceHolder 4"/>
+          <p:cNvSpPr>
+            <a:spLocks noGrp="1"/>
+          </p:cNvSpPr>
+          <p:nvPr>
+            <p:ph type="title"/>
+          </p:nvPr>
+        </p:nvSpPr>
+        <p:spPr>
+          <a:xfrm>
+            <a:off x="609480" y="273600"/>
+            <a:ext cx="10972440" cy="1144800"/>
+          </a:xfrm>
+          <a:prstGeom prst="rect">
+            <a:avLst/>
+          </a:prstGeom>
+          <a:noFill/>
+          <a:ln w="0">
+            <a:noFill/>
+          </a:ln>
+        </p:spPr>
+        <p:txBody>
+          <a:bodyPr lIns="0" rIns="0" tIns="0" bIns="0" anchor="ctr">
+            <a:noAutofit/>
+          </a:bodyPr>
+          <a:p>
+            <a:pPr algn="ctr">
+              <a:buNone/>
+            </a:pPr>
+            <a:r>
+              <a:rPr b="0" lang="en-US" sz="4400" spc="-1" strike="noStrike">
+                <a:latin typeface="Arial"/>
+              </a:rPr>
+              <a:t>Click to edit the title text format</a:t>
+            </a:r>
+            <a:endParaRPr b="0" lang="en-US" sz="4400" spc="-1" strike="noStrike">
+              <a:latin typeface="Arial"/>
             </a:endParaRPr>
           </a:p>
         </p:txBody>
@@ -18723,7 +18726,7 @@
         <p:spPr>
           <a:xfrm>
             <a:off x="3240" y="6400800"/>
-            <a:ext cx="12185640" cy="453960"/>
+            <a:ext cx="12184200" cy="452520"/>
           </a:xfrm>
           <a:prstGeom prst="rect">
             <a:avLst/>
@@ -18751,7 +18754,7 @@
         <p:spPr>
           <a:xfrm>
             <a:off x="0" y="6334200"/>
-            <a:ext cx="12185640" cy="60840"/>
+            <a:ext cx="12184200" cy="59400"/>
           </a:xfrm>
           <a:prstGeom prst="rect">
             <a:avLst/>
@@ -18807,7 +18810,7 @@
         <p:spPr>
           <a:xfrm>
             <a:off x="3240" y="6400800"/>
-            <a:ext cx="12185640" cy="453960"/>
+            <a:ext cx="12184200" cy="452520"/>
           </a:xfrm>
           <a:prstGeom prst="rect">
             <a:avLst/>
@@ -18835,7 +18838,7 @@
         <p:spPr>
           <a:xfrm>
             <a:off x="0" y="6334200"/>
-            <a:ext cx="12185640" cy="60840"/>
+            <a:ext cx="12184200" cy="59400"/>
           </a:xfrm>
           <a:prstGeom prst="rect">
             <a:avLst/>
@@ -18867,7 +18870,7 @@
         <p:spPr>
           <a:xfrm>
             <a:off x="3686040" y="6459840"/>
-            <a:ext cx="4819680" cy="361800"/>
+            <a:ext cx="4818240" cy="360360"/>
           </a:xfrm>
           <a:prstGeom prst="rect">
             <a:avLst/>
@@ -18924,7 +18927,7 @@
         <p:spPr>
           <a:xfrm>
             <a:off x="9900360" y="6459840"/>
-            <a:ext cx="1308960" cy="361800"/>
+            <a:ext cx="1307520" cy="360360"/>
           </a:xfrm>
           <a:prstGeom prst="rect">
             <a:avLst/>
@@ -18959,7 +18962,7 @@
               </a:lnSpc>
               <a:buNone/>
             </a:pPr>
-            <a:fld id="{908553D1-E3C3-4725-9E6D-F75851BD2F15}" type="slidenum">
+            <a:fld id="{39DBEBA1-FA6B-4612-B1A9-2B7E20D66671}" type="slidenum">
               <a:rPr b="0" lang="en-US" sz="1050" spc="-1" strike="noStrike">
                 <a:solidFill>
                   <a:srgbClr val="ffffff"/>
@@ -18987,7 +18990,7 @@
         <p:spPr>
           <a:xfrm>
             <a:off x="1097280" y="6459840"/>
-            <a:ext cx="2468880" cy="361800"/>
+            <a:ext cx="2467440" cy="360360"/>
           </a:xfrm>
           <a:prstGeom prst="rect">
             <a:avLst/>
@@ -19300,7 +19303,7 @@
         <p:spPr>
           <a:xfrm>
             <a:off x="3240" y="6400800"/>
-            <a:ext cx="12185640" cy="453960"/>
+            <a:ext cx="12184200" cy="452520"/>
           </a:xfrm>
           <a:prstGeom prst="rect">
             <a:avLst/>
@@ -19328,7 +19331,7 @@
         <p:spPr>
           <a:xfrm>
             <a:off x="0" y="6334200"/>
-            <a:ext cx="12185640" cy="60840"/>
+            <a:ext cx="12184200" cy="59400"/>
           </a:xfrm>
           <a:prstGeom prst="rect">
             <a:avLst/>
@@ -19384,7 +19387,7 @@
         <p:spPr>
           <a:xfrm>
             <a:off x="3240" y="6400800"/>
-            <a:ext cx="12185640" cy="453960"/>
+            <a:ext cx="12184200" cy="452520"/>
           </a:xfrm>
           <a:prstGeom prst="rect">
             <a:avLst/>
@@ -19412,7 +19415,7 @@
         <p:spPr>
           <a:xfrm>
             <a:off x="0" y="6334200"/>
-            <a:ext cx="12185640" cy="60840"/>
+            <a:ext cx="12184200" cy="59400"/>
           </a:xfrm>
           <a:prstGeom prst="rect">
             <a:avLst/>
@@ -19444,7 +19447,7 @@
         <p:spPr>
           <a:xfrm>
             <a:off x="3686040" y="6459840"/>
-            <a:ext cx="4819680" cy="361800"/>
+            <a:ext cx="4818240" cy="360360"/>
           </a:xfrm>
           <a:prstGeom prst="rect">
             <a:avLst/>
@@ -19501,7 +19504,7 @@
         <p:spPr>
           <a:xfrm>
             <a:off x="9900360" y="6459840"/>
-            <a:ext cx="1308960" cy="361800"/>
+            <a:ext cx="1307520" cy="360360"/>
           </a:xfrm>
           <a:prstGeom prst="rect">
             <a:avLst/>
@@ -19536,7 +19539,7 @@
               </a:lnSpc>
               <a:buNone/>
             </a:pPr>
-            <a:fld id="{C926B57A-3711-4C9F-9BFC-D1352CF59A29}" type="slidenum">
+            <a:fld id="{B6AD071C-F885-423C-8A15-C3824F860CBC}" type="slidenum">
               <a:rPr b="0" lang="en-US" sz="1050" spc="-1" strike="noStrike">
                 <a:solidFill>
                   <a:srgbClr val="ffffff"/>
@@ -19564,7 +19567,7 @@
         <p:spPr>
           <a:xfrm>
             <a:off x="1097280" y="6459840"/>
-            <a:ext cx="2468880" cy="361800"/>
+            <a:ext cx="2467440" cy="360360"/>
           </a:xfrm>
           <a:prstGeom prst="rect">
             <a:avLst/>
@@ -19877,7 +19880,7 @@
         <p:spPr>
           <a:xfrm>
             <a:off x="3240" y="6400800"/>
-            <a:ext cx="12185640" cy="453960"/>
+            <a:ext cx="12184200" cy="452520"/>
           </a:xfrm>
           <a:prstGeom prst="rect">
             <a:avLst/>
@@ -19905,7 +19908,7 @@
         <p:spPr>
           <a:xfrm>
             <a:off x="0" y="6334200"/>
-            <a:ext cx="12185640" cy="60840"/>
+            <a:ext cx="12184200" cy="59400"/>
           </a:xfrm>
           <a:prstGeom prst="rect">
             <a:avLst/>
@@ -19961,7 +19964,7 @@
         <p:spPr>
           <a:xfrm>
             <a:off x="3240" y="6400800"/>
-            <a:ext cx="12185640" cy="453960"/>
+            <a:ext cx="12184200" cy="452520"/>
           </a:xfrm>
           <a:prstGeom prst="rect">
             <a:avLst/>
@@ -19989,7 +19992,7 @@
         <p:spPr>
           <a:xfrm>
             <a:off x="0" y="6334200"/>
-            <a:ext cx="12185640" cy="60840"/>
+            <a:ext cx="12184200" cy="59400"/>
           </a:xfrm>
           <a:prstGeom prst="rect">
             <a:avLst/>
@@ -20021,7 +20024,7 @@
         <p:spPr>
           <a:xfrm>
             <a:off x="3686040" y="6459840"/>
-            <a:ext cx="4819680" cy="361800"/>
+            <a:ext cx="4818240" cy="360360"/>
           </a:xfrm>
           <a:prstGeom prst="rect">
             <a:avLst/>
@@ -20078,7 +20081,7 @@
         <p:spPr>
           <a:xfrm>
             <a:off x="9900360" y="6459840"/>
-            <a:ext cx="1308960" cy="361800"/>
+            <a:ext cx="1307520" cy="360360"/>
           </a:xfrm>
           <a:prstGeom prst="rect">
             <a:avLst/>
@@ -20113,7 +20116,7 @@
               </a:lnSpc>
               <a:buNone/>
             </a:pPr>
-            <a:fld id="{5269AB3A-13A9-4DF4-879A-EC8D737CCD09}" type="slidenum">
+            <a:fld id="{3BFE79AD-FAFC-4F1E-9494-38888CC6E79D}" type="slidenum">
               <a:rPr b="0" lang="en-US" sz="1050" spc="-1" strike="noStrike">
                 <a:solidFill>
                   <a:srgbClr val="ffffff"/>
@@ -20141,7 +20144,7 @@
         <p:spPr>
           <a:xfrm>
             <a:off x="1097280" y="6459840"/>
-            <a:ext cx="2468880" cy="361800"/>
+            <a:ext cx="2467440" cy="360360"/>
           </a:xfrm>
           <a:prstGeom prst="rect">
             <a:avLst/>
@@ -20454,7 +20457,7 @@
         <p:spPr>
           <a:xfrm>
             <a:off x="3240" y="6400800"/>
-            <a:ext cx="12185640" cy="453960"/>
+            <a:ext cx="12184200" cy="452520"/>
           </a:xfrm>
           <a:prstGeom prst="rect">
             <a:avLst/>
@@ -20482,7 +20485,7 @@
         <p:spPr>
           <a:xfrm>
             <a:off x="0" y="6334200"/>
-            <a:ext cx="12185640" cy="60840"/>
+            <a:ext cx="12184200" cy="59400"/>
           </a:xfrm>
           <a:prstGeom prst="rect">
             <a:avLst/>
@@ -20538,7 +20541,7 @@
         <p:spPr>
           <a:xfrm>
             <a:off x="3240" y="6400800"/>
-            <a:ext cx="12185640" cy="453960"/>
+            <a:ext cx="12184200" cy="452520"/>
           </a:xfrm>
           <a:prstGeom prst="rect">
             <a:avLst/>
@@ -20566,7 +20569,7 @@
         <p:spPr>
           <a:xfrm>
             <a:off x="0" y="6334200"/>
-            <a:ext cx="12185640" cy="60840"/>
+            <a:ext cx="12184200" cy="59400"/>
           </a:xfrm>
           <a:prstGeom prst="rect">
             <a:avLst/>
@@ -20598,7 +20601,7 @@
         <p:spPr>
           <a:xfrm>
             <a:off x="3686040" y="6459840"/>
-            <a:ext cx="4819680" cy="361800"/>
+            <a:ext cx="4818240" cy="360360"/>
           </a:xfrm>
           <a:prstGeom prst="rect">
             <a:avLst/>
@@ -20655,7 +20658,7 @@
         <p:spPr>
           <a:xfrm>
             <a:off x="9900360" y="6459840"/>
-            <a:ext cx="1308960" cy="361800"/>
+            <a:ext cx="1307520" cy="360360"/>
           </a:xfrm>
           <a:prstGeom prst="rect">
             <a:avLst/>
@@ -20690,7 +20693,7 @@
               </a:lnSpc>
               <a:buNone/>
             </a:pPr>
-            <a:fld id="{BA9D2358-A0A0-4279-BFD4-17129E6A9CFB}" type="slidenum">
+            <a:fld id="{AC697B4A-071B-4B51-9F1B-28913F05A2C7}" type="slidenum">
               <a:rPr b="0" lang="en-US" sz="1050" spc="-1" strike="noStrike">
                 <a:solidFill>
                   <a:srgbClr val="ffffff"/>
@@ -20718,7 +20721,7 @@
         <p:spPr>
           <a:xfrm>
             <a:off x="1097280" y="6459840"/>
-            <a:ext cx="2468880" cy="361800"/>
+            <a:ext cx="2467440" cy="360360"/>
           </a:xfrm>
           <a:prstGeom prst="rect">
             <a:avLst/>
@@ -21031,7 +21034,7 @@
         <p:spPr>
           <a:xfrm>
             <a:off x="3240" y="6400800"/>
-            <a:ext cx="12185640" cy="453960"/>
+            <a:ext cx="12184200" cy="452520"/>
           </a:xfrm>
           <a:prstGeom prst="rect">
             <a:avLst/>
@@ -21059,7 +21062,7 @@
         <p:spPr>
           <a:xfrm>
             <a:off x="0" y="6334200"/>
-            <a:ext cx="12185640" cy="60840"/>
+            <a:ext cx="12184200" cy="59400"/>
           </a:xfrm>
           <a:prstGeom prst="rect">
             <a:avLst/>
@@ -21115,7 +21118,7 @@
         <p:spPr>
           <a:xfrm>
             <a:off x="3240" y="6400800"/>
-            <a:ext cx="12185640" cy="453960"/>
+            <a:ext cx="12184200" cy="452520"/>
           </a:xfrm>
           <a:prstGeom prst="rect">
             <a:avLst/>
@@ -21143,7 +21146,7 @@
         <p:spPr>
           <a:xfrm>
             <a:off x="0" y="6334200"/>
-            <a:ext cx="12185640" cy="60840"/>
+            <a:ext cx="12184200" cy="59400"/>
           </a:xfrm>
           <a:prstGeom prst="rect">
             <a:avLst/>
@@ -21175,7 +21178,7 @@
         <p:spPr>
           <a:xfrm>
             <a:off x="3686040" y="6459840"/>
-            <a:ext cx="4819680" cy="361800"/>
+            <a:ext cx="4818240" cy="360360"/>
           </a:xfrm>
           <a:prstGeom prst="rect">
             <a:avLst/>
@@ -21232,7 +21235,7 @@
         <p:spPr>
           <a:xfrm>
             <a:off x="9900360" y="6459840"/>
-            <a:ext cx="1308960" cy="361800"/>
+            <a:ext cx="1307520" cy="360360"/>
           </a:xfrm>
           <a:prstGeom prst="rect">
             <a:avLst/>
@@ -21267,7 +21270,7 @@
               </a:lnSpc>
               <a:buNone/>
             </a:pPr>
-            <a:fld id="{3EF6132E-D676-4D3F-BB92-96CF127F02A1}" type="slidenum">
+            <a:fld id="{72559C49-2EDE-4EC4-9B3B-D1AC27C42859}" type="slidenum">
               <a:rPr b="0" lang="en-US" sz="1050" spc="-1" strike="noStrike">
                 <a:solidFill>
                   <a:srgbClr val="ffffff"/>
@@ -21295,7 +21298,7 @@
         <p:spPr>
           <a:xfrm>
             <a:off x="1097280" y="6459840"/>
-            <a:ext cx="2468880" cy="361800"/>
+            <a:ext cx="2467440" cy="360360"/>
           </a:xfrm>
           <a:prstGeom prst="rect">
             <a:avLst/>
@@ -21608,7 +21611,7 @@
         <p:spPr>
           <a:xfrm>
             <a:off x="3240" y="6400800"/>
-            <a:ext cx="12185640" cy="453960"/>
+            <a:ext cx="12184200" cy="452520"/>
           </a:xfrm>
           <a:prstGeom prst="rect">
             <a:avLst/>
@@ -21636,7 +21639,7 @@
         <p:spPr>
           <a:xfrm>
             <a:off x="0" y="6334200"/>
-            <a:ext cx="12185640" cy="60840"/>
+            <a:ext cx="12184200" cy="59400"/>
           </a:xfrm>
           <a:prstGeom prst="rect">
             <a:avLst/>
@@ -21692,7 +21695,7 @@
         <p:spPr>
           <a:xfrm>
             <a:off x="3240" y="6400800"/>
-            <a:ext cx="12185640" cy="453960"/>
+            <a:ext cx="12184200" cy="452520"/>
           </a:xfrm>
           <a:prstGeom prst="rect">
             <a:avLst/>
@@ -21720,7 +21723,7 @@
         <p:spPr>
           <a:xfrm>
             <a:off x="0" y="6334200"/>
-            <a:ext cx="12185640" cy="60840"/>
+            <a:ext cx="12184200" cy="59400"/>
           </a:xfrm>
           <a:prstGeom prst="rect">
             <a:avLst/>
@@ -21752,7 +21755,7 @@
         <p:spPr>
           <a:xfrm>
             <a:off x="3686040" y="6459840"/>
-            <a:ext cx="4819680" cy="361800"/>
+            <a:ext cx="4818240" cy="360360"/>
           </a:xfrm>
           <a:prstGeom prst="rect">
             <a:avLst/>
@@ -21809,7 +21812,7 @@
         <p:spPr>
           <a:xfrm>
             <a:off x="9900360" y="6459840"/>
-            <a:ext cx="1308960" cy="361800"/>
+            <a:ext cx="1307520" cy="360360"/>
           </a:xfrm>
           <a:prstGeom prst="rect">
             <a:avLst/>
@@ -21844,7 +21847,7 @@
               </a:lnSpc>
               <a:buNone/>
             </a:pPr>
-            <a:fld id="{0610BECA-6CA6-4447-98DD-3E2354C3A5B4}" type="slidenum">
+            <a:fld id="{4B4BFF9A-6C03-495A-AB1F-93D92C046302}" type="slidenum">
               <a:rPr b="0" lang="en-US" sz="1050" spc="-1" strike="noStrike">
                 <a:solidFill>
                   <a:srgbClr val="ffffff"/>
@@ -21872,7 +21875,7 @@
         <p:spPr>
           <a:xfrm>
             <a:off x="1097280" y="6459840"/>
-            <a:ext cx="2468880" cy="361800"/>
+            <a:ext cx="2467440" cy="360360"/>
           </a:xfrm>
           <a:prstGeom prst="rect">
             <a:avLst/>
@@ -22185,7 +22188,7 @@
         <p:spPr>
           <a:xfrm>
             <a:off x="3240" y="6400800"/>
-            <a:ext cx="12185640" cy="453960"/>
+            <a:ext cx="12184200" cy="452520"/>
           </a:xfrm>
           <a:prstGeom prst="rect">
             <a:avLst/>
@@ -22213,7 +22216,7 @@
         <p:spPr>
           <a:xfrm>
             <a:off x="0" y="6334200"/>
-            <a:ext cx="12185640" cy="60840"/>
+            <a:ext cx="12184200" cy="59400"/>
           </a:xfrm>
           <a:prstGeom prst="rect">
             <a:avLst/>
@@ -22269,7 +22272,7 @@
         <p:spPr>
           <a:xfrm>
             <a:off x="3240" y="6400800"/>
-            <a:ext cx="12185640" cy="453960"/>
+            <a:ext cx="12184200" cy="452520"/>
           </a:xfrm>
           <a:prstGeom prst="rect">
             <a:avLst/>
@@ -22297,7 +22300,7 @@
         <p:spPr>
           <a:xfrm>
             <a:off x="0" y="6334200"/>
-            <a:ext cx="12185640" cy="60840"/>
+            <a:ext cx="12184200" cy="59400"/>
           </a:xfrm>
           <a:prstGeom prst="rect">
             <a:avLst/>
@@ -22329,7 +22332,7 @@
         <p:spPr>
           <a:xfrm>
             <a:off x="3686040" y="6459840"/>
-            <a:ext cx="4819680" cy="361800"/>
+            <a:ext cx="4818240" cy="360360"/>
           </a:xfrm>
           <a:prstGeom prst="rect">
             <a:avLst/>
@@ -22386,7 +22389,7 @@
         <p:spPr>
           <a:xfrm>
             <a:off x="9900360" y="6459840"/>
-            <a:ext cx="1308960" cy="361800"/>
+            <a:ext cx="1307520" cy="360360"/>
           </a:xfrm>
           <a:prstGeom prst="rect">
             <a:avLst/>
@@ -22421,7 +22424,7 @@
               </a:lnSpc>
               <a:buNone/>
             </a:pPr>
-            <a:fld id="{749B44F0-B35A-4C56-86AB-1162896031C2}" type="slidenum">
+            <a:fld id="{7C0D4559-D49E-4454-B821-68D2B39F010A}" type="slidenum">
               <a:rPr b="0" lang="en-US" sz="1050" spc="-1" strike="noStrike">
                 <a:solidFill>
                   <a:srgbClr val="ffffff"/>
@@ -22449,7 +22452,7 @@
         <p:spPr>
           <a:xfrm>
             <a:off x="1097280" y="6459840"/>
-            <a:ext cx="2468880" cy="361800"/>
+            <a:ext cx="2467440" cy="360360"/>
           </a:xfrm>
           <a:prstGeom prst="rect">
             <a:avLst/>
@@ -22759,7 +22762,7 @@
         <p:spPr>
           <a:xfrm>
             <a:off x="634680" y="685800"/>
-            <a:ext cx="10793880" cy="703800"/>
+            <a:ext cx="10792440" cy="702360"/>
           </a:xfrm>
           <a:prstGeom prst="rect">
             <a:avLst/>
@@ -22811,7 +22814,7 @@
         <p:spPr>
           <a:xfrm>
             <a:off x="4773240" y="4924080"/>
-            <a:ext cx="3561840" cy="977040"/>
+            <a:ext cx="3560400" cy="975600"/>
           </a:xfrm>
           <a:prstGeom prst="rect">
             <a:avLst/>
@@ -22898,7 +22901,7 @@
         <p:spPr>
           <a:xfrm>
             <a:off x="0" y="5225040"/>
-            <a:ext cx="944280" cy="1051200"/>
+            <a:ext cx="942840" cy="1049760"/>
           </a:xfrm>
           <a:prstGeom prst="rect">
             <a:avLst/>
@@ -22921,7 +22924,7 @@
         <p:spPr>
           <a:xfrm>
             <a:off x="11025720" y="5225040"/>
-            <a:ext cx="1051200" cy="1051200"/>
+            <a:ext cx="1049760" cy="1049760"/>
           </a:xfrm>
           <a:prstGeom prst="rect">
             <a:avLst/>
@@ -22940,7 +22943,7 @@
         <p:spPr>
           <a:xfrm>
             <a:off x="8440560" y="6456240"/>
-            <a:ext cx="3748320" cy="363960"/>
+            <a:ext cx="3746880" cy="363960"/>
           </a:xfrm>
           <a:prstGeom prst="rect">
             <a:avLst/>
@@ -22992,7 +22995,7 @@
         <p:spPr>
           <a:xfrm>
             <a:off x="0" y="6456240"/>
-            <a:ext cx="4307400" cy="638280"/>
+            <a:ext cx="4305960" cy="638280"/>
           </a:xfrm>
           <a:prstGeom prst="rect">
             <a:avLst/>
@@ -23047,8 +23050,8 @@
         </p:blipFill>
         <p:spPr>
           <a:xfrm>
-            <a:off x="3868920" y="1841760"/>
-            <a:ext cx="4130640" cy="2271600"/>
+            <a:off x="3871080" y="1828800"/>
+            <a:ext cx="4129200" cy="2270160"/>
           </a:xfrm>
           <a:prstGeom prst="rect">
             <a:avLst/>
@@ -23097,7 +23100,7 @@
         <p:spPr>
           <a:xfrm>
             <a:off x="383040" y="178200"/>
-            <a:ext cx="11422440" cy="885960"/>
+            <a:ext cx="11421000" cy="884520"/>
           </a:xfrm>
           <a:prstGeom prst="rect">
             <a:avLst/>
@@ -23123,7 +23126,7 @@
         <p:spPr>
           <a:xfrm>
             <a:off x="383040" y="1067040"/>
-            <a:ext cx="11204640" cy="5143680"/>
+            <a:ext cx="11203200" cy="5142240"/>
           </a:xfrm>
           <a:prstGeom prst="rect">
             <a:avLst/>
@@ -23202,7 +23205,7 @@
         <p:spPr>
           <a:xfrm>
             <a:off x="492120" y="3438720"/>
-            <a:ext cx="4434480" cy="2662560"/>
+            <a:ext cx="4433040" cy="2661120"/>
           </a:xfrm>
           <a:prstGeom prst="rect">
             <a:avLst/>
@@ -23228,7 +23231,7 @@
         <p:spPr>
           <a:xfrm>
             <a:off x="4220280" y="6458400"/>
-            <a:ext cx="3748320" cy="363960"/>
+            <a:ext cx="3746880" cy="363960"/>
           </a:xfrm>
           <a:prstGeom prst="rect">
             <a:avLst/>
@@ -23284,7 +23287,7 @@
         <p:spPr>
           <a:xfrm>
             <a:off x="618120" y="273600"/>
-            <a:ext cx="10969560" cy="1141920"/>
+            <a:ext cx="10968120" cy="1140480"/>
           </a:xfrm>
           <a:prstGeom prst="rect">
             <a:avLst/>
@@ -23312,7 +23315,7 @@
                 </a:solidFill>
                 <a:latin typeface="Calibri"/>
               </a:rPr>
-              <a:t>Comparison of the CNN models :FPR</a:t>
+              <a:t>Comparison of the CNN models :FPR/FMR</a:t>
             </a:r>
             <a:endParaRPr b="0" lang="en-US" sz="2400" spc="-1" strike="noStrike">
               <a:latin typeface="Arial"/>
@@ -23329,7 +23332,7 @@
         <p:spPr>
           <a:xfrm>
             <a:off x="2971800" y="1828800"/>
-            <a:ext cx="912960" cy="343440"/>
+            <a:ext cx="911520" cy="342000"/>
           </a:xfrm>
           <a:prstGeom prst="rect">
             <a:avLst/>
@@ -23381,7 +23384,7 @@
         <p:spPr>
           <a:xfrm>
             <a:off x="8315640" y="1828800"/>
-            <a:ext cx="826920" cy="599400"/>
+            <a:ext cx="825480" cy="597960"/>
           </a:xfrm>
           <a:prstGeom prst="rect">
             <a:avLst/>
@@ -23448,7 +23451,7 @@
         <p:spPr>
           <a:xfrm>
             <a:off x="896760" y="2286000"/>
-            <a:ext cx="5043960" cy="3800520"/>
+            <a:ext cx="5042520" cy="3799080"/>
           </a:xfrm>
           <a:prstGeom prst="rect">
             <a:avLst/>
@@ -23471,7 +23474,7 @@
         <p:spPr>
           <a:xfrm>
             <a:off x="6629400" y="2286000"/>
-            <a:ext cx="5043960" cy="3773160"/>
+            <a:ext cx="5042520" cy="3771720"/>
           </a:xfrm>
           <a:prstGeom prst="rect">
             <a:avLst/>
@@ -23520,7 +23523,7 @@
         <p:spPr>
           <a:xfrm>
             <a:off x="383040" y="178200"/>
-            <a:ext cx="11422440" cy="885960"/>
+            <a:ext cx="11421000" cy="884520"/>
           </a:xfrm>
           <a:prstGeom prst="rect">
             <a:avLst/>
@@ -23546,7 +23549,7 @@
         <p:spPr>
           <a:xfrm>
             <a:off x="383040" y="1067040"/>
-            <a:ext cx="11204640" cy="5143680"/>
+            <a:ext cx="11203200" cy="5142240"/>
           </a:xfrm>
           <a:prstGeom prst="rect">
             <a:avLst/>
@@ -23625,7 +23628,7 @@
         <p:spPr>
           <a:xfrm>
             <a:off x="492120" y="3438720"/>
-            <a:ext cx="4434480" cy="2662560"/>
+            <a:ext cx="4433040" cy="2661120"/>
           </a:xfrm>
           <a:prstGeom prst="rect">
             <a:avLst/>
@@ -23651,7 +23654,7 @@
         <p:spPr>
           <a:xfrm>
             <a:off x="4220280" y="6458400"/>
-            <a:ext cx="3748320" cy="363960"/>
+            <a:ext cx="3746880" cy="363960"/>
           </a:xfrm>
           <a:prstGeom prst="rect">
             <a:avLst/>
@@ -23707,7 +23710,7 @@
         <p:spPr>
           <a:xfrm>
             <a:off x="618120" y="273600"/>
-            <a:ext cx="10969560" cy="1141920"/>
+            <a:ext cx="10968120" cy="1140480"/>
           </a:xfrm>
           <a:prstGeom prst="rect">
             <a:avLst/>
@@ -23752,7 +23755,7 @@
         <p:spPr>
           <a:xfrm>
             <a:off x="1821960" y="2286000"/>
-            <a:ext cx="8920800" cy="3160440"/>
+            <a:ext cx="8919360" cy="3159000"/>
           </a:xfrm>
           <a:prstGeom prst="rect">
             <a:avLst/>
@@ -23808,7 +23811,7 @@
                 <a:latin typeface="Arial"/>
                 <a:ea typeface="DejaVu Sans"/>
               </a:rPr>
-              <a:t>Lower. This is important as it affects the security of the system.</a:t>
+              <a:t>Lower. This is important as it affects the security of the system. Still it is high.</a:t>
             </a:r>
             <a:endParaRPr b="0" lang="en-US" sz="1800" spc="-1" strike="noStrike">
               <a:latin typeface="Arial"/>
@@ -24025,7 +24028,7 @@
         <p:spPr>
           <a:xfrm>
             <a:off x="383040" y="178200"/>
-            <a:ext cx="11422440" cy="885960"/>
+            <a:ext cx="11421000" cy="884520"/>
           </a:xfrm>
           <a:prstGeom prst="rect">
             <a:avLst/>
@@ -24051,7 +24054,7 @@
         <p:spPr>
           <a:xfrm>
             <a:off x="383040" y="1067040"/>
-            <a:ext cx="11204640" cy="5143680"/>
+            <a:ext cx="11203200" cy="5142240"/>
           </a:xfrm>
           <a:prstGeom prst="rect">
             <a:avLst/>
@@ -24130,7 +24133,7 @@
         <p:spPr>
           <a:xfrm>
             <a:off x="492120" y="3438720"/>
-            <a:ext cx="4434480" cy="2662560"/>
+            <a:ext cx="4433040" cy="2661120"/>
           </a:xfrm>
           <a:prstGeom prst="rect">
             <a:avLst/>
@@ -24156,7 +24159,7 @@
         <p:spPr>
           <a:xfrm>
             <a:off x="4220280" y="6458400"/>
-            <a:ext cx="3748320" cy="363960"/>
+            <a:ext cx="3746880" cy="363960"/>
           </a:xfrm>
           <a:prstGeom prst="rect">
             <a:avLst/>
@@ -24212,7 +24215,7 @@
         <p:spPr>
           <a:xfrm>
             <a:off x="618120" y="273600"/>
-            <a:ext cx="10969560" cy="1141920"/>
+            <a:ext cx="10968120" cy="1140480"/>
           </a:xfrm>
           <a:prstGeom prst="rect">
             <a:avLst/>
@@ -24240,25 +24243,7 @@
                 </a:solidFill>
                 <a:latin typeface="Calibri"/>
               </a:rPr>
-              <a:t>Triplet loss </a:t>
-            </a:r>
-            <a:r>
-              <a:rPr b="1" lang="en-US" sz="2400" spc="-1" strike="noStrike">
-                <a:solidFill>
-                  <a:srgbClr val="000000"/>
-                </a:solidFill>
-                <a:latin typeface="Calibri"/>
-              </a:rPr>
-              <a:t>models :FaceNet </a:t>
-            </a:r>
-            <a:r>
-              <a:rPr b="1" lang="en-US" sz="2400" spc="-1" strike="noStrike">
-                <a:solidFill>
-                  <a:srgbClr val="000000"/>
-                </a:solidFill>
-                <a:latin typeface="Calibri"/>
-              </a:rPr>
-              <a:t>Approach </a:t>
+              <a:t>Triplet loss models :FaceNet Approach </a:t>
             </a:r>
             <a:endParaRPr b="0" lang="en-US" sz="2400" spc="-1" strike="noStrike">
               <a:latin typeface="Arial"/>
@@ -24279,7 +24264,7 @@
         <p:spPr>
           <a:xfrm>
             <a:off x="7772400" y="2057400"/>
-            <a:ext cx="3413520" cy="1532520"/>
+            <a:ext cx="3412080" cy="1531080"/>
           </a:xfrm>
           <a:prstGeom prst="rect">
             <a:avLst/>
@@ -24302,7 +24287,7 @@
         <p:spPr>
           <a:xfrm>
             <a:off x="590760" y="2743560"/>
-            <a:ext cx="4664520" cy="225720"/>
+            <a:ext cx="4663080" cy="224280"/>
           </a:xfrm>
           <a:prstGeom prst="rect">
             <a:avLst/>
@@ -24325,7 +24310,7 @@
         <p:spPr>
           <a:xfrm>
             <a:off x="8182440" y="5696280"/>
-            <a:ext cx="3930840" cy="473400"/>
+            <a:ext cx="3929400" cy="471960"/>
           </a:xfrm>
           <a:prstGeom prst="rect">
             <a:avLst/>
@@ -24344,7 +24329,7 @@
         <p:spPr>
           <a:xfrm>
             <a:off x="457200" y="2286000"/>
-            <a:ext cx="6855480" cy="343800"/>
+            <a:ext cx="6854040" cy="342360"/>
           </a:xfrm>
           <a:prstGeom prst="rect">
             <a:avLst/>
@@ -24396,7 +24381,7 @@
         <p:spPr>
           <a:xfrm>
             <a:off x="383040" y="3200400"/>
-            <a:ext cx="6310800" cy="2345040"/>
+            <a:ext cx="6309360" cy="2343600"/>
           </a:xfrm>
           <a:prstGeom prst="rect">
             <a:avLst/>
@@ -24649,7 +24634,7 @@
         <p:spPr>
           <a:xfrm>
             <a:off x="6849360" y="3741120"/>
-            <a:ext cx="5263920" cy="599760"/>
+            <a:ext cx="5262480" cy="598320"/>
           </a:xfrm>
           <a:prstGeom prst="rect">
             <a:avLst/>
@@ -24705,7 +24690,7 @@
         <p:spPr>
           <a:xfrm>
             <a:off x="8634960" y="4386600"/>
-            <a:ext cx="3022920" cy="413280"/>
+            <a:ext cx="3021480" cy="411840"/>
           </a:xfrm>
           <a:prstGeom prst="rect">
             <a:avLst/>
@@ -24728,7 +24713,7 @@
         <p:spPr>
           <a:xfrm>
             <a:off x="8686800" y="5029200"/>
-            <a:ext cx="2816640" cy="384840"/>
+            <a:ext cx="2815200" cy="383400"/>
           </a:xfrm>
           <a:prstGeom prst="rect">
             <a:avLst/>
@@ -24747,7 +24732,7 @@
         <p:spPr>
           <a:xfrm>
             <a:off x="6629400" y="4454280"/>
-            <a:ext cx="1826280" cy="343800"/>
+            <a:ext cx="1824840" cy="342360"/>
           </a:xfrm>
           <a:prstGeom prst="rect">
             <a:avLst/>
@@ -24799,7 +24784,7 @@
         <p:spPr>
           <a:xfrm>
             <a:off x="6696360" y="5029200"/>
-            <a:ext cx="1826280" cy="454680"/>
+            <a:ext cx="1824840" cy="453240"/>
           </a:xfrm>
           <a:prstGeom prst="rect">
             <a:avLst/>
@@ -24851,7 +24836,7 @@
         <p:spPr>
           <a:xfrm>
             <a:off x="6858000" y="5610960"/>
-            <a:ext cx="1826280" cy="599760"/>
+            <a:ext cx="1824840" cy="598320"/>
           </a:xfrm>
           <a:prstGeom prst="rect">
             <a:avLst/>
@@ -24933,7 +24918,7 @@
         <p:spPr>
           <a:xfrm>
             <a:off x="383040" y="178200"/>
-            <a:ext cx="11422440" cy="885960"/>
+            <a:ext cx="11421000" cy="884520"/>
           </a:xfrm>
           <a:prstGeom prst="rect">
             <a:avLst/>
@@ -24959,7 +24944,7 @@
         <p:spPr>
           <a:xfrm>
             <a:off x="383040" y="1067040"/>
-            <a:ext cx="11204640" cy="5143680"/>
+            <a:ext cx="11203200" cy="5142240"/>
           </a:xfrm>
           <a:prstGeom prst="rect">
             <a:avLst/>
@@ -25038,7 +25023,7 @@
         <p:spPr>
           <a:xfrm>
             <a:off x="492120" y="3438720"/>
-            <a:ext cx="4434480" cy="2662560"/>
+            <a:ext cx="4433040" cy="2661120"/>
           </a:xfrm>
           <a:prstGeom prst="rect">
             <a:avLst/>
@@ -25064,7 +25049,7 @@
         <p:spPr>
           <a:xfrm>
             <a:off x="4220280" y="6458400"/>
-            <a:ext cx="3748320" cy="363960"/>
+            <a:ext cx="3746880" cy="363960"/>
           </a:xfrm>
           <a:prstGeom prst="rect">
             <a:avLst/>
@@ -25120,7 +25105,7 @@
         <p:spPr>
           <a:xfrm>
             <a:off x="618120" y="273600"/>
-            <a:ext cx="10969560" cy="1141920"/>
+            <a:ext cx="10968120" cy="1140480"/>
           </a:xfrm>
           <a:prstGeom prst="rect">
             <a:avLst/>
@@ -25181,7 +25166,7 @@
         <p:spPr>
           <a:xfrm>
             <a:off x="6858000" y="1828800"/>
-            <a:ext cx="4054680" cy="711360"/>
+            <a:ext cx="4053240" cy="709920"/>
           </a:xfrm>
           <a:prstGeom prst="rect">
             <a:avLst/>
@@ -25200,7 +25185,7 @@
         <p:spPr>
           <a:xfrm>
             <a:off x="458640" y="1831680"/>
-            <a:ext cx="3198240" cy="1368000"/>
+            <a:ext cx="3196800" cy="1366560"/>
           </a:xfrm>
           <a:prstGeom prst="rect">
             <a:avLst/>
@@ -25252,7 +25237,7 @@
         <p:spPr>
           <a:xfrm>
             <a:off x="6409800" y="1941120"/>
-            <a:ext cx="455760" cy="344160"/>
+            <a:ext cx="454320" cy="342720"/>
           </a:xfrm>
           <a:prstGeom prst="rect">
             <a:avLst/>
@@ -25304,7 +25289,7 @@
         <p:spPr>
           <a:xfrm>
             <a:off x="6549120" y="4116240"/>
-            <a:ext cx="536760" cy="455040"/>
+            <a:ext cx="535320" cy="453600"/>
           </a:xfrm>
           <a:prstGeom prst="rect">
             <a:avLst/>
@@ -25356,7 +25341,7 @@
         <p:spPr>
           <a:xfrm>
             <a:off x="228600" y="5354640"/>
-            <a:ext cx="4569840" cy="856080"/>
+            <a:ext cx="4568400" cy="854640"/>
           </a:xfrm>
           <a:prstGeom prst="rect">
             <a:avLst/>
@@ -25453,7 +25438,7 @@
         <p:spPr>
           <a:xfrm>
             <a:off x="181440" y="3347640"/>
-            <a:ext cx="5761440" cy="1223640"/>
+            <a:ext cx="5760000" cy="1222200"/>
           </a:xfrm>
           <a:prstGeom prst="rect">
             <a:avLst/>
@@ -25476,7 +25461,7 @@
         <p:spPr>
           <a:xfrm>
             <a:off x="6972840" y="2514600"/>
-            <a:ext cx="3025440" cy="1573200"/>
+            <a:ext cx="3024000" cy="1571760"/>
           </a:xfrm>
           <a:prstGeom prst="rect">
             <a:avLst/>
@@ -25557,7 +25542,7 @@
         <p:spPr>
           <a:xfrm>
             <a:off x="7086600" y="4114800"/>
-            <a:ext cx="2927880" cy="456480"/>
+            <a:ext cx="2926440" cy="455040"/>
           </a:xfrm>
           <a:prstGeom prst="rect">
             <a:avLst/>
@@ -25580,7 +25565,7 @@
         <p:spPr>
           <a:xfrm>
             <a:off x="10058400" y="4114800"/>
-            <a:ext cx="1940040" cy="456480"/>
+            <a:ext cx="1938600" cy="455040"/>
           </a:xfrm>
           <a:prstGeom prst="rect">
             <a:avLst/>
@@ -25603,7 +25588,7 @@
         <p:spPr>
           <a:xfrm>
             <a:off x="7086600" y="4572000"/>
-            <a:ext cx="2971080" cy="1769040"/>
+            <a:ext cx="2969640" cy="1767600"/>
           </a:xfrm>
           <a:prstGeom prst="rect">
             <a:avLst/>
@@ -25652,7 +25637,7 @@
         <p:spPr>
           <a:xfrm>
             <a:off x="383040" y="178200"/>
-            <a:ext cx="11422440" cy="885960"/>
+            <a:ext cx="11421000" cy="884520"/>
           </a:xfrm>
           <a:prstGeom prst="rect">
             <a:avLst/>
@@ -25678,7 +25663,7 @@
         <p:spPr>
           <a:xfrm>
             <a:off x="383040" y="1067040"/>
-            <a:ext cx="11204640" cy="5143680"/>
+            <a:ext cx="11203200" cy="5142240"/>
           </a:xfrm>
           <a:prstGeom prst="rect">
             <a:avLst/>
@@ -25757,7 +25742,7 @@
         <p:spPr>
           <a:xfrm>
             <a:off x="492120" y="3438720"/>
-            <a:ext cx="4434480" cy="2662560"/>
+            <a:ext cx="4433040" cy="2661120"/>
           </a:xfrm>
           <a:prstGeom prst="rect">
             <a:avLst/>
@@ -25783,7 +25768,7 @@
         <p:spPr>
           <a:xfrm>
             <a:off x="4220280" y="6458400"/>
-            <a:ext cx="3748320" cy="363960"/>
+            <a:ext cx="3746880" cy="363960"/>
           </a:xfrm>
           <a:prstGeom prst="rect">
             <a:avLst/>
@@ -25838,8 +25823,8 @@
         </p:nvSpPr>
         <p:spPr>
           <a:xfrm>
-            <a:off x="618120" y="273600"/>
-            <a:ext cx="10969560" cy="1141920"/>
+            <a:off x="680760" y="305280"/>
+            <a:ext cx="10968120" cy="1140480"/>
           </a:xfrm>
           <a:prstGeom prst="rect">
             <a:avLst/>
@@ -25888,7 +25873,7 @@
         <p:spPr>
           <a:xfrm>
             <a:off x="383040" y="2353680"/>
-            <a:ext cx="4845960" cy="3857040"/>
+            <a:ext cx="4844520" cy="3855600"/>
           </a:xfrm>
           <a:prstGeom prst="rect">
             <a:avLst/>
@@ -25907,7 +25892,7 @@
         <p:spPr>
           <a:xfrm>
             <a:off x="559800" y="1828800"/>
-            <a:ext cx="4696200" cy="344520"/>
+            <a:ext cx="4694760" cy="343080"/>
           </a:xfrm>
           <a:prstGeom prst="rect">
             <a:avLst/>
@@ -25958,8 +25943,8 @@
         </p:nvSpPr>
         <p:spPr>
           <a:xfrm>
-            <a:off x="6375960" y="2942640"/>
-            <a:ext cx="5054040" cy="257760"/>
+            <a:off x="6172200" y="3171600"/>
+            <a:ext cx="5052600" cy="256320"/>
           </a:xfrm>
           <a:prstGeom prst="rect">
             <a:avLst/>
@@ -25987,7 +25972,7 @@
               <a:buNone/>
             </a:pPr>
             <a:r>
-              <a:rPr b="0" lang="en-US" sz="1600" spc="-1" strike="noStrike">
+              <a:rPr b="0" lang="en-US" sz="1300" spc="-1" strike="noStrike">
                 <a:solidFill>
                   <a:srgbClr val="000000"/>
                 </a:solidFill>
@@ -25996,7 +25981,7 @@
               </a:rPr>
               <a:t>In the second try we created the required loss function</a:t>
             </a:r>
-            <a:endParaRPr b="0" lang="en-US" sz="1600" spc="-1" strike="noStrike">
+            <a:endParaRPr b="0" lang="en-US" sz="1300" spc="-1" strike="noStrike">
               <a:latin typeface="Arial"/>
             </a:endParaRPr>
           </a:p>
@@ -26010,8 +25995,8 @@
         </p:nvSpPr>
         <p:spPr>
           <a:xfrm>
-            <a:off x="6836040" y="1143000"/>
-            <a:ext cx="4593960" cy="1217160"/>
+            <a:off x="6172200" y="1755000"/>
+            <a:ext cx="5713560" cy="1215720"/>
           </a:xfrm>
           <a:prstGeom prst="rect">
             <a:avLst/>
@@ -26039,7 +26024,7 @@
               <a:buNone/>
             </a:pPr>
             <a:r>
-              <a:rPr b="0" lang="en-US" sz="1600" spc="-1" strike="noStrike">
+              <a:rPr b="0" lang="en-US" sz="1300" spc="-1" strike="noStrike">
                 <a:solidFill>
                   <a:srgbClr val="000000"/>
                 </a:solidFill>
@@ -26048,7 +26033,7 @@
               </a:rPr>
               <a:t>The optimizer used in both cases was Adam.</a:t>
             </a:r>
-            <a:endParaRPr b="0" lang="en-US" sz="1600" spc="-1" strike="noStrike">
+            <a:endParaRPr b="0" lang="en-US" sz="1300" spc="-1" strike="noStrike">
               <a:latin typeface="Arial"/>
             </a:endParaRPr>
           </a:p>
@@ -26060,16 +26045,16 @@
               <a:buNone/>
             </a:pPr>
             <a:r>
-              <a:rPr b="0" lang="en-US" sz="1600" spc="-1" strike="noStrike">
+              <a:rPr b="0" lang="en-US" sz="1300" spc="-1" strike="noStrike">
                 <a:solidFill>
                   <a:srgbClr val="000000"/>
                 </a:solidFill>
                 <a:latin typeface="Arial"/>
                 <a:ea typeface="DejaVu Sans"/>
               </a:rPr>
-              <a:t>Epochs were 75 each</a:t>
-            </a:r>
-            <a:endParaRPr b="0" lang="en-US" sz="1600" spc="-1" strike="noStrike">
+              <a:t>Epochs : 75 ,Each batch we generated random triplets that  6 times the size of the original dataset , Learning rate : 0.005</a:t>
+            </a:r>
+            <a:endParaRPr b="0" lang="en-US" sz="1300" spc="-1" strike="noStrike">
               <a:latin typeface="Arial"/>
             </a:endParaRPr>
           </a:p>
@@ -26080,17 +26065,7 @@
               </a:lnSpc>
               <a:buNone/>
             </a:pPr>
-            <a:r>
-              <a:rPr b="0" lang="en-US" sz="1600" spc="-1" strike="noStrike">
-                <a:solidFill>
-                  <a:srgbClr val="000000"/>
-                </a:solidFill>
-                <a:latin typeface="Arial"/>
-                <a:ea typeface="DejaVu Sans"/>
-              </a:rPr>
-              <a:t>In each batch we generated random triplets that wer 6 times the size of the original dataset </a:t>
-            </a:r>
-            <a:endParaRPr b="0" lang="en-US" sz="1600" spc="-1" strike="noStrike">
+            <a:endParaRPr b="0" lang="en-US" sz="1300" spc="-1" strike="noStrike">
               <a:latin typeface="Arial"/>
             </a:endParaRPr>
           </a:p>
@@ -26102,28 +26077,7 @@
               <a:buNone/>
             </a:pPr>
             <a:r>
-              <a:rPr b="0" lang="en-US" sz="1600" spc="-1" strike="noStrike">
-                <a:solidFill>
-                  <a:srgbClr val="000000"/>
-                </a:solidFill>
-                <a:latin typeface="Arial"/>
-                <a:ea typeface="DejaVu Sans"/>
-              </a:rPr>
-              <a:t>Learning rate was 0.005</a:t>
-            </a:r>
-            <a:endParaRPr b="0" lang="en-US" sz="1600" spc="-1" strike="noStrike">
-              <a:latin typeface="Arial"/>
-            </a:endParaRPr>
-          </a:p>
-          <a:p>
-            <a:pPr>
-              <a:lnSpc>
-                <a:spcPct val="100000"/>
-              </a:lnSpc>
-              <a:buNone/>
-            </a:pPr>
-            <a:r>
-              <a:rPr b="0" lang="en-US" sz="1600" spc="-1" strike="noStrike">
+              <a:rPr b="0" lang="en-US" sz="1300" spc="-1" strike="noStrike">
                 <a:solidFill>
                   <a:srgbClr val="000000"/>
                 </a:solidFill>
@@ -26132,7 +26086,7 @@
               </a:rPr>
               <a:t>In the first try the TripletMarginLoss loss function </a:t>
             </a:r>
-            <a:endParaRPr b="0" lang="en-US" sz="1600" spc="-1" strike="noStrike">
+            <a:endParaRPr b="0" lang="en-US" sz="1300" spc="-1" strike="noStrike">
               <a:latin typeface="Arial"/>
             </a:endParaRPr>
           </a:p>
@@ -26144,7 +26098,7 @@
               <a:buNone/>
             </a:pPr>
             <a:r>
-              <a:rPr b="0" lang="en-US" sz="1600" spc="-1" strike="noStrike">
+              <a:rPr b="0" lang="en-US" sz="1300" spc="-1" strike="noStrike">
                 <a:solidFill>
                   <a:srgbClr val="000000"/>
                 </a:solidFill>
@@ -26153,7 +26107,7 @@
               </a:rPr>
               <a:t>of pytorch </a:t>
             </a:r>
-            <a:endParaRPr b="0" lang="en-US" sz="1600" spc="-1" strike="noStrike">
+            <a:endParaRPr b="0" lang="en-US" sz="1300" spc="-1" strike="noStrike">
               <a:latin typeface="Arial"/>
             </a:endParaRPr>
           </a:p>
@@ -26165,7 +26119,7 @@
               <a:buNone/>
             </a:pPr>
             <a:r>
-              <a:rPr b="0" lang="en-US" sz="1600" spc="-1" strike="noStrike">
+              <a:rPr b="0" lang="en-US" sz="1300" spc="-1" strike="noStrike">
                 <a:solidFill>
                   <a:srgbClr val="000000"/>
                 </a:solidFill>
@@ -26174,7 +26128,7 @@
               </a:rPr>
               <a:t> </a:t>
             </a:r>
-            <a:endParaRPr b="0" lang="en-US" sz="1600" spc="-1" strike="noStrike">
+            <a:endParaRPr b="0" lang="en-US" sz="1300" spc="-1" strike="noStrike">
               <a:latin typeface="Arial"/>
             </a:endParaRPr>
           </a:p>
@@ -26192,8 +26146,8 @@
         </p:blipFill>
         <p:spPr>
           <a:xfrm>
-            <a:off x="6154560" y="3468240"/>
-            <a:ext cx="5732640" cy="2742480"/>
+            <a:off x="5750280" y="3429000"/>
+            <a:ext cx="5835960" cy="2836080"/>
           </a:xfrm>
           <a:prstGeom prst="rect">
             <a:avLst/>
@@ -26242,7 +26196,7 @@
         <p:spPr>
           <a:xfrm>
             <a:off x="383040" y="178200"/>
-            <a:ext cx="11422440" cy="885960"/>
+            <a:ext cx="11421000" cy="884520"/>
           </a:xfrm>
           <a:prstGeom prst="rect">
             <a:avLst/>
@@ -26268,7 +26222,7 @@
         <p:spPr>
           <a:xfrm>
             <a:off x="383040" y="1067040"/>
-            <a:ext cx="11204640" cy="5143680"/>
+            <a:ext cx="11203200" cy="5142240"/>
           </a:xfrm>
           <a:prstGeom prst="rect">
             <a:avLst/>
@@ -26347,7 +26301,7 @@
         <p:spPr>
           <a:xfrm>
             <a:off x="492120" y="3438720"/>
-            <a:ext cx="4434480" cy="2662560"/>
+            <a:ext cx="4433040" cy="2661120"/>
           </a:xfrm>
           <a:prstGeom prst="rect">
             <a:avLst/>
@@ -26373,7 +26327,7 @@
         <p:spPr>
           <a:xfrm>
             <a:off x="4220280" y="6458400"/>
-            <a:ext cx="3748320" cy="363960"/>
+            <a:ext cx="3746880" cy="363960"/>
           </a:xfrm>
           <a:prstGeom prst="rect">
             <a:avLst/>
@@ -26429,7 +26383,7 @@
         <p:spPr>
           <a:xfrm>
             <a:off x="618120" y="273600"/>
-            <a:ext cx="10969560" cy="1141920"/>
+            <a:ext cx="10968120" cy="1140480"/>
           </a:xfrm>
           <a:prstGeom prst="rect">
             <a:avLst/>
@@ -26473,8 +26427,8 @@
         </p:nvSpPr>
         <p:spPr>
           <a:xfrm>
-            <a:off x="2514600" y="2057400"/>
-            <a:ext cx="6399360" cy="3884760"/>
+            <a:off x="3659400" y="2059200"/>
+            <a:ext cx="6397920" cy="3883320"/>
           </a:xfrm>
           <a:prstGeom prst="rect">
             <a:avLst/>
@@ -26679,8 +26633,8 @@
         </p:blipFill>
         <p:spPr>
           <a:xfrm>
-            <a:off x="4038840" y="2553120"/>
-            <a:ext cx="3274920" cy="417240"/>
+            <a:off x="4572000" y="2514600"/>
+            <a:ext cx="3273480" cy="415800"/>
           </a:xfrm>
           <a:prstGeom prst="rect">
             <a:avLst/>
@@ -26702,8 +26656,8 @@
         </p:blipFill>
         <p:spPr>
           <a:xfrm>
-            <a:off x="3886200" y="3467520"/>
-            <a:ext cx="3274920" cy="417240"/>
+            <a:off x="4497840" y="3657600"/>
+            <a:ext cx="3273480" cy="415800"/>
           </a:xfrm>
           <a:prstGeom prst="rect">
             <a:avLst/>
@@ -26725,8 +26679,8 @@
         </p:blipFill>
         <p:spPr>
           <a:xfrm>
-            <a:off x="4229280" y="5257800"/>
-            <a:ext cx="3084480" cy="569880"/>
+            <a:off x="4572000" y="5374080"/>
+            <a:ext cx="3083040" cy="568440"/>
           </a:xfrm>
           <a:prstGeom prst="rect">
             <a:avLst/>
@@ -26736,6 +26690,110 @@
           </a:ln>
         </p:spPr>
       </p:pic>
+      <p:sp>
+        <p:nvSpPr>
+          <p:cNvPr id="503" name=""/>
+          <p:cNvSpPr/>
+          <p:nvPr/>
+        </p:nvSpPr>
+        <p:spPr>
+          <a:xfrm>
+            <a:off x="457200" y="2286000"/>
+            <a:ext cx="2513520" cy="857160"/>
+          </a:xfrm>
+          <a:prstGeom prst="rect">
+            <a:avLst/>
+          </a:prstGeom>
+          <a:noFill/>
+          <a:ln w="0">
+            <a:noFill/>
+          </a:ln>
+        </p:spPr>
+        <p:style>
+          <a:lnRef idx="0"/>
+          <a:fillRef idx="0"/>
+          <a:effectRef idx="0"/>
+          <a:fontRef idx="minor"/>
+        </p:style>
+        <p:txBody>
+          <a:bodyPr lIns="90000" rIns="90000" tIns="45000" bIns="45000" anchor="t">
+            <a:noAutofit/>
+          </a:bodyPr>
+          <a:p>
+            <a:pPr>
+              <a:lnSpc>
+                <a:spcPct val="100000"/>
+              </a:lnSpc>
+              <a:buNone/>
+            </a:pPr>
+            <a:r>
+              <a:rPr b="0" lang="en-US" sz="1800" spc="-1" strike="noStrike">
+                <a:solidFill>
+                  <a:srgbClr val="000000"/>
+                </a:solidFill>
+                <a:latin typeface="Arial"/>
+                <a:ea typeface="DejaVu Sans"/>
+              </a:rPr>
+              <a:t>Psame: All pairs of points that are of the same class</a:t>
+            </a:r>
+            <a:endParaRPr b="0" lang="en-US" sz="1800" spc="-1" strike="noStrike">
+              <a:latin typeface="Arial"/>
+            </a:endParaRPr>
+          </a:p>
+        </p:txBody>
+      </p:sp>
+      <p:sp>
+        <p:nvSpPr>
+          <p:cNvPr id="504" name=""/>
+          <p:cNvSpPr/>
+          <p:nvPr/>
+        </p:nvSpPr>
+        <p:spPr>
+          <a:xfrm>
+            <a:off x="492120" y="3438720"/>
+            <a:ext cx="2513520" cy="857160"/>
+          </a:xfrm>
+          <a:prstGeom prst="rect">
+            <a:avLst/>
+          </a:prstGeom>
+          <a:noFill/>
+          <a:ln w="0">
+            <a:noFill/>
+          </a:ln>
+        </p:spPr>
+        <p:style>
+          <a:lnRef idx="0"/>
+          <a:fillRef idx="0"/>
+          <a:effectRef idx="0"/>
+          <a:fontRef idx="minor"/>
+        </p:style>
+        <p:txBody>
+          <a:bodyPr lIns="90000" rIns="90000" tIns="45000" bIns="45000" anchor="t">
+            <a:noAutofit/>
+          </a:bodyPr>
+          <a:p>
+            <a:pPr>
+              <a:lnSpc>
+                <a:spcPct val="100000"/>
+              </a:lnSpc>
+              <a:buNone/>
+            </a:pPr>
+            <a:r>
+              <a:rPr b="0" lang="en-US" sz="1800" spc="-1" strike="noStrike">
+                <a:solidFill>
+                  <a:srgbClr val="000000"/>
+                </a:solidFill>
+                <a:latin typeface="Arial"/>
+                <a:ea typeface="DejaVu Sans"/>
+              </a:rPr>
+              <a:t>Pdiff: All pairs of points that are of different class</a:t>
+            </a:r>
+            <a:endParaRPr b="0" lang="en-US" sz="1800" spc="-1" strike="noStrike">
+              <a:latin typeface="Arial"/>
+            </a:endParaRPr>
+          </a:p>
+        </p:txBody>
+      </p:sp>
     </p:spTree>
   </p:cSld>
   <mc:AlternateContent>
@@ -26768,14 +26826,14 @@
       </p:grpSpPr>
       <p:sp>
         <p:nvSpPr>
-          <p:cNvPr id="503" name="Title 12"/>
+          <p:cNvPr id="505" name="Title 12"/>
           <p:cNvSpPr/>
           <p:nvPr/>
         </p:nvSpPr>
         <p:spPr>
           <a:xfrm>
             <a:off x="383040" y="178200"/>
-            <a:ext cx="11422440" cy="885960"/>
+            <a:ext cx="11421000" cy="884520"/>
           </a:xfrm>
           <a:prstGeom prst="rect">
             <a:avLst/>
@@ -26794,14 +26852,14 @@
       </p:sp>
       <p:sp>
         <p:nvSpPr>
-          <p:cNvPr id="504" name="Content Placeholder 23"/>
+          <p:cNvPr id="506" name="Content Placeholder 23"/>
           <p:cNvSpPr/>
           <p:nvPr/>
         </p:nvSpPr>
         <p:spPr>
           <a:xfrm>
             <a:off x="383040" y="1067040"/>
-            <a:ext cx="11204640" cy="5143680"/>
+            <a:ext cx="11203200" cy="5142240"/>
           </a:xfrm>
           <a:prstGeom prst="rect">
             <a:avLst/>
@@ -26873,14 +26931,14 @@
       </p:sp>
       <p:sp>
         <p:nvSpPr>
-          <p:cNvPr id="505" name="Content Placeholder 24"/>
+          <p:cNvPr id="507" name="Content Placeholder 24"/>
           <p:cNvSpPr/>
           <p:nvPr/>
         </p:nvSpPr>
         <p:spPr>
           <a:xfrm>
             <a:off x="492120" y="3438720"/>
-            <a:ext cx="4434480" cy="2662560"/>
+            <a:ext cx="4433040" cy="2661120"/>
           </a:xfrm>
           <a:prstGeom prst="rect">
             <a:avLst/>
@@ -26899,14 +26957,14 @@
       </p:sp>
       <p:sp>
         <p:nvSpPr>
-          <p:cNvPr id="506" name="TextBox 13"/>
+          <p:cNvPr id="508" name="TextBox 13"/>
           <p:cNvSpPr/>
           <p:nvPr/>
         </p:nvSpPr>
         <p:spPr>
           <a:xfrm>
             <a:off x="4220280" y="6458400"/>
-            <a:ext cx="3748320" cy="363960"/>
+            <a:ext cx="3746880" cy="363960"/>
           </a:xfrm>
           <a:prstGeom prst="rect">
             <a:avLst/>
@@ -26951,7 +27009,7 @@
       </p:sp>
       <p:sp>
         <p:nvSpPr>
-          <p:cNvPr id="507" name="PlaceHolder 1"/>
+          <p:cNvPr id="509" name="PlaceHolder 1"/>
           <p:cNvSpPr>
             <a:spLocks noGrp="1"/>
           </p:cNvSpPr>
@@ -26962,7 +27020,7 @@
         <p:spPr>
           <a:xfrm>
             <a:off x="618120" y="273600"/>
-            <a:ext cx="10969560" cy="1141920"/>
+            <a:ext cx="10968120" cy="1140480"/>
           </a:xfrm>
           <a:prstGeom prst="rect">
             <a:avLst/>
@@ -27012,14 +27070,14 @@
       </p:sp>
       <p:sp>
         <p:nvSpPr>
-          <p:cNvPr id="508" name=""/>
+          <p:cNvPr id="510" name=""/>
           <p:cNvSpPr/>
           <p:nvPr/>
         </p:nvSpPr>
         <p:spPr>
           <a:xfrm>
             <a:off x="2971800" y="1828800"/>
-            <a:ext cx="1141560" cy="343440"/>
+            <a:ext cx="1140120" cy="342000"/>
           </a:xfrm>
           <a:prstGeom prst="rect">
             <a:avLst/>
@@ -27064,14 +27122,14 @@
       </p:sp>
       <p:sp>
         <p:nvSpPr>
-          <p:cNvPr id="509" name=""/>
+          <p:cNvPr id="511" name=""/>
           <p:cNvSpPr/>
           <p:nvPr/>
         </p:nvSpPr>
         <p:spPr>
           <a:xfrm>
             <a:off x="8315640" y="1828800"/>
-            <a:ext cx="1055520" cy="599400"/>
+            <a:ext cx="1054080" cy="597960"/>
           </a:xfrm>
           <a:prstGeom prst="rect">
             <a:avLst/>
@@ -27127,7 +27185,7 @@
       </p:sp>
       <p:pic>
         <p:nvPicPr>
-          <p:cNvPr id="510" name="" descr=""/>
+          <p:cNvPr id="512" name="" descr=""/>
           <p:cNvPicPr/>
           <p:nvPr/>
         </p:nvPicPr>
@@ -27138,7 +27196,7 @@
         <p:spPr>
           <a:xfrm>
             <a:off x="1371600" y="2286000"/>
-            <a:ext cx="3929400" cy="3671640"/>
+            <a:ext cx="3927960" cy="3670200"/>
           </a:xfrm>
           <a:prstGeom prst="rect">
             <a:avLst/>
@@ -27150,7 +27208,7 @@
       </p:pic>
       <p:pic>
         <p:nvPicPr>
-          <p:cNvPr id="511" name="" descr=""/>
+          <p:cNvPr id="513" name="" descr=""/>
           <p:cNvPicPr/>
           <p:nvPr/>
         </p:nvPicPr>
@@ -27161,7 +27219,7 @@
         <p:spPr>
           <a:xfrm>
             <a:off x="6629400" y="2286000"/>
-            <a:ext cx="3902760" cy="3657600"/>
+            <a:ext cx="3901320" cy="3656160"/>
           </a:xfrm>
           <a:prstGeom prst="rect">
             <a:avLst/>
@@ -27203,14 +27261,14 @@
       </p:grpSpPr>
       <p:sp>
         <p:nvSpPr>
-          <p:cNvPr id="512" name="Title 15"/>
+          <p:cNvPr id="514" name="Title 15"/>
           <p:cNvSpPr/>
           <p:nvPr/>
         </p:nvSpPr>
         <p:spPr>
           <a:xfrm>
             <a:off x="383040" y="178200"/>
-            <a:ext cx="11422440" cy="885960"/>
+            <a:ext cx="11421000" cy="884520"/>
           </a:xfrm>
           <a:prstGeom prst="rect">
             <a:avLst/>
@@ -27229,14 +27287,14 @@
       </p:sp>
       <p:sp>
         <p:nvSpPr>
-          <p:cNvPr id="513" name="Content Placeholder 29"/>
+          <p:cNvPr id="515" name="Content Placeholder 29"/>
           <p:cNvSpPr/>
           <p:nvPr/>
         </p:nvSpPr>
         <p:spPr>
           <a:xfrm>
             <a:off x="383040" y="1067040"/>
-            <a:ext cx="11204640" cy="5143680"/>
+            <a:ext cx="11203200" cy="5142240"/>
           </a:xfrm>
           <a:prstGeom prst="rect">
             <a:avLst/>
@@ -27308,14 +27366,14 @@
       </p:sp>
       <p:sp>
         <p:nvSpPr>
-          <p:cNvPr id="514" name="Content Placeholder 30"/>
+          <p:cNvPr id="516" name="Content Placeholder 30"/>
           <p:cNvSpPr/>
           <p:nvPr/>
         </p:nvSpPr>
         <p:spPr>
           <a:xfrm>
             <a:off x="492120" y="3438720"/>
-            <a:ext cx="4434480" cy="2662560"/>
+            <a:ext cx="4433040" cy="2661120"/>
           </a:xfrm>
           <a:prstGeom prst="rect">
             <a:avLst/>
@@ -27334,14 +27392,14 @@
       </p:sp>
       <p:sp>
         <p:nvSpPr>
-          <p:cNvPr id="515" name="TextBox 18"/>
+          <p:cNvPr id="517" name="TextBox 18"/>
           <p:cNvSpPr/>
           <p:nvPr/>
         </p:nvSpPr>
         <p:spPr>
           <a:xfrm>
             <a:off x="4220280" y="6458400"/>
-            <a:ext cx="3748320" cy="363960"/>
+            <a:ext cx="3746880" cy="363960"/>
           </a:xfrm>
           <a:prstGeom prst="rect">
             <a:avLst/>
@@ -27386,7 +27444,7 @@
       </p:sp>
       <p:sp>
         <p:nvSpPr>
-          <p:cNvPr id="516" name="PlaceHolder 1"/>
+          <p:cNvPr id="518" name="PlaceHolder 1"/>
           <p:cNvSpPr>
             <a:spLocks noGrp="1"/>
           </p:cNvSpPr>
@@ -27397,7 +27455,7 @@
         <p:spPr>
           <a:xfrm>
             <a:off x="618120" y="273600"/>
-            <a:ext cx="10969560" cy="1141920"/>
+            <a:ext cx="10968120" cy="1140480"/>
           </a:xfrm>
           <a:prstGeom prst="rect">
             <a:avLst/>
@@ -27447,14 +27505,14 @@
       </p:sp>
       <p:sp>
         <p:nvSpPr>
-          <p:cNvPr id="517" name=""/>
+          <p:cNvPr id="519" name=""/>
           <p:cNvSpPr/>
           <p:nvPr/>
         </p:nvSpPr>
         <p:spPr>
           <a:xfrm>
             <a:off x="2971800" y="1828800"/>
-            <a:ext cx="1370160" cy="343440"/>
+            <a:ext cx="1368720" cy="342000"/>
           </a:xfrm>
           <a:prstGeom prst="rect">
             <a:avLst/>
@@ -27499,14 +27557,14 @@
       </p:sp>
       <p:sp>
         <p:nvSpPr>
-          <p:cNvPr id="518" name=""/>
+          <p:cNvPr id="520" name=""/>
           <p:cNvSpPr/>
           <p:nvPr/>
         </p:nvSpPr>
         <p:spPr>
           <a:xfrm>
             <a:off x="8315640" y="1828800"/>
-            <a:ext cx="826920" cy="599400"/>
+            <a:ext cx="825480" cy="597960"/>
           </a:xfrm>
           <a:prstGeom prst="rect">
             <a:avLst/>
@@ -27562,7 +27620,7 @@
       </p:sp>
       <p:pic>
         <p:nvPicPr>
-          <p:cNvPr id="519" name="" descr=""/>
+          <p:cNvPr id="521" name="" descr=""/>
           <p:cNvPicPr/>
           <p:nvPr/>
         </p:nvPicPr>
@@ -27573,7 +27631,7 @@
         <p:spPr>
           <a:xfrm>
             <a:off x="1143000" y="2288160"/>
-            <a:ext cx="4093200" cy="3922560"/>
+            <a:ext cx="4091760" cy="3921120"/>
           </a:xfrm>
           <a:prstGeom prst="rect">
             <a:avLst/>
@@ -27585,7 +27643,7 @@
       </p:pic>
       <p:pic>
         <p:nvPicPr>
-          <p:cNvPr id="520" name="" descr=""/>
+          <p:cNvPr id="522" name="" descr=""/>
           <p:cNvPicPr/>
           <p:nvPr/>
         </p:nvPicPr>
@@ -27596,7 +27654,7 @@
         <p:spPr>
           <a:xfrm>
             <a:off x="6858000" y="2286000"/>
-            <a:ext cx="4103640" cy="3924720"/>
+            <a:ext cx="4102200" cy="3923280"/>
           </a:xfrm>
           <a:prstGeom prst="rect">
             <a:avLst/>
@@ -27638,14 +27696,14 @@
       </p:grpSpPr>
       <p:sp>
         <p:nvSpPr>
-          <p:cNvPr id="521" name="Title 14"/>
+          <p:cNvPr id="523" name="Title 14"/>
           <p:cNvSpPr/>
           <p:nvPr/>
         </p:nvSpPr>
         <p:spPr>
           <a:xfrm>
             <a:off x="383040" y="178200"/>
-            <a:ext cx="11422440" cy="885960"/>
+            <a:ext cx="11421000" cy="884520"/>
           </a:xfrm>
           <a:prstGeom prst="rect">
             <a:avLst/>
@@ -27664,14 +27722,14 @@
       </p:sp>
       <p:sp>
         <p:nvSpPr>
-          <p:cNvPr id="522" name="Content Placeholder 27"/>
+          <p:cNvPr id="524" name="Content Placeholder 27"/>
           <p:cNvSpPr/>
           <p:nvPr/>
         </p:nvSpPr>
         <p:spPr>
           <a:xfrm>
             <a:off x="383040" y="1067040"/>
-            <a:ext cx="11204640" cy="5143680"/>
+            <a:ext cx="11203200" cy="5142240"/>
           </a:xfrm>
           <a:prstGeom prst="rect">
             <a:avLst/>
@@ -27743,14 +27801,14 @@
       </p:sp>
       <p:sp>
         <p:nvSpPr>
-          <p:cNvPr id="523" name="Content Placeholder 28"/>
+          <p:cNvPr id="525" name="Content Placeholder 28"/>
           <p:cNvSpPr/>
           <p:nvPr/>
         </p:nvSpPr>
         <p:spPr>
           <a:xfrm>
             <a:off x="492120" y="3438720"/>
-            <a:ext cx="4434480" cy="2662560"/>
+            <a:ext cx="4433040" cy="2661120"/>
           </a:xfrm>
           <a:prstGeom prst="rect">
             <a:avLst/>
@@ -27769,14 +27827,14 @@
       </p:sp>
       <p:sp>
         <p:nvSpPr>
-          <p:cNvPr id="524" name="TextBox 17"/>
+          <p:cNvPr id="526" name="TextBox 17"/>
           <p:cNvSpPr/>
           <p:nvPr/>
         </p:nvSpPr>
         <p:spPr>
           <a:xfrm>
             <a:off x="4220280" y="6458400"/>
-            <a:ext cx="3748320" cy="363960"/>
+            <a:ext cx="3746880" cy="363960"/>
           </a:xfrm>
           <a:prstGeom prst="rect">
             <a:avLst/>
@@ -27821,7 +27879,7 @@
       </p:sp>
       <p:sp>
         <p:nvSpPr>
-          <p:cNvPr id="525" name="PlaceHolder 1"/>
+          <p:cNvPr id="527" name="PlaceHolder 1"/>
           <p:cNvSpPr>
             <a:spLocks noGrp="1"/>
           </p:cNvSpPr>
@@ -27832,7 +27890,7 @@
         <p:spPr>
           <a:xfrm>
             <a:off x="618120" y="273600"/>
-            <a:ext cx="10969560" cy="1141920"/>
+            <a:ext cx="10968120" cy="1140480"/>
           </a:xfrm>
           <a:prstGeom prst="rect">
             <a:avLst/>
@@ -27884,14 +27942,14 @@
       </p:sp>
       <p:sp>
         <p:nvSpPr>
-          <p:cNvPr id="526" name=""/>
+          <p:cNvPr id="528" name=""/>
           <p:cNvSpPr/>
           <p:nvPr/>
         </p:nvSpPr>
         <p:spPr>
           <a:xfrm>
             <a:off x="2971800" y="1828800"/>
-            <a:ext cx="1141560" cy="343440"/>
+            <a:ext cx="1140120" cy="342000"/>
           </a:xfrm>
           <a:prstGeom prst="rect">
             <a:avLst/>
@@ -27936,14 +27994,14 @@
       </p:sp>
       <p:sp>
         <p:nvSpPr>
-          <p:cNvPr id="527" name=""/>
+          <p:cNvPr id="529" name=""/>
           <p:cNvSpPr/>
           <p:nvPr/>
         </p:nvSpPr>
         <p:spPr>
           <a:xfrm>
             <a:off x="8315640" y="1828800"/>
-            <a:ext cx="1055520" cy="599400"/>
+            <a:ext cx="1054080" cy="597960"/>
           </a:xfrm>
           <a:prstGeom prst="rect">
             <a:avLst/>
@@ -27999,7 +28057,7 @@
       </p:sp>
       <p:pic>
         <p:nvPicPr>
-          <p:cNvPr id="528" name="" descr=""/>
+          <p:cNvPr id="530" name="" descr=""/>
           <p:cNvPicPr/>
           <p:nvPr/>
         </p:nvPicPr>
@@ -28010,7 +28068,7 @@
         <p:spPr>
           <a:xfrm>
             <a:off x="1245600" y="2286000"/>
-            <a:ext cx="3783600" cy="3705120"/>
+            <a:ext cx="3782160" cy="3703680"/>
           </a:xfrm>
           <a:prstGeom prst="rect">
             <a:avLst/>
@@ -28022,7 +28080,7 @@
       </p:pic>
       <p:pic>
         <p:nvPicPr>
-          <p:cNvPr id="529" name="" descr=""/>
+          <p:cNvPr id="531" name="" descr=""/>
           <p:cNvPicPr/>
           <p:nvPr/>
         </p:nvPicPr>
@@ -28033,7 +28091,7 @@
         <p:spPr>
           <a:xfrm>
             <a:off x="6629400" y="2286000"/>
-            <a:ext cx="4114800" cy="3731760"/>
+            <a:ext cx="4113360" cy="3730320"/>
           </a:xfrm>
           <a:prstGeom prst="rect">
             <a:avLst/>
@@ -28075,14 +28133,14 @@
       </p:grpSpPr>
       <p:sp>
         <p:nvSpPr>
-          <p:cNvPr id="530" name="Title 16"/>
+          <p:cNvPr id="532" name="Title 16"/>
           <p:cNvSpPr/>
           <p:nvPr/>
         </p:nvSpPr>
         <p:spPr>
           <a:xfrm>
             <a:off x="383040" y="178200"/>
-            <a:ext cx="11422440" cy="885960"/>
+            <a:ext cx="11421000" cy="884520"/>
           </a:xfrm>
           <a:prstGeom prst="rect">
             <a:avLst/>
@@ -28101,14 +28159,14 @@
       </p:sp>
       <p:sp>
         <p:nvSpPr>
-          <p:cNvPr id="531" name="Content Placeholder 31"/>
+          <p:cNvPr id="533" name="Content Placeholder 31"/>
           <p:cNvSpPr/>
           <p:nvPr/>
         </p:nvSpPr>
         <p:spPr>
           <a:xfrm>
             <a:off x="383040" y="1067040"/>
-            <a:ext cx="11204640" cy="5143680"/>
+            <a:ext cx="11203200" cy="5142240"/>
           </a:xfrm>
           <a:prstGeom prst="rect">
             <a:avLst/>
@@ -28180,14 +28238,14 @@
       </p:sp>
       <p:sp>
         <p:nvSpPr>
-          <p:cNvPr id="532" name="Content Placeholder 32"/>
+          <p:cNvPr id="534" name="Content Placeholder 32"/>
           <p:cNvSpPr/>
           <p:nvPr/>
         </p:nvSpPr>
         <p:spPr>
           <a:xfrm>
             <a:off x="492120" y="3438720"/>
-            <a:ext cx="4434480" cy="2662560"/>
+            <a:ext cx="4433040" cy="2661120"/>
           </a:xfrm>
           <a:prstGeom prst="rect">
             <a:avLst/>
@@ -28206,14 +28264,14 @@
       </p:sp>
       <p:sp>
         <p:nvSpPr>
-          <p:cNvPr id="533" name="TextBox 19"/>
+          <p:cNvPr id="535" name="TextBox 19"/>
           <p:cNvSpPr/>
           <p:nvPr/>
         </p:nvSpPr>
         <p:spPr>
           <a:xfrm>
             <a:off x="4220280" y="6458400"/>
-            <a:ext cx="3748320" cy="363960"/>
+            <a:ext cx="3746880" cy="363960"/>
           </a:xfrm>
           <a:prstGeom prst="rect">
             <a:avLst/>
@@ -28258,7 +28316,7 @@
       </p:sp>
       <p:sp>
         <p:nvSpPr>
-          <p:cNvPr id="534" name="PlaceHolder 1"/>
+          <p:cNvPr id="536" name="PlaceHolder 1"/>
           <p:cNvSpPr>
             <a:spLocks noGrp="1"/>
           </p:cNvSpPr>
@@ -28269,7 +28327,7 @@
         <p:spPr>
           <a:xfrm>
             <a:off x="618120" y="273600"/>
-            <a:ext cx="10969560" cy="1141920"/>
+            <a:ext cx="10968120" cy="1140480"/>
           </a:xfrm>
           <a:prstGeom prst="rect">
             <a:avLst/>
@@ -28328,14 +28386,14 @@
       </p:sp>
       <p:sp>
         <p:nvSpPr>
-          <p:cNvPr id="535" name=""/>
+          <p:cNvPr id="537" name=""/>
           <p:cNvSpPr/>
           <p:nvPr/>
         </p:nvSpPr>
         <p:spPr>
           <a:xfrm>
             <a:off x="2971800" y="1828800"/>
-            <a:ext cx="1141560" cy="343440"/>
+            <a:ext cx="1140120" cy="342000"/>
           </a:xfrm>
           <a:prstGeom prst="rect">
             <a:avLst/>
@@ -28380,14 +28438,14 @@
       </p:sp>
       <p:sp>
         <p:nvSpPr>
-          <p:cNvPr id="536" name=""/>
+          <p:cNvPr id="538" name=""/>
           <p:cNvSpPr/>
           <p:nvPr/>
         </p:nvSpPr>
         <p:spPr>
           <a:xfrm>
             <a:off x="8315640" y="1828800"/>
-            <a:ext cx="1055520" cy="599400"/>
+            <a:ext cx="1054080" cy="597960"/>
           </a:xfrm>
           <a:prstGeom prst="rect">
             <a:avLst/>
@@ -28443,7 +28501,7 @@
       </p:sp>
       <p:pic>
         <p:nvPicPr>
-          <p:cNvPr id="537" name="" descr=""/>
+          <p:cNvPr id="539" name="" descr=""/>
           <p:cNvPicPr/>
           <p:nvPr/>
         </p:nvPicPr>
@@ -28454,7 +28512,7 @@
         <p:spPr>
           <a:xfrm>
             <a:off x="1384560" y="2286000"/>
-            <a:ext cx="3873240" cy="3657600"/>
+            <a:ext cx="3871800" cy="3656160"/>
           </a:xfrm>
           <a:prstGeom prst="rect">
             <a:avLst/>
@@ -28466,7 +28524,7 @@
       </p:pic>
       <p:pic>
         <p:nvPicPr>
-          <p:cNvPr id="538" name="" descr=""/>
+          <p:cNvPr id="540" name="" descr=""/>
           <p:cNvPicPr/>
           <p:nvPr/>
         </p:nvPicPr>
@@ -28477,7 +28535,7 @@
         <p:spPr>
           <a:xfrm>
             <a:off x="6942960" y="2286000"/>
-            <a:ext cx="4054680" cy="3657600"/>
+            <a:ext cx="4053240" cy="3656160"/>
           </a:xfrm>
           <a:prstGeom prst="rect">
             <a:avLst/>
@@ -28526,7 +28584,7 @@
         <p:spPr>
           <a:xfrm>
             <a:off x="383040" y="1067040"/>
-            <a:ext cx="11204640" cy="5143680"/>
+            <a:ext cx="11203200" cy="5142240"/>
           </a:xfrm>
           <a:prstGeom prst="rect">
             <a:avLst/>
@@ -28605,7 +28663,7 @@
         <p:spPr>
           <a:xfrm>
             <a:off x="492120" y="3438720"/>
-            <a:ext cx="4434480" cy="2662560"/>
+            <a:ext cx="4433040" cy="2661120"/>
           </a:xfrm>
           <a:prstGeom prst="rect">
             <a:avLst/>
@@ -28631,7 +28689,7 @@
         <p:spPr>
           <a:xfrm>
             <a:off x="4220280" y="6458400"/>
-            <a:ext cx="3748320" cy="363960"/>
+            <a:ext cx="3746880" cy="363960"/>
           </a:xfrm>
           <a:prstGeom prst="rect">
             <a:avLst/>
@@ -28683,7 +28741,7 @@
         <p:spPr>
           <a:xfrm>
             <a:off x="2286000" y="485640"/>
-            <a:ext cx="7998120" cy="427320"/>
+            <a:ext cx="7996680" cy="425880"/>
           </a:xfrm>
           <a:prstGeom prst="rect">
             <a:avLst/>
@@ -28735,7 +28793,7 @@
         <p:spPr>
           <a:xfrm>
             <a:off x="0" y="1371600"/>
-            <a:ext cx="8455680" cy="3655080"/>
+            <a:ext cx="8454240" cy="3653640"/>
           </a:xfrm>
           <a:prstGeom prst="rect">
             <a:avLst/>
@@ -29014,7 +29072,7 @@
         <p:spPr>
           <a:xfrm>
             <a:off x="8497080" y="1981440"/>
-            <a:ext cx="3159000" cy="1444680"/>
+            <a:ext cx="3157560" cy="1443240"/>
           </a:xfrm>
           <a:prstGeom prst="rect">
             <a:avLst/>
@@ -29037,7 +29095,7 @@
         <p:spPr>
           <a:xfrm>
             <a:off x="8458200" y="3886200"/>
-            <a:ext cx="3558600" cy="1597680"/>
+            <a:ext cx="3557160" cy="1596240"/>
           </a:xfrm>
           <a:prstGeom prst="rect">
             <a:avLst/>
@@ -29079,14 +29137,14 @@
       </p:grpSpPr>
       <p:sp>
         <p:nvSpPr>
-          <p:cNvPr id="539" name="Title 18"/>
+          <p:cNvPr id="541" name="Title 18"/>
           <p:cNvSpPr/>
           <p:nvPr/>
         </p:nvSpPr>
         <p:spPr>
           <a:xfrm>
             <a:off x="383040" y="178200"/>
-            <a:ext cx="11422440" cy="885960"/>
+            <a:ext cx="11421000" cy="884520"/>
           </a:xfrm>
           <a:prstGeom prst="rect">
             <a:avLst/>
@@ -29105,14 +29163,14 @@
       </p:sp>
       <p:sp>
         <p:nvSpPr>
-          <p:cNvPr id="540" name="Content Placeholder 35"/>
+          <p:cNvPr id="542" name="Content Placeholder 35"/>
           <p:cNvSpPr/>
           <p:nvPr/>
         </p:nvSpPr>
         <p:spPr>
           <a:xfrm>
             <a:off x="383040" y="1067040"/>
-            <a:ext cx="11204640" cy="5143680"/>
+            <a:ext cx="11203200" cy="5142240"/>
           </a:xfrm>
           <a:prstGeom prst="rect">
             <a:avLst/>
@@ -29184,14 +29242,14 @@
       </p:sp>
       <p:sp>
         <p:nvSpPr>
-          <p:cNvPr id="541" name="Content Placeholder 36"/>
+          <p:cNvPr id="543" name="Content Placeholder 36"/>
           <p:cNvSpPr/>
           <p:nvPr/>
         </p:nvSpPr>
         <p:spPr>
           <a:xfrm>
             <a:off x="492120" y="3438720"/>
-            <a:ext cx="4434480" cy="2662560"/>
+            <a:ext cx="4433040" cy="2661120"/>
           </a:xfrm>
           <a:prstGeom prst="rect">
             <a:avLst/>
@@ -29210,14 +29268,14 @@
       </p:sp>
       <p:sp>
         <p:nvSpPr>
-          <p:cNvPr id="542" name="TextBox 21"/>
+          <p:cNvPr id="544" name="TextBox 21"/>
           <p:cNvSpPr/>
           <p:nvPr/>
         </p:nvSpPr>
         <p:spPr>
           <a:xfrm>
             <a:off x="4220280" y="6458400"/>
-            <a:ext cx="3748320" cy="363960"/>
+            <a:ext cx="3746880" cy="363960"/>
           </a:xfrm>
           <a:prstGeom prst="rect">
             <a:avLst/>
@@ -29262,7 +29320,7 @@
       </p:sp>
       <p:sp>
         <p:nvSpPr>
-          <p:cNvPr id="543" name="PlaceHolder 1"/>
+          <p:cNvPr id="545" name="PlaceHolder 1"/>
           <p:cNvSpPr>
             <a:spLocks noGrp="1"/>
           </p:cNvSpPr>
@@ -29273,7 +29331,7 @@
         <p:spPr>
           <a:xfrm>
             <a:off x="618120" y="273600"/>
-            <a:ext cx="10969560" cy="1141920"/>
+            <a:ext cx="10968120" cy="1140480"/>
           </a:xfrm>
           <a:prstGeom prst="rect">
             <a:avLst/>
@@ -29311,14 +29369,14 @@
       </p:sp>
       <p:sp>
         <p:nvSpPr>
-          <p:cNvPr id="544" name=""/>
+          <p:cNvPr id="546" name=""/>
           <p:cNvSpPr/>
           <p:nvPr/>
         </p:nvSpPr>
         <p:spPr>
           <a:xfrm>
             <a:off x="1855080" y="2079720"/>
-            <a:ext cx="10032120" cy="5464080"/>
+            <a:ext cx="10030680" cy="5462640"/>
           </a:xfrm>
           <a:prstGeom prst="rect">
             <a:avLst/>
@@ -29407,6 +29465,27 @@
                 <a:ea typeface="DejaVu Sans"/>
               </a:rPr>
               <a:t>The other approach in the train set learns very fast but it is not well generalizable in the test set.</a:t>
+            </a:r>
+            <a:endParaRPr b="0" lang="en-US" sz="1800" spc="-1" strike="noStrike">
+              <a:latin typeface="Arial"/>
+            </a:endParaRPr>
+          </a:p>
+          <a:p>
+            <a:pPr>
+              <a:lnSpc>
+                <a:spcPct val="100000"/>
+              </a:lnSpc>
+              <a:buNone/>
+            </a:pPr>
+            <a:r>
+              <a:rPr b="0" lang="en-US" sz="1800" spc="-1" strike="noStrike">
+                <a:solidFill>
+                  <a:srgbClr val="000000"/>
+                </a:solidFill>
+                <a:latin typeface="Arial"/>
+                <a:ea typeface="DejaVu Sans"/>
+              </a:rPr>
+              <a:t>The fast convergeance could be due to a lot of data that we gave it.</a:t>
             </a:r>
             <a:endParaRPr b="0" lang="en-US" sz="1800" spc="-1" strike="noStrike">
               <a:latin typeface="Arial"/>
@@ -29670,14 +29749,14 @@
       </p:grpSpPr>
       <p:sp>
         <p:nvSpPr>
-          <p:cNvPr id="545" name="Title 21"/>
+          <p:cNvPr id="547" name="Title 21"/>
           <p:cNvSpPr/>
           <p:nvPr/>
         </p:nvSpPr>
         <p:spPr>
           <a:xfrm>
             <a:off x="383040" y="178200"/>
-            <a:ext cx="11422440" cy="885960"/>
+            <a:ext cx="11421000" cy="884520"/>
           </a:xfrm>
           <a:prstGeom prst="rect">
             <a:avLst/>
@@ -29696,14 +29775,14 @@
       </p:sp>
       <p:sp>
         <p:nvSpPr>
-          <p:cNvPr id="546" name="Content Placeholder 41"/>
+          <p:cNvPr id="548" name="Content Placeholder 41"/>
           <p:cNvSpPr/>
           <p:nvPr/>
         </p:nvSpPr>
         <p:spPr>
           <a:xfrm>
             <a:off x="383040" y="1067040"/>
-            <a:ext cx="11204640" cy="5143680"/>
+            <a:ext cx="11203200" cy="5142240"/>
           </a:xfrm>
           <a:prstGeom prst="rect">
             <a:avLst/>
@@ -29775,14 +29854,14 @@
       </p:sp>
       <p:sp>
         <p:nvSpPr>
-          <p:cNvPr id="547" name="Content Placeholder 42"/>
+          <p:cNvPr id="549" name="Content Placeholder 42"/>
           <p:cNvSpPr/>
           <p:nvPr/>
         </p:nvSpPr>
         <p:spPr>
           <a:xfrm>
             <a:off x="492120" y="3438720"/>
-            <a:ext cx="4434480" cy="2662560"/>
+            <a:ext cx="4433040" cy="2661120"/>
           </a:xfrm>
           <a:prstGeom prst="rect">
             <a:avLst/>
@@ -29801,14 +29880,14 @@
       </p:sp>
       <p:sp>
         <p:nvSpPr>
-          <p:cNvPr id="548" name="TextBox 24"/>
+          <p:cNvPr id="550" name="TextBox 24"/>
           <p:cNvSpPr/>
           <p:nvPr/>
         </p:nvSpPr>
         <p:spPr>
           <a:xfrm>
             <a:off x="4220280" y="6458400"/>
-            <a:ext cx="3748320" cy="363960"/>
+            <a:ext cx="3746880" cy="363960"/>
           </a:xfrm>
           <a:prstGeom prst="rect">
             <a:avLst/>
@@ -29853,7 +29932,7 @@
       </p:sp>
       <p:sp>
         <p:nvSpPr>
-          <p:cNvPr id="549" name="PlaceHolder 1"/>
+          <p:cNvPr id="551" name="PlaceHolder 1"/>
           <p:cNvSpPr>
             <a:spLocks noGrp="1"/>
           </p:cNvSpPr>
@@ -29864,7 +29943,7 @@
         <p:spPr>
           <a:xfrm>
             <a:off x="618120" y="273600"/>
-            <a:ext cx="10969560" cy="1141920"/>
+            <a:ext cx="10968120" cy="1140480"/>
           </a:xfrm>
           <a:prstGeom prst="rect">
             <a:avLst/>
@@ -29911,14 +29990,14 @@
       </p:sp>
       <p:sp>
         <p:nvSpPr>
-          <p:cNvPr id="550" name=""/>
+          <p:cNvPr id="552" name=""/>
           <p:cNvSpPr/>
           <p:nvPr/>
         </p:nvSpPr>
         <p:spPr>
           <a:xfrm>
             <a:off x="2743200" y="2057400"/>
-            <a:ext cx="6627960" cy="3160440"/>
+            <a:ext cx="6626520" cy="3159000"/>
           </a:xfrm>
           <a:prstGeom prst="rect">
             <a:avLst/>
@@ -29985,7 +30064,7 @@
                 <a:latin typeface="Arial"/>
                 <a:ea typeface="DejaVu Sans"/>
               </a:rPr>
-              <a:t>There are problems with lighting and distance from the camera. The distance must be not too far or too close and the lighting not too bright.</a:t>
+              <a:t>There are problems with lighting and distance from the camera. The distance seems to be more important in the tripletloss models.</a:t>
             </a:r>
             <a:endParaRPr b="0" lang="en-US" sz="1800" spc="-1" strike="noStrike">
               <a:latin typeface="Arial"/>
@@ -30132,14 +30211,14 @@
       </p:grpSpPr>
       <p:sp>
         <p:nvSpPr>
-          <p:cNvPr id="551" name="Title 1"/>
+          <p:cNvPr id="553" name="Title 1"/>
           <p:cNvSpPr/>
           <p:nvPr/>
         </p:nvSpPr>
         <p:spPr>
           <a:xfrm>
             <a:off x="383040" y="3152160"/>
-            <a:ext cx="11422440" cy="885960"/>
+            <a:ext cx="11421000" cy="884520"/>
           </a:xfrm>
           <a:prstGeom prst="rect">
             <a:avLst/>
@@ -30184,14 +30263,14 @@
       </p:sp>
       <p:sp>
         <p:nvSpPr>
-          <p:cNvPr id="552" name="TextBox 1"/>
+          <p:cNvPr id="554" name="TextBox 1"/>
           <p:cNvSpPr/>
           <p:nvPr/>
         </p:nvSpPr>
         <p:spPr>
           <a:xfrm>
             <a:off x="4220280" y="6455160"/>
-            <a:ext cx="3748320" cy="363960"/>
+            <a:ext cx="3746880" cy="363960"/>
           </a:xfrm>
           <a:prstGeom prst="rect">
             <a:avLst/>
@@ -30273,7 +30352,7 @@
         <p:spPr>
           <a:xfrm>
             <a:off x="383040" y="178200"/>
-            <a:ext cx="11422440" cy="885960"/>
+            <a:ext cx="11421000" cy="884520"/>
           </a:xfrm>
           <a:prstGeom prst="rect">
             <a:avLst/>
@@ -30299,7 +30378,7 @@
         <p:spPr>
           <a:xfrm>
             <a:off x="383040" y="1067040"/>
-            <a:ext cx="11204640" cy="5143680"/>
+            <a:ext cx="11203200" cy="5142240"/>
           </a:xfrm>
           <a:prstGeom prst="rect">
             <a:avLst/>
@@ -30378,7 +30457,7 @@
         <p:spPr>
           <a:xfrm>
             <a:off x="492120" y="3438720"/>
-            <a:ext cx="4434480" cy="2662560"/>
+            <a:ext cx="4433040" cy="2661120"/>
           </a:xfrm>
           <a:prstGeom prst="rect">
             <a:avLst/>
@@ -30404,7 +30483,7 @@
         <p:spPr>
           <a:xfrm>
             <a:off x="4220280" y="6458400"/>
-            <a:ext cx="3748320" cy="363960"/>
+            <a:ext cx="3746880" cy="363960"/>
           </a:xfrm>
           <a:prstGeom prst="rect">
             <a:avLst/>
@@ -30456,7 +30535,7 @@
         <p:spPr>
           <a:xfrm>
             <a:off x="2971800" y="914400"/>
-            <a:ext cx="6855120" cy="427320"/>
+            <a:ext cx="6853680" cy="425880"/>
           </a:xfrm>
           <a:prstGeom prst="rect">
             <a:avLst/>
@@ -30508,7 +30587,7 @@
         <p:spPr>
           <a:xfrm>
             <a:off x="2057400" y="2041560"/>
-            <a:ext cx="9369720" cy="3670920"/>
+            <a:ext cx="9368280" cy="3669480"/>
           </a:xfrm>
           <a:prstGeom prst="rect">
             <a:avLst/>
@@ -30772,7 +30851,7 @@
         <p:spPr>
           <a:xfrm>
             <a:off x="383040" y="178200"/>
-            <a:ext cx="11422440" cy="885960"/>
+            <a:ext cx="11421000" cy="884520"/>
           </a:xfrm>
           <a:prstGeom prst="rect">
             <a:avLst/>
@@ -30798,7 +30877,7 @@
         <p:spPr>
           <a:xfrm>
             <a:off x="383040" y="1067040"/>
-            <a:ext cx="11204640" cy="5143680"/>
+            <a:ext cx="11203200" cy="5142240"/>
           </a:xfrm>
           <a:prstGeom prst="rect">
             <a:avLst/>
@@ -30877,7 +30956,7 @@
         <p:spPr>
           <a:xfrm>
             <a:off x="492120" y="3438720"/>
-            <a:ext cx="4434480" cy="2662560"/>
+            <a:ext cx="4433040" cy="2661120"/>
           </a:xfrm>
           <a:prstGeom prst="rect">
             <a:avLst/>
@@ -30903,7 +30982,7 @@
         <p:spPr>
           <a:xfrm>
             <a:off x="4220280" y="6458400"/>
-            <a:ext cx="3748320" cy="363960"/>
+            <a:ext cx="3746880" cy="363960"/>
           </a:xfrm>
           <a:prstGeom prst="rect">
             <a:avLst/>
@@ -30955,7 +31034,7 @@
         <p:spPr>
           <a:xfrm>
             <a:off x="2743200" y="1922400"/>
-            <a:ext cx="7540920" cy="2647080"/>
+            <a:ext cx="7539480" cy="2645640"/>
           </a:xfrm>
           <a:prstGeom prst="rect">
             <a:avLst/>
@@ -31103,7 +31182,7 @@
         <p:spPr>
           <a:xfrm>
             <a:off x="2971800" y="914400"/>
-            <a:ext cx="6855120" cy="427320"/>
+            <a:ext cx="6853680" cy="425880"/>
           </a:xfrm>
           <a:prstGeom prst="rect">
             <a:avLst/>
@@ -31185,7 +31264,7 @@
         <p:spPr>
           <a:xfrm>
             <a:off x="383040" y="178200"/>
-            <a:ext cx="11422440" cy="885960"/>
+            <a:ext cx="11421000" cy="884520"/>
           </a:xfrm>
           <a:prstGeom prst="rect">
             <a:avLst/>
@@ -31211,7 +31290,7 @@
         <p:spPr>
           <a:xfrm>
             <a:off x="383040" y="1067040"/>
-            <a:ext cx="11204640" cy="5143680"/>
+            <a:ext cx="11203200" cy="5142240"/>
           </a:xfrm>
           <a:prstGeom prst="rect">
             <a:avLst/>
@@ -31290,7 +31369,7 @@
         <p:spPr>
           <a:xfrm>
             <a:off x="492120" y="3438720"/>
-            <a:ext cx="4434480" cy="2662560"/>
+            <a:ext cx="4433040" cy="2661120"/>
           </a:xfrm>
           <a:prstGeom prst="rect">
             <a:avLst/>
@@ -31316,7 +31395,7 @@
         <p:spPr>
           <a:xfrm>
             <a:off x="4220280" y="6458400"/>
-            <a:ext cx="3748320" cy="363960"/>
+            <a:ext cx="3746880" cy="363960"/>
           </a:xfrm>
           <a:prstGeom prst="rect">
             <a:avLst/>
@@ -31372,7 +31451,7 @@
         <p:spPr>
           <a:xfrm>
             <a:off x="609480" y="273600"/>
-            <a:ext cx="10969560" cy="1141920"/>
+            <a:ext cx="10968120" cy="1140480"/>
           </a:xfrm>
           <a:prstGeom prst="rect">
             <a:avLst/>
@@ -31421,7 +31500,7 @@
         <p:spPr>
           <a:xfrm>
             <a:off x="7086600" y="2057400"/>
-            <a:ext cx="4492440" cy="1368720"/>
+            <a:ext cx="4491000" cy="1367280"/>
           </a:xfrm>
           <a:prstGeom prst="rect">
             <a:avLst/>
@@ -31613,7 +31692,7 @@
         <p:spPr>
           <a:xfrm>
             <a:off x="733680" y="2057400"/>
-            <a:ext cx="4978440" cy="3708000"/>
+            <a:ext cx="4977000" cy="3706560"/>
           </a:xfrm>
           <a:prstGeom prst="rect">
             <a:avLst/>
@@ -31632,7 +31711,7 @@
         <p:spPr>
           <a:xfrm>
             <a:off x="7095240" y="3585240"/>
-            <a:ext cx="4492440" cy="2813040"/>
+            <a:ext cx="4491000" cy="2811600"/>
           </a:xfrm>
           <a:prstGeom prst="rect">
             <a:avLst/>
@@ -31884,7 +31963,7 @@
         <p:spPr>
           <a:xfrm>
             <a:off x="383040" y="178200"/>
-            <a:ext cx="11422440" cy="885960"/>
+            <a:ext cx="11421000" cy="884520"/>
           </a:xfrm>
           <a:prstGeom prst="rect">
             <a:avLst/>
@@ -31910,7 +31989,7 @@
         <p:spPr>
           <a:xfrm>
             <a:off x="383040" y="1067040"/>
-            <a:ext cx="11204640" cy="5143680"/>
+            <a:ext cx="11203200" cy="5142240"/>
           </a:xfrm>
           <a:prstGeom prst="rect">
             <a:avLst/>
@@ -31989,7 +32068,7 @@
         <p:spPr>
           <a:xfrm>
             <a:off x="492120" y="3438720"/>
-            <a:ext cx="4434480" cy="2662560"/>
+            <a:ext cx="4433040" cy="2661120"/>
           </a:xfrm>
           <a:prstGeom prst="rect">
             <a:avLst/>
@@ -32015,7 +32094,7 @@
         <p:spPr>
           <a:xfrm>
             <a:off x="4220280" y="6458400"/>
-            <a:ext cx="3748320" cy="363960"/>
+            <a:ext cx="3746880" cy="363960"/>
           </a:xfrm>
           <a:prstGeom prst="rect">
             <a:avLst/>
@@ -32071,7 +32150,7 @@
         <p:spPr>
           <a:xfrm>
             <a:off x="609480" y="273600"/>
-            <a:ext cx="10969560" cy="1141920"/>
+            <a:ext cx="10968120" cy="1140480"/>
           </a:xfrm>
           <a:prstGeom prst="rect">
             <a:avLst/>
@@ -32120,7 +32199,7 @@
         <p:spPr>
           <a:xfrm>
             <a:off x="685800" y="1972080"/>
-            <a:ext cx="5549760" cy="2597040"/>
+            <a:ext cx="5548320" cy="2595600"/>
           </a:xfrm>
           <a:prstGeom prst="rect">
             <a:avLst/>
@@ -32139,7 +32218,7 @@
         <p:spPr>
           <a:xfrm>
             <a:off x="7095240" y="2057400"/>
-            <a:ext cx="4492440" cy="1368720"/>
+            <a:ext cx="4491000" cy="1367280"/>
           </a:xfrm>
           <a:prstGeom prst="rect">
             <a:avLst/>
@@ -32191,7 +32270,7 @@
         <p:spPr>
           <a:xfrm>
             <a:off x="7095240" y="3657600"/>
-            <a:ext cx="4492440" cy="2813040"/>
+            <a:ext cx="4491000" cy="2811600"/>
           </a:xfrm>
           <a:prstGeom prst="rect">
             <a:avLst/>
@@ -32443,7 +32522,7 @@
         <p:spPr>
           <a:xfrm>
             <a:off x="383040" y="178200"/>
-            <a:ext cx="11422440" cy="885960"/>
+            <a:ext cx="11421000" cy="884520"/>
           </a:xfrm>
           <a:prstGeom prst="rect">
             <a:avLst/>
@@ -32469,7 +32548,7 @@
         <p:spPr>
           <a:xfrm>
             <a:off x="383040" y="1067040"/>
-            <a:ext cx="11204640" cy="5143680"/>
+            <a:ext cx="11203200" cy="5142240"/>
           </a:xfrm>
           <a:prstGeom prst="rect">
             <a:avLst/>
@@ -32548,7 +32627,7 @@
         <p:spPr>
           <a:xfrm>
             <a:off x="492120" y="3438720"/>
-            <a:ext cx="4434480" cy="2662560"/>
+            <a:ext cx="4433040" cy="2661120"/>
           </a:xfrm>
           <a:prstGeom prst="rect">
             <a:avLst/>
@@ -32574,7 +32653,7 @@
         <p:spPr>
           <a:xfrm>
             <a:off x="4220280" y="6458400"/>
-            <a:ext cx="3748320" cy="363960"/>
+            <a:ext cx="3746880" cy="363960"/>
           </a:xfrm>
           <a:prstGeom prst="rect">
             <a:avLst/>
@@ -32630,7 +32709,7 @@
         <p:spPr>
           <a:xfrm>
             <a:off x="618120" y="273600"/>
-            <a:ext cx="10969560" cy="1141920"/>
+            <a:ext cx="10968120" cy="1140480"/>
           </a:xfrm>
           <a:prstGeom prst="rect">
             <a:avLst/>
@@ -32675,7 +32754,7 @@
         <p:spPr>
           <a:xfrm>
             <a:off x="685800" y="2068560"/>
-            <a:ext cx="5942160" cy="3672360"/>
+            <a:ext cx="5940720" cy="3670920"/>
           </a:xfrm>
           <a:prstGeom prst="rect">
             <a:avLst/>
@@ -32902,7 +32981,7 @@
         <p:spPr>
           <a:xfrm>
             <a:off x="7040520" y="1828800"/>
-            <a:ext cx="4845240" cy="4113360"/>
+            <a:ext cx="4843800" cy="4111920"/>
           </a:xfrm>
           <a:prstGeom prst="rect">
             <a:avLst/>
@@ -32951,7 +33030,7 @@
         <p:spPr>
           <a:xfrm>
             <a:off x="383040" y="178200"/>
-            <a:ext cx="11422440" cy="885960"/>
+            <a:ext cx="11421000" cy="884520"/>
           </a:xfrm>
           <a:prstGeom prst="rect">
             <a:avLst/>
@@ -32977,7 +33056,7 @@
         <p:spPr>
           <a:xfrm>
             <a:off x="383040" y="1067040"/>
-            <a:ext cx="11204640" cy="5143680"/>
+            <a:ext cx="11203200" cy="5142240"/>
           </a:xfrm>
           <a:prstGeom prst="rect">
             <a:avLst/>
@@ -33056,7 +33135,7 @@
         <p:spPr>
           <a:xfrm>
             <a:off x="492120" y="3438720"/>
-            <a:ext cx="4434480" cy="2662560"/>
+            <a:ext cx="4433040" cy="2661120"/>
           </a:xfrm>
           <a:prstGeom prst="rect">
             <a:avLst/>
@@ -33082,7 +33161,7 @@
         <p:spPr>
           <a:xfrm>
             <a:off x="4220280" y="6458400"/>
-            <a:ext cx="3748320" cy="363960"/>
+            <a:ext cx="3746880" cy="363960"/>
           </a:xfrm>
           <a:prstGeom prst="rect">
             <a:avLst/>
@@ -33138,7 +33217,7 @@
         <p:spPr>
           <a:xfrm>
             <a:off x="618120" y="273600"/>
-            <a:ext cx="10969560" cy="1141920"/>
+            <a:ext cx="10968120" cy="1140480"/>
           </a:xfrm>
           <a:prstGeom prst="rect">
             <a:avLst/>
@@ -33187,7 +33266,7 @@
         <p:spPr>
           <a:xfrm>
             <a:off x="6629400" y="2465280"/>
-            <a:ext cx="4340520" cy="3246840"/>
+            <a:ext cx="4339080" cy="3245400"/>
           </a:xfrm>
           <a:prstGeom prst="rect">
             <a:avLst/>
@@ -33210,7 +33289,7 @@
         <p:spPr>
           <a:xfrm>
             <a:off x="1371600" y="2465280"/>
-            <a:ext cx="4340520" cy="3246840"/>
+            <a:ext cx="4339080" cy="3245400"/>
           </a:xfrm>
           <a:prstGeom prst="rect">
             <a:avLst/>
@@ -33229,7 +33308,7 @@
         <p:spPr>
           <a:xfrm>
             <a:off x="2971800" y="1828800"/>
-            <a:ext cx="1141560" cy="343440"/>
+            <a:ext cx="1140120" cy="342000"/>
           </a:xfrm>
           <a:prstGeom prst="rect">
             <a:avLst/>
@@ -33281,7 +33360,7 @@
         <p:spPr>
           <a:xfrm>
             <a:off x="8315640" y="1828800"/>
-            <a:ext cx="826920" cy="599400"/>
+            <a:ext cx="825480" cy="597960"/>
           </a:xfrm>
           <a:prstGeom prst="rect">
             <a:avLst/>
@@ -33374,7 +33453,7 @@
         <p:spPr>
           <a:xfrm>
             <a:off x="383040" y="178200"/>
-            <a:ext cx="11422440" cy="885960"/>
+            <a:ext cx="11421000" cy="884520"/>
           </a:xfrm>
           <a:prstGeom prst="rect">
             <a:avLst/>
@@ -33400,7 +33479,7 @@
         <p:spPr>
           <a:xfrm>
             <a:off x="383040" y="1067040"/>
-            <a:ext cx="11204640" cy="5143680"/>
+            <a:ext cx="11203200" cy="5142240"/>
           </a:xfrm>
           <a:prstGeom prst="rect">
             <a:avLst/>
@@ -33479,7 +33558,7 @@
         <p:spPr>
           <a:xfrm>
             <a:off x="492120" y="3438720"/>
-            <a:ext cx="4434480" cy="2662560"/>
+            <a:ext cx="4433040" cy="2661120"/>
           </a:xfrm>
           <a:prstGeom prst="rect">
             <a:avLst/>
@@ -33505,7 +33584,7 @@
         <p:spPr>
           <a:xfrm>
             <a:off x="4220280" y="6458400"/>
-            <a:ext cx="3748320" cy="363960"/>
+            <a:ext cx="3746880" cy="363960"/>
           </a:xfrm>
           <a:prstGeom prst="rect">
             <a:avLst/>
@@ -33561,7 +33640,7 @@
         <p:spPr>
           <a:xfrm>
             <a:off x="618120" y="273600"/>
-            <a:ext cx="10969560" cy="1141920"/>
+            <a:ext cx="10968120" cy="1140480"/>
           </a:xfrm>
           <a:prstGeom prst="rect">
             <a:avLst/>
@@ -33589,7 +33668,7 @@
                 </a:solidFill>
                 <a:latin typeface="Calibri"/>
               </a:rPr>
-              <a:t>Comparison of the CNN models :FNR</a:t>
+              <a:t>Comparison of the CNN models :FNMR</a:t>
             </a:r>
             <a:endParaRPr b="0" lang="en-US" sz="2400" spc="-1" strike="noStrike">
               <a:latin typeface="Arial"/>
@@ -33606,7 +33685,7 @@
         <p:spPr>
           <a:xfrm>
             <a:off x="2971800" y="1828800"/>
-            <a:ext cx="1141560" cy="343440"/>
+            <a:ext cx="1140120" cy="342000"/>
           </a:xfrm>
           <a:prstGeom prst="rect">
             <a:avLst/>
@@ -33658,7 +33737,7 @@
         <p:spPr>
           <a:xfrm>
             <a:off x="8315640" y="1828800"/>
-            <a:ext cx="826920" cy="599400"/>
+            <a:ext cx="825480" cy="597960"/>
           </a:xfrm>
           <a:prstGeom prst="rect">
             <a:avLst/>
@@ -33725,7 +33804,7 @@
         <p:spPr>
           <a:xfrm>
             <a:off x="668160" y="2286000"/>
-            <a:ext cx="5043960" cy="3773160"/>
+            <a:ext cx="5042520" cy="3771720"/>
           </a:xfrm>
           <a:prstGeom prst="rect">
             <a:avLst/>
@@ -33748,7 +33827,7 @@
         <p:spPr>
           <a:xfrm>
             <a:off x="6300720" y="2286000"/>
-            <a:ext cx="5126400" cy="3773160"/>
+            <a:ext cx="5124960" cy="3771720"/>
           </a:xfrm>
           <a:prstGeom prst="rect">
             <a:avLst/>
